--- a/WORDLE WITH AI.pptx
+++ b/WORDLE WITH AI.pptx
@@ -2,7 +2,7 @@
 <file path=ppt/presentation.xml><?xml version="1.0" encoding="utf-8"?>
 <p:presentation xmlns:a="http://schemas.openxmlformats.org/drawingml/2006/main" xmlns:r="http://schemas.openxmlformats.org/officeDocument/2006/relationships" xmlns:p="http://schemas.openxmlformats.org/presentationml/2006/main" saveSubsetFonts="1">
   <p:sldMasterIdLst>
-    <p:sldMasterId id="2147483648" r:id="rId1"/>
+    <p:sldMasterId id="2147483708" r:id="rId1"/>
   </p:sldMasterIdLst>
   <p:sldIdLst>
     <p:sldId id="256" r:id="rId2"/>
@@ -18,9 +18,9 @@
   <p:notesSz cx="6858000" cy="9144000"/>
   <p:defaultTextStyle>
     <a:defPPr>
-      <a:defRPr lang="ko-KR"/>
+      <a:defRPr lang="en-US"/>
     </a:defPPr>
-    <a:lvl1pPr marL="0" algn="l" defTabSz="914400" rtl="0" eaLnBrk="1" latinLnBrk="1" hangingPunct="1">
+    <a:lvl1pPr marL="0" algn="l" defTabSz="457200" rtl="0" eaLnBrk="1" latinLnBrk="0" hangingPunct="1">
       <a:defRPr sz="1800" kern="1200">
         <a:solidFill>
           <a:schemeClr val="tx1"/>
@@ -30,7 +30,7 @@
         <a:cs typeface="+mn-cs"/>
       </a:defRPr>
     </a:lvl1pPr>
-    <a:lvl2pPr marL="457200" algn="l" defTabSz="914400" rtl="0" eaLnBrk="1" latinLnBrk="1" hangingPunct="1">
+    <a:lvl2pPr marL="457200" algn="l" defTabSz="457200" rtl="0" eaLnBrk="1" latinLnBrk="0" hangingPunct="1">
       <a:defRPr sz="1800" kern="1200">
         <a:solidFill>
           <a:schemeClr val="tx1"/>
@@ -40,7 +40,7 @@
         <a:cs typeface="+mn-cs"/>
       </a:defRPr>
     </a:lvl2pPr>
-    <a:lvl3pPr marL="914400" algn="l" defTabSz="914400" rtl="0" eaLnBrk="1" latinLnBrk="1" hangingPunct="1">
+    <a:lvl3pPr marL="914400" algn="l" defTabSz="457200" rtl="0" eaLnBrk="1" latinLnBrk="0" hangingPunct="1">
       <a:defRPr sz="1800" kern="1200">
         <a:solidFill>
           <a:schemeClr val="tx1"/>
@@ -50,7 +50,7 @@
         <a:cs typeface="+mn-cs"/>
       </a:defRPr>
     </a:lvl3pPr>
-    <a:lvl4pPr marL="1371600" algn="l" defTabSz="914400" rtl="0" eaLnBrk="1" latinLnBrk="1" hangingPunct="1">
+    <a:lvl4pPr marL="1371600" algn="l" defTabSz="457200" rtl="0" eaLnBrk="1" latinLnBrk="0" hangingPunct="1">
       <a:defRPr sz="1800" kern="1200">
         <a:solidFill>
           <a:schemeClr val="tx1"/>
@@ -60,7 +60,7 @@
         <a:cs typeface="+mn-cs"/>
       </a:defRPr>
     </a:lvl4pPr>
-    <a:lvl5pPr marL="1828800" algn="l" defTabSz="914400" rtl="0" eaLnBrk="1" latinLnBrk="1" hangingPunct="1">
+    <a:lvl5pPr marL="1828800" algn="l" defTabSz="457200" rtl="0" eaLnBrk="1" latinLnBrk="0" hangingPunct="1">
       <a:defRPr sz="1800" kern="1200">
         <a:solidFill>
           <a:schemeClr val="tx1"/>
@@ -70,7 +70,7 @@
         <a:cs typeface="+mn-cs"/>
       </a:defRPr>
     </a:lvl5pPr>
-    <a:lvl6pPr marL="2286000" algn="l" defTabSz="914400" rtl="0" eaLnBrk="1" latinLnBrk="1" hangingPunct="1">
+    <a:lvl6pPr marL="2286000" algn="l" defTabSz="457200" rtl="0" eaLnBrk="1" latinLnBrk="0" hangingPunct="1">
       <a:defRPr sz="1800" kern="1200">
         <a:solidFill>
           <a:schemeClr val="tx1"/>
@@ -80,7 +80,7 @@
         <a:cs typeface="+mn-cs"/>
       </a:defRPr>
     </a:lvl6pPr>
-    <a:lvl7pPr marL="2743200" algn="l" defTabSz="914400" rtl="0" eaLnBrk="1" latinLnBrk="1" hangingPunct="1">
+    <a:lvl7pPr marL="2743200" algn="l" defTabSz="457200" rtl="0" eaLnBrk="1" latinLnBrk="0" hangingPunct="1">
       <a:defRPr sz="1800" kern="1200">
         <a:solidFill>
           <a:schemeClr val="tx1"/>
@@ -90,7 +90,7 @@
         <a:cs typeface="+mn-cs"/>
       </a:defRPr>
     </a:lvl7pPr>
-    <a:lvl8pPr marL="3200400" algn="l" defTabSz="914400" rtl="0" eaLnBrk="1" latinLnBrk="1" hangingPunct="1">
+    <a:lvl8pPr marL="3200400" algn="l" defTabSz="457200" rtl="0" eaLnBrk="1" latinLnBrk="0" hangingPunct="1">
       <a:defRPr sz="1800" kern="1200">
         <a:solidFill>
           <a:schemeClr val="tx1"/>
@@ -100,7 +100,7 @@
         <a:cs typeface="+mn-cs"/>
       </a:defRPr>
     </a:lvl8pPr>
-    <a:lvl9pPr marL="3657600" algn="l" defTabSz="914400" rtl="0" eaLnBrk="1" latinLnBrk="1" hangingPunct="1">
+    <a:lvl9pPr marL="3657600" algn="l" defTabSz="457200" rtl="0" eaLnBrk="1" latinLnBrk="0" hangingPunct="1">
       <a:defRPr sz="1800" kern="1200">
         <a:solidFill>
           <a:schemeClr val="tx1"/>
@@ -111,6 +111,11 @@
       </a:defRPr>
     </a:lvl9pPr>
   </p:defaultTextStyle>
+  <p:extLst>
+    <p:ext uri="{EFAFB233-063F-42B5-8137-9DF3F51BA10A}">
+      <p15:sldGuideLst xmlns:p15="http://schemas.microsoft.com/office/powerpoint/2012/main"/>
+    </p:ext>
+  </p:extLst>
 </p:presentation>
 </file>
 
@@ -133,13 +138,7 @@
       </p:grpSpPr>
       <p:sp>
         <p:nvSpPr>
-          <p:cNvPr id="2" name="제목 1">
-            <a:extLst>
-              <a:ext uri="{FF2B5EF4-FFF2-40B4-BE49-F238E27FC236}">
-                <a16:creationId xmlns:a16="http://schemas.microsoft.com/office/drawing/2014/main" id="{C3CA7B50-1A45-4668-9FFB-F6D97BF5C9A9}"/>
-              </a:ext>
-            </a:extLst>
-          </p:cNvPr>
+          <p:cNvPr id="2" name="Title 1"/>
           <p:cNvSpPr>
             <a:spLocks noGrp="1"/>
           </p:cNvSpPr>
@@ -149,15 +148,17 @@
         </p:nvSpPr>
         <p:spPr>
           <a:xfrm>
-            <a:off x="1524000" y="1122363"/>
-            <a:ext cx="9144000" cy="2387600"/>
+            <a:off x="1370693" y="1769540"/>
+            <a:ext cx="9440034" cy="1828801"/>
           </a:xfrm>
         </p:spPr>
         <p:txBody>
-          <a:bodyPr anchor="b"/>
+          <a:bodyPr anchor="b">
+            <a:normAutofit/>
+          </a:bodyPr>
           <a:lstStyle>
             <a:lvl1pPr algn="ctr">
-              <a:defRPr sz="6000"/>
+              <a:defRPr sz="5400"/>
             </a:lvl1pPr>
           </a:lstStyle>
           <a:p>
@@ -165,18 +166,13 @@
               <a:rPr lang="ko-KR" altLang="en-US"/>
               <a:t>마스터 제목 스타일 편집</a:t>
             </a:r>
-          </a:p>
-        </p:txBody>
-      </p:sp>
-      <p:sp>
-        <p:nvSpPr>
-          <p:cNvPr id="3" name="부제목 2">
-            <a:extLst>
-              <a:ext uri="{FF2B5EF4-FFF2-40B4-BE49-F238E27FC236}">
-                <a16:creationId xmlns:a16="http://schemas.microsoft.com/office/drawing/2014/main" id="{A420A2B9-4BB7-4A3A-AC57-18F89392D581}"/>
-              </a:ext>
-            </a:extLst>
-          </p:cNvPr>
+            <a:endParaRPr lang="en-US" dirty="0"/>
+          </a:p>
+        </p:txBody>
+      </p:sp>
+      <p:sp>
+        <p:nvSpPr>
+          <p:cNvPr id="3" name="Subtitle 2"/>
           <p:cNvSpPr>
             <a:spLocks noGrp="1"/>
           </p:cNvSpPr>
@@ -186,48 +182,100 @@
         </p:nvSpPr>
         <p:spPr>
           <a:xfrm>
-            <a:off x="1524000" y="3602038"/>
-            <a:ext cx="9144000" cy="1655762"/>
+            <a:off x="1370693" y="3598339"/>
+            <a:ext cx="9440034" cy="1049867"/>
           </a:xfrm>
         </p:spPr>
         <p:txBody>
-          <a:bodyPr/>
+          <a:bodyPr anchor="t"/>
           <a:lstStyle>
             <a:lvl1pPr marL="0" indent="0" algn="ctr">
               <a:buNone/>
-              <a:defRPr sz="2400"/>
+              <a:defRPr>
+                <a:solidFill>
+                  <a:schemeClr val="tx1"/>
+                </a:solidFill>
+              </a:defRPr>
             </a:lvl1pPr>
             <a:lvl2pPr marL="457200" indent="0" algn="ctr">
               <a:buNone/>
-              <a:defRPr sz="2000"/>
+              <a:defRPr>
+                <a:solidFill>
+                  <a:schemeClr val="tx1">
+                    <a:tint val="75000"/>
+                  </a:schemeClr>
+                </a:solidFill>
+              </a:defRPr>
             </a:lvl2pPr>
             <a:lvl3pPr marL="914400" indent="0" algn="ctr">
               <a:buNone/>
-              <a:defRPr sz="1800"/>
+              <a:defRPr>
+                <a:solidFill>
+                  <a:schemeClr val="tx1">
+                    <a:tint val="75000"/>
+                  </a:schemeClr>
+                </a:solidFill>
+              </a:defRPr>
             </a:lvl3pPr>
             <a:lvl4pPr marL="1371600" indent="0" algn="ctr">
               <a:buNone/>
-              <a:defRPr sz="1600"/>
+              <a:defRPr>
+                <a:solidFill>
+                  <a:schemeClr val="tx1">
+                    <a:tint val="75000"/>
+                  </a:schemeClr>
+                </a:solidFill>
+              </a:defRPr>
             </a:lvl4pPr>
             <a:lvl5pPr marL="1828800" indent="0" algn="ctr">
               <a:buNone/>
-              <a:defRPr sz="1600"/>
+              <a:defRPr>
+                <a:solidFill>
+                  <a:schemeClr val="tx1">
+                    <a:tint val="75000"/>
+                  </a:schemeClr>
+                </a:solidFill>
+              </a:defRPr>
             </a:lvl5pPr>
             <a:lvl6pPr marL="2286000" indent="0" algn="ctr">
               <a:buNone/>
-              <a:defRPr sz="1600"/>
+              <a:defRPr>
+                <a:solidFill>
+                  <a:schemeClr val="tx1">
+                    <a:tint val="75000"/>
+                  </a:schemeClr>
+                </a:solidFill>
+              </a:defRPr>
             </a:lvl6pPr>
             <a:lvl7pPr marL="2743200" indent="0" algn="ctr">
               <a:buNone/>
-              <a:defRPr sz="1600"/>
+              <a:defRPr>
+                <a:solidFill>
+                  <a:schemeClr val="tx1">
+                    <a:tint val="75000"/>
+                  </a:schemeClr>
+                </a:solidFill>
+              </a:defRPr>
             </a:lvl7pPr>
             <a:lvl8pPr marL="3200400" indent="0" algn="ctr">
               <a:buNone/>
-              <a:defRPr sz="1600"/>
+              <a:defRPr>
+                <a:solidFill>
+                  <a:schemeClr val="tx1">
+                    <a:tint val="75000"/>
+                  </a:schemeClr>
+                </a:solidFill>
+              </a:defRPr>
             </a:lvl8pPr>
             <a:lvl9pPr marL="3657600" indent="0" algn="ctr">
               <a:buNone/>
-              <a:defRPr sz="1600"/>
+              <a:defRPr>
+                <a:solidFill>
+                  <a:schemeClr val="tx1">
+                    <a:tint val="75000"/>
+                  </a:schemeClr>
+                </a:solidFill>
+              </a:defRPr>
             </a:lvl9pPr>
           </a:lstStyle>
           <a:p>
@@ -235,18 +283,13 @@
               <a:rPr lang="ko-KR" altLang="en-US"/>
               <a:t>클릭하여 마스터 부제목 스타일 편집</a:t>
             </a:r>
-          </a:p>
-        </p:txBody>
-      </p:sp>
-      <p:sp>
-        <p:nvSpPr>
-          <p:cNvPr id="4" name="날짜 개체 틀 3">
-            <a:extLst>
-              <a:ext uri="{FF2B5EF4-FFF2-40B4-BE49-F238E27FC236}">
-                <a16:creationId xmlns:a16="http://schemas.microsoft.com/office/drawing/2014/main" id="{7C5CB134-9547-4719-BF50-440A1EF3901C}"/>
-              </a:ext>
-            </a:extLst>
-          </p:cNvPr>
+            <a:endParaRPr lang="en-US" dirty="0"/>
+          </a:p>
+        </p:txBody>
+      </p:sp>
+      <p:sp>
+        <p:nvSpPr>
+          <p:cNvPr id="4" name="Date Placeholder 3"/>
           <p:cNvSpPr>
             <a:spLocks noGrp="1"/>
           </p:cNvSpPr>
@@ -269,13 +312,7 @@
       </p:sp>
       <p:sp>
         <p:nvSpPr>
-          <p:cNvPr id="5" name="바닥글 개체 틀 4">
-            <a:extLst>
-              <a:ext uri="{FF2B5EF4-FFF2-40B4-BE49-F238E27FC236}">
-                <a16:creationId xmlns:a16="http://schemas.microsoft.com/office/drawing/2014/main" id="{3F31A1CE-78B3-4FBE-9753-FB830FFCFACD}"/>
-              </a:ext>
-            </a:extLst>
-          </p:cNvPr>
+          <p:cNvPr id="5" name="Footer Placeholder 4"/>
           <p:cNvSpPr>
             <a:spLocks noGrp="1"/>
           </p:cNvSpPr>
@@ -294,13 +331,7 @@
       </p:sp>
       <p:sp>
         <p:nvSpPr>
-          <p:cNvPr id="6" name="슬라이드 번호 개체 틀 5">
-            <a:extLst>
-              <a:ext uri="{FF2B5EF4-FFF2-40B4-BE49-F238E27FC236}">
-                <a16:creationId xmlns:a16="http://schemas.microsoft.com/office/drawing/2014/main" id="{6EE0B22B-2C79-4E7D-9AFB-14F5548F9783}"/>
-              </a:ext>
-            </a:extLst>
-          </p:cNvPr>
+          <p:cNvPr id="6" name="Slide Number Placeholder 5"/>
           <p:cNvSpPr>
             <a:spLocks noGrp="1"/>
           </p:cNvSpPr>
@@ -324,7 +355,7 @@
     </p:spTree>
     <p:extLst>
       <p:ext uri="{BB962C8B-B14F-4D97-AF65-F5344CB8AC3E}">
-        <p14:creationId xmlns:p14="http://schemas.microsoft.com/office/powerpoint/2010/main" val="1121646593"/>
+        <p14:creationId xmlns:p14="http://schemas.microsoft.com/office/powerpoint/2010/main" val="1310699786"/>
       </p:ext>
     </p:extLst>
   </p:cSld>
@@ -335,6 +366,2582 @@
 </file>
 
 <file path=ppt/slideLayouts/slideLayout10.xml><?xml version="1.0" encoding="utf-8"?>
+<p:sldLayout xmlns:a="http://schemas.openxmlformats.org/drawingml/2006/main" xmlns:r="http://schemas.openxmlformats.org/officeDocument/2006/relationships" xmlns:p="http://schemas.openxmlformats.org/presentationml/2006/main" preserve="1">
+  <p:cSld name="캡션 있는 파노라마 그림">
+    <p:spTree>
+      <p:nvGrpSpPr>
+        <p:cNvPr id="1" name=""/>
+        <p:cNvGrpSpPr/>
+        <p:nvPr/>
+      </p:nvGrpSpPr>
+      <p:grpSpPr>
+        <a:xfrm>
+          <a:off x="0" y="0"/>
+          <a:ext cx="0" cy="0"/>
+          <a:chOff x="0" y="0"/>
+          <a:chExt cx="0" cy="0"/>
+        </a:xfrm>
+      </p:grpSpPr>
+      <p:pic>
+        <p:nvPicPr>
+          <p:cNvPr id="16" name="Picture 15" descr="Slate-V2-HD-panoPhotoInset.png"/>
+          <p:cNvPicPr>
+            <a:picLocks noChangeAspect="1"/>
+          </p:cNvPicPr>
+          <p:nvPr/>
+        </p:nvPicPr>
+        <p:blipFill>
+          <a:blip r:embed="rId2">
+            <a:extLst>
+              <a:ext uri="{28A0092B-C50C-407E-A947-70E740481C1C}">
+                <a14:useLocalDpi xmlns:a14="http://schemas.microsoft.com/office/drawing/2010/main" val="0"/>
+              </a:ext>
+            </a:extLst>
+          </a:blip>
+          <a:stretch>
+            <a:fillRect/>
+          </a:stretch>
+        </p:blipFill>
+        <p:spPr>
+          <a:xfrm>
+            <a:off x="1013883" y="547807"/>
+            <a:ext cx="10141799" cy="3816806"/>
+          </a:xfrm>
+          <a:prstGeom prst="rect">
+            <a:avLst/>
+          </a:prstGeom>
+        </p:spPr>
+      </p:pic>
+      <p:sp>
+        <p:nvSpPr>
+          <p:cNvPr id="2" name="Title 1"/>
+          <p:cNvSpPr>
+            <a:spLocks noGrp="1"/>
+          </p:cNvSpPr>
+          <p:nvPr>
+            <p:ph type="title"/>
+          </p:nvPr>
+        </p:nvSpPr>
+        <p:spPr>
+          <a:xfrm>
+            <a:off x="913806" y="4565255"/>
+            <a:ext cx="10355326" cy="543472"/>
+          </a:xfrm>
+        </p:spPr>
+        <p:txBody>
+          <a:bodyPr anchor="b">
+            <a:normAutofit/>
+          </a:bodyPr>
+          <a:lstStyle>
+            <a:lvl1pPr algn="ctr">
+              <a:defRPr sz="2800"/>
+            </a:lvl1pPr>
+          </a:lstStyle>
+          <a:p>
+            <a:r>
+              <a:rPr lang="ko-KR" altLang="en-US"/>
+              <a:t>마스터 제목 스타일 편집</a:t>
+            </a:r>
+            <a:endParaRPr lang="en-US" dirty="0"/>
+          </a:p>
+        </p:txBody>
+      </p:sp>
+      <p:sp>
+        <p:nvSpPr>
+          <p:cNvPr id="3" name="Picture Placeholder 2"/>
+          <p:cNvSpPr>
+            <a:spLocks noGrp="1" noChangeAspect="1"/>
+          </p:cNvSpPr>
+          <p:nvPr>
+            <p:ph type="pic" idx="1"/>
+          </p:nvPr>
+        </p:nvSpPr>
+        <p:spPr>
+          <a:xfrm>
+            <a:off x="1169349" y="695009"/>
+            <a:ext cx="9845346" cy="3525671"/>
+          </a:xfrm>
+          <a:effectLst>
+            <a:outerShdw blurRad="38100" dist="25400" dir="4440000">
+              <a:srgbClr val="000000">
+                <a:alpha val="36000"/>
+              </a:srgbClr>
+            </a:outerShdw>
+          </a:effectLst>
+        </p:spPr>
+        <p:txBody>
+          <a:bodyPr anchor="t">
+            <a:normAutofit/>
+          </a:bodyPr>
+          <a:lstStyle>
+            <a:lvl1pPr marL="0" indent="0" algn="ctr">
+              <a:buNone/>
+              <a:defRPr sz="2000"/>
+            </a:lvl1pPr>
+            <a:lvl2pPr marL="457200" indent="0">
+              <a:buNone/>
+              <a:defRPr sz="2000"/>
+            </a:lvl2pPr>
+            <a:lvl3pPr marL="914400" indent="0">
+              <a:buNone/>
+              <a:defRPr sz="2000"/>
+            </a:lvl3pPr>
+            <a:lvl4pPr marL="1371600" indent="0">
+              <a:buNone/>
+              <a:defRPr sz="2000"/>
+            </a:lvl4pPr>
+            <a:lvl5pPr marL="1828800" indent="0">
+              <a:buNone/>
+              <a:defRPr sz="2000"/>
+            </a:lvl5pPr>
+            <a:lvl6pPr marL="2286000" indent="0">
+              <a:buNone/>
+              <a:defRPr sz="2000"/>
+            </a:lvl6pPr>
+            <a:lvl7pPr marL="2743200" indent="0">
+              <a:buNone/>
+              <a:defRPr sz="2000"/>
+            </a:lvl7pPr>
+            <a:lvl8pPr marL="3200400" indent="0">
+              <a:buNone/>
+              <a:defRPr sz="2000"/>
+            </a:lvl8pPr>
+            <a:lvl9pPr marL="3657600" indent="0">
+              <a:buNone/>
+              <a:defRPr sz="2000"/>
+            </a:lvl9pPr>
+          </a:lstStyle>
+          <a:p>
+            <a:r>
+              <a:rPr lang="ko-KR" altLang="en-US"/>
+              <a:t>그림을 추가하려면 아이콘을 클릭하십시오</a:t>
+            </a:r>
+            <a:endParaRPr lang="en-US" dirty="0"/>
+          </a:p>
+        </p:txBody>
+      </p:sp>
+      <p:sp>
+        <p:nvSpPr>
+          <p:cNvPr id="4" name="Text Placeholder 3"/>
+          <p:cNvSpPr>
+            <a:spLocks noGrp="1"/>
+          </p:cNvSpPr>
+          <p:nvPr>
+            <p:ph type="body" sz="half" idx="2"/>
+          </p:nvPr>
+        </p:nvSpPr>
+        <p:spPr>
+          <a:xfrm>
+            <a:off x="913795" y="5108728"/>
+            <a:ext cx="10353762" cy="682472"/>
+          </a:xfrm>
+        </p:spPr>
+        <p:txBody>
+          <a:bodyPr anchor="t"/>
+          <a:lstStyle>
+            <a:lvl1pPr marL="0" indent="0" algn="ctr">
+              <a:buNone/>
+              <a:defRPr sz="1600"/>
+            </a:lvl1pPr>
+            <a:lvl2pPr marL="457200" indent="0">
+              <a:buNone/>
+              <a:defRPr sz="1400"/>
+            </a:lvl2pPr>
+            <a:lvl3pPr marL="914400" indent="0">
+              <a:buNone/>
+              <a:defRPr sz="1200"/>
+            </a:lvl3pPr>
+            <a:lvl4pPr marL="1371600" indent="0">
+              <a:buNone/>
+              <a:defRPr sz="1000"/>
+            </a:lvl4pPr>
+            <a:lvl5pPr marL="1828800" indent="0">
+              <a:buNone/>
+              <a:defRPr sz="1000"/>
+            </a:lvl5pPr>
+            <a:lvl6pPr marL="2286000" indent="0">
+              <a:buNone/>
+              <a:defRPr sz="1000"/>
+            </a:lvl6pPr>
+            <a:lvl7pPr marL="2743200" indent="0">
+              <a:buNone/>
+              <a:defRPr sz="1000"/>
+            </a:lvl7pPr>
+            <a:lvl8pPr marL="3200400" indent="0">
+              <a:buNone/>
+              <a:defRPr sz="1000"/>
+            </a:lvl8pPr>
+            <a:lvl9pPr marL="3657600" indent="0">
+              <a:buNone/>
+              <a:defRPr sz="1000"/>
+            </a:lvl9pPr>
+          </a:lstStyle>
+          <a:p>
+            <a:pPr lvl="0"/>
+            <a:r>
+              <a:rPr lang="ko-KR" altLang="en-US"/>
+              <a:t>마스터 텍스트 스타일을 편집하려면 클릭</a:t>
+            </a:r>
+          </a:p>
+        </p:txBody>
+      </p:sp>
+      <p:sp>
+        <p:nvSpPr>
+          <p:cNvPr id="5" name="Date Placeholder 4"/>
+          <p:cNvSpPr>
+            <a:spLocks noGrp="1"/>
+          </p:cNvSpPr>
+          <p:nvPr>
+            <p:ph type="dt" sz="half" idx="10"/>
+          </p:nvPr>
+        </p:nvSpPr>
+        <p:spPr/>
+        <p:txBody>
+          <a:bodyPr/>
+          <a:lstStyle/>
+          <a:p>
+            <a:fld id="{29510597-35BB-42D3-8797-3CABDE860D5E}" type="datetimeFigureOut">
+              <a:rPr lang="ko-KR" altLang="en-US" smtClean="0"/>
+              <a:t>2022-04-09</a:t>
+            </a:fld>
+            <a:endParaRPr lang="ko-KR" altLang="en-US"/>
+          </a:p>
+        </p:txBody>
+      </p:sp>
+      <p:sp>
+        <p:nvSpPr>
+          <p:cNvPr id="6" name="Footer Placeholder 5"/>
+          <p:cNvSpPr>
+            <a:spLocks noGrp="1"/>
+          </p:cNvSpPr>
+          <p:nvPr>
+            <p:ph type="ftr" sz="quarter" idx="11"/>
+          </p:nvPr>
+        </p:nvSpPr>
+        <p:spPr/>
+        <p:txBody>
+          <a:bodyPr/>
+          <a:lstStyle/>
+          <a:p>
+            <a:endParaRPr lang="ko-KR" altLang="en-US"/>
+          </a:p>
+        </p:txBody>
+      </p:sp>
+      <p:sp>
+        <p:nvSpPr>
+          <p:cNvPr id="7" name="Slide Number Placeholder 6"/>
+          <p:cNvSpPr>
+            <a:spLocks noGrp="1"/>
+          </p:cNvSpPr>
+          <p:nvPr>
+            <p:ph type="sldNum" sz="quarter" idx="12"/>
+          </p:nvPr>
+        </p:nvSpPr>
+        <p:spPr/>
+        <p:txBody>
+          <a:bodyPr/>
+          <a:lstStyle/>
+          <a:p>
+            <a:fld id="{8EEF4A2C-00F4-4133-9163-0E35D48D9A48}" type="slidenum">
+              <a:rPr lang="ko-KR" altLang="en-US" smtClean="0"/>
+              <a:t>‹#›</a:t>
+            </a:fld>
+            <a:endParaRPr lang="ko-KR" altLang="en-US"/>
+          </a:p>
+        </p:txBody>
+      </p:sp>
+    </p:spTree>
+    <p:extLst>
+      <p:ext uri="{BB962C8B-B14F-4D97-AF65-F5344CB8AC3E}">
+        <p14:creationId xmlns:p14="http://schemas.microsoft.com/office/powerpoint/2010/main" val="2016081426"/>
+      </p:ext>
+    </p:extLst>
+  </p:cSld>
+  <p:clrMapOvr>
+    <a:masterClrMapping/>
+  </p:clrMapOvr>
+</p:sldLayout>
+</file>
+
+<file path=ppt/slideLayouts/slideLayout11.xml><?xml version="1.0" encoding="utf-8"?>
+<p:sldLayout xmlns:a="http://schemas.openxmlformats.org/drawingml/2006/main" xmlns:r="http://schemas.openxmlformats.org/officeDocument/2006/relationships" xmlns:p="http://schemas.openxmlformats.org/presentationml/2006/main" preserve="1">
+  <p:cSld name="제목 및 캡션">
+    <p:spTree>
+      <p:nvGrpSpPr>
+        <p:cNvPr id="1" name=""/>
+        <p:cNvGrpSpPr/>
+        <p:nvPr/>
+      </p:nvGrpSpPr>
+      <p:grpSpPr>
+        <a:xfrm>
+          <a:off x="0" y="0"/>
+          <a:ext cx="0" cy="0"/>
+          <a:chOff x="0" y="0"/>
+          <a:chExt cx="0" cy="0"/>
+        </a:xfrm>
+      </p:grpSpPr>
+      <p:sp>
+        <p:nvSpPr>
+          <p:cNvPr id="2" name="Title 1"/>
+          <p:cNvSpPr>
+            <a:spLocks noGrp="1"/>
+          </p:cNvSpPr>
+          <p:nvPr>
+            <p:ph type="title"/>
+          </p:nvPr>
+        </p:nvSpPr>
+        <p:spPr>
+          <a:xfrm>
+            <a:off x="913795" y="608437"/>
+            <a:ext cx="10353762" cy="3534344"/>
+          </a:xfrm>
+        </p:spPr>
+        <p:txBody>
+          <a:bodyPr anchor="ctr"/>
+          <a:lstStyle>
+            <a:lvl1pPr>
+              <a:defRPr sz="3200"/>
+            </a:lvl1pPr>
+          </a:lstStyle>
+          <a:p>
+            <a:r>
+              <a:rPr lang="ko-KR" altLang="en-US"/>
+              <a:t>마스터 제목 스타일 편집</a:t>
+            </a:r>
+            <a:endParaRPr lang="en-US" dirty="0"/>
+          </a:p>
+        </p:txBody>
+      </p:sp>
+      <p:sp>
+        <p:nvSpPr>
+          <p:cNvPr id="4" name="Text Placeholder 3"/>
+          <p:cNvSpPr>
+            <a:spLocks noGrp="1"/>
+          </p:cNvSpPr>
+          <p:nvPr>
+            <p:ph type="body" sz="half" idx="2"/>
+          </p:nvPr>
+        </p:nvSpPr>
+        <p:spPr>
+          <a:xfrm>
+            <a:off x="913794" y="4295180"/>
+            <a:ext cx="10353763" cy="1501826"/>
+          </a:xfrm>
+        </p:spPr>
+        <p:txBody>
+          <a:bodyPr anchor="ctr"/>
+          <a:lstStyle>
+            <a:lvl1pPr marL="0" indent="0" algn="ctr">
+              <a:buNone/>
+              <a:defRPr sz="1600"/>
+            </a:lvl1pPr>
+            <a:lvl2pPr marL="457200" indent="0">
+              <a:buNone/>
+              <a:defRPr sz="1400"/>
+            </a:lvl2pPr>
+            <a:lvl3pPr marL="914400" indent="0">
+              <a:buNone/>
+              <a:defRPr sz="1200"/>
+            </a:lvl3pPr>
+            <a:lvl4pPr marL="1371600" indent="0">
+              <a:buNone/>
+              <a:defRPr sz="1000"/>
+            </a:lvl4pPr>
+            <a:lvl5pPr marL="1828800" indent="0">
+              <a:buNone/>
+              <a:defRPr sz="1000"/>
+            </a:lvl5pPr>
+            <a:lvl6pPr marL="2286000" indent="0">
+              <a:buNone/>
+              <a:defRPr sz="1000"/>
+            </a:lvl6pPr>
+            <a:lvl7pPr marL="2743200" indent="0">
+              <a:buNone/>
+              <a:defRPr sz="1000"/>
+            </a:lvl7pPr>
+            <a:lvl8pPr marL="3200400" indent="0">
+              <a:buNone/>
+              <a:defRPr sz="1000"/>
+            </a:lvl8pPr>
+            <a:lvl9pPr marL="3657600" indent="0">
+              <a:buNone/>
+              <a:defRPr sz="1000"/>
+            </a:lvl9pPr>
+          </a:lstStyle>
+          <a:p>
+            <a:pPr lvl="0"/>
+            <a:r>
+              <a:rPr lang="ko-KR" altLang="en-US"/>
+              <a:t>마스터 텍스트 스타일을 편집하려면 클릭</a:t>
+            </a:r>
+          </a:p>
+        </p:txBody>
+      </p:sp>
+      <p:sp>
+        <p:nvSpPr>
+          <p:cNvPr id="5" name="Date Placeholder 4"/>
+          <p:cNvSpPr>
+            <a:spLocks noGrp="1"/>
+          </p:cNvSpPr>
+          <p:nvPr>
+            <p:ph type="dt" sz="half" idx="10"/>
+          </p:nvPr>
+        </p:nvSpPr>
+        <p:spPr/>
+        <p:txBody>
+          <a:bodyPr/>
+          <a:lstStyle/>
+          <a:p>
+            <a:fld id="{29510597-35BB-42D3-8797-3CABDE860D5E}" type="datetimeFigureOut">
+              <a:rPr lang="ko-KR" altLang="en-US" smtClean="0"/>
+              <a:t>2022-04-09</a:t>
+            </a:fld>
+            <a:endParaRPr lang="ko-KR" altLang="en-US"/>
+          </a:p>
+        </p:txBody>
+      </p:sp>
+      <p:sp>
+        <p:nvSpPr>
+          <p:cNvPr id="6" name="Footer Placeholder 5"/>
+          <p:cNvSpPr>
+            <a:spLocks noGrp="1"/>
+          </p:cNvSpPr>
+          <p:nvPr>
+            <p:ph type="ftr" sz="quarter" idx="11"/>
+          </p:nvPr>
+        </p:nvSpPr>
+        <p:spPr/>
+        <p:txBody>
+          <a:bodyPr/>
+          <a:lstStyle/>
+          <a:p>
+            <a:endParaRPr lang="ko-KR" altLang="en-US"/>
+          </a:p>
+        </p:txBody>
+      </p:sp>
+      <p:sp>
+        <p:nvSpPr>
+          <p:cNvPr id="7" name="Slide Number Placeholder 6"/>
+          <p:cNvSpPr>
+            <a:spLocks noGrp="1"/>
+          </p:cNvSpPr>
+          <p:nvPr>
+            <p:ph type="sldNum" sz="quarter" idx="12"/>
+          </p:nvPr>
+        </p:nvSpPr>
+        <p:spPr/>
+        <p:txBody>
+          <a:bodyPr/>
+          <a:lstStyle/>
+          <a:p>
+            <a:fld id="{8EEF4A2C-00F4-4133-9163-0E35D48D9A48}" type="slidenum">
+              <a:rPr lang="ko-KR" altLang="en-US" smtClean="0"/>
+              <a:t>‹#›</a:t>
+            </a:fld>
+            <a:endParaRPr lang="ko-KR" altLang="en-US"/>
+          </a:p>
+        </p:txBody>
+      </p:sp>
+    </p:spTree>
+    <p:extLst>
+      <p:ext uri="{BB962C8B-B14F-4D97-AF65-F5344CB8AC3E}">
+        <p14:creationId xmlns:p14="http://schemas.microsoft.com/office/powerpoint/2010/main" val="4212364351"/>
+      </p:ext>
+    </p:extLst>
+  </p:cSld>
+  <p:clrMapOvr>
+    <a:masterClrMapping/>
+  </p:clrMapOvr>
+</p:sldLayout>
+</file>
+
+<file path=ppt/slideLayouts/slideLayout12.xml><?xml version="1.0" encoding="utf-8"?>
+<p:sldLayout xmlns:a="http://schemas.openxmlformats.org/drawingml/2006/main" xmlns:r="http://schemas.openxmlformats.org/officeDocument/2006/relationships" xmlns:p="http://schemas.openxmlformats.org/presentationml/2006/main" preserve="1">
+  <p:cSld name="캡션 있는 인용문">
+    <p:spTree>
+      <p:nvGrpSpPr>
+        <p:cNvPr id="1" name=""/>
+        <p:cNvGrpSpPr/>
+        <p:nvPr/>
+      </p:nvGrpSpPr>
+      <p:grpSpPr>
+        <a:xfrm>
+          <a:off x="0" y="0"/>
+          <a:ext cx="0" cy="0"/>
+          <a:chOff x="0" y="0"/>
+          <a:chExt cx="0" cy="0"/>
+        </a:xfrm>
+      </p:grpSpPr>
+      <p:sp>
+        <p:nvSpPr>
+          <p:cNvPr id="2" name="Title 1"/>
+          <p:cNvSpPr>
+            <a:spLocks noGrp="1"/>
+          </p:cNvSpPr>
+          <p:nvPr>
+            <p:ph type="title"/>
+          </p:nvPr>
+        </p:nvSpPr>
+        <p:spPr>
+          <a:xfrm>
+            <a:off x="1446212" y="609600"/>
+            <a:ext cx="9302752" cy="2992904"/>
+          </a:xfrm>
+        </p:spPr>
+        <p:txBody>
+          <a:bodyPr anchor="ctr"/>
+          <a:lstStyle>
+            <a:lvl1pPr>
+              <a:defRPr sz="3200"/>
+            </a:lvl1pPr>
+          </a:lstStyle>
+          <a:p>
+            <a:r>
+              <a:rPr lang="ko-KR" altLang="en-US"/>
+              <a:t>마스터 제목 스타일 편집</a:t>
+            </a:r>
+            <a:endParaRPr lang="en-US" dirty="0"/>
+          </a:p>
+        </p:txBody>
+      </p:sp>
+      <p:sp>
+        <p:nvSpPr>
+          <p:cNvPr id="12" name="Text Placeholder 3"/>
+          <p:cNvSpPr>
+            <a:spLocks noGrp="1"/>
+          </p:cNvSpPr>
+          <p:nvPr>
+            <p:ph type="body" sz="half" idx="13"/>
+          </p:nvPr>
+        </p:nvSpPr>
+        <p:spPr>
+          <a:xfrm>
+            <a:off x="1720644" y="3610032"/>
+            <a:ext cx="8752299" cy="532749"/>
+          </a:xfrm>
+        </p:spPr>
+        <p:txBody>
+          <a:bodyPr anchor="t">
+            <a:normAutofit/>
+          </a:bodyPr>
+          <a:lstStyle>
+            <a:lvl1pPr marL="0" indent="0" algn="r">
+              <a:buNone/>
+              <a:defRPr sz="1400"/>
+            </a:lvl1pPr>
+            <a:lvl2pPr marL="457200" indent="0">
+              <a:buNone/>
+              <a:defRPr sz="1400"/>
+            </a:lvl2pPr>
+            <a:lvl3pPr marL="914400" indent="0">
+              <a:buNone/>
+              <a:defRPr sz="1200"/>
+            </a:lvl3pPr>
+            <a:lvl4pPr marL="1371600" indent="0">
+              <a:buNone/>
+              <a:defRPr sz="1000"/>
+            </a:lvl4pPr>
+            <a:lvl5pPr marL="1828800" indent="0">
+              <a:buNone/>
+              <a:defRPr sz="1000"/>
+            </a:lvl5pPr>
+            <a:lvl6pPr marL="2286000" indent="0">
+              <a:buNone/>
+              <a:defRPr sz="1000"/>
+            </a:lvl6pPr>
+            <a:lvl7pPr marL="2743200" indent="0">
+              <a:buNone/>
+              <a:defRPr sz="1000"/>
+            </a:lvl7pPr>
+            <a:lvl8pPr marL="3200400" indent="0">
+              <a:buNone/>
+              <a:defRPr sz="1000"/>
+            </a:lvl8pPr>
+            <a:lvl9pPr marL="3657600" indent="0">
+              <a:buNone/>
+              <a:defRPr sz="1000"/>
+            </a:lvl9pPr>
+          </a:lstStyle>
+          <a:p>
+            <a:pPr lvl="0"/>
+            <a:r>
+              <a:rPr lang="ko-KR" altLang="en-US"/>
+              <a:t>마스터 텍스트 스타일을 편집하려면 클릭</a:t>
+            </a:r>
+          </a:p>
+        </p:txBody>
+      </p:sp>
+      <p:sp>
+        <p:nvSpPr>
+          <p:cNvPr id="4" name="Text Placeholder 3"/>
+          <p:cNvSpPr>
+            <a:spLocks noGrp="1"/>
+          </p:cNvSpPr>
+          <p:nvPr>
+            <p:ph type="body" sz="half" idx="2"/>
+          </p:nvPr>
+        </p:nvSpPr>
+        <p:spPr>
+          <a:xfrm>
+            <a:off x="913794" y="4304353"/>
+            <a:ext cx="10353763" cy="1489496"/>
+          </a:xfrm>
+        </p:spPr>
+        <p:txBody>
+          <a:bodyPr anchor="ctr">
+            <a:normAutofit/>
+          </a:bodyPr>
+          <a:lstStyle>
+            <a:lvl1pPr marL="0" indent="0" algn="ctr">
+              <a:buNone/>
+              <a:defRPr sz="1600"/>
+            </a:lvl1pPr>
+            <a:lvl2pPr marL="457200" indent="0">
+              <a:buNone/>
+              <a:defRPr sz="1400"/>
+            </a:lvl2pPr>
+            <a:lvl3pPr marL="914400" indent="0">
+              <a:buNone/>
+              <a:defRPr sz="1200"/>
+            </a:lvl3pPr>
+            <a:lvl4pPr marL="1371600" indent="0">
+              <a:buNone/>
+              <a:defRPr sz="1000"/>
+            </a:lvl4pPr>
+            <a:lvl5pPr marL="1828800" indent="0">
+              <a:buNone/>
+              <a:defRPr sz="1000"/>
+            </a:lvl5pPr>
+            <a:lvl6pPr marL="2286000" indent="0">
+              <a:buNone/>
+              <a:defRPr sz="1000"/>
+            </a:lvl6pPr>
+            <a:lvl7pPr marL="2743200" indent="0">
+              <a:buNone/>
+              <a:defRPr sz="1000"/>
+            </a:lvl7pPr>
+            <a:lvl8pPr marL="3200400" indent="0">
+              <a:buNone/>
+              <a:defRPr sz="1000"/>
+            </a:lvl8pPr>
+            <a:lvl9pPr marL="3657600" indent="0">
+              <a:buNone/>
+              <a:defRPr sz="1000"/>
+            </a:lvl9pPr>
+          </a:lstStyle>
+          <a:p>
+            <a:pPr lvl="0"/>
+            <a:r>
+              <a:rPr lang="ko-KR" altLang="en-US"/>
+              <a:t>마스터 텍스트 스타일을 편집하려면 클릭</a:t>
+            </a:r>
+          </a:p>
+        </p:txBody>
+      </p:sp>
+      <p:sp>
+        <p:nvSpPr>
+          <p:cNvPr id="5" name="Date Placeholder 4"/>
+          <p:cNvSpPr>
+            <a:spLocks noGrp="1"/>
+          </p:cNvSpPr>
+          <p:nvPr>
+            <p:ph type="dt" sz="half" idx="10"/>
+          </p:nvPr>
+        </p:nvSpPr>
+        <p:spPr/>
+        <p:txBody>
+          <a:bodyPr/>
+          <a:lstStyle/>
+          <a:p>
+            <a:fld id="{29510597-35BB-42D3-8797-3CABDE860D5E}" type="datetimeFigureOut">
+              <a:rPr lang="ko-KR" altLang="en-US" smtClean="0"/>
+              <a:t>2022-04-09</a:t>
+            </a:fld>
+            <a:endParaRPr lang="ko-KR" altLang="en-US"/>
+          </a:p>
+        </p:txBody>
+      </p:sp>
+      <p:sp>
+        <p:nvSpPr>
+          <p:cNvPr id="6" name="Footer Placeholder 5"/>
+          <p:cNvSpPr>
+            <a:spLocks noGrp="1"/>
+          </p:cNvSpPr>
+          <p:nvPr>
+            <p:ph type="ftr" sz="quarter" idx="11"/>
+          </p:nvPr>
+        </p:nvSpPr>
+        <p:spPr/>
+        <p:txBody>
+          <a:bodyPr/>
+          <a:lstStyle/>
+          <a:p>
+            <a:endParaRPr lang="ko-KR" altLang="en-US"/>
+          </a:p>
+        </p:txBody>
+      </p:sp>
+      <p:sp>
+        <p:nvSpPr>
+          <p:cNvPr id="7" name="Slide Number Placeholder 6"/>
+          <p:cNvSpPr>
+            <a:spLocks noGrp="1"/>
+          </p:cNvSpPr>
+          <p:nvPr>
+            <p:ph type="sldNum" sz="quarter" idx="12"/>
+          </p:nvPr>
+        </p:nvSpPr>
+        <p:spPr/>
+        <p:txBody>
+          <a:bodyPr/>
+          <a:lstStyle/>
+          <a:p>
+            <a:fld id="{8EEF4A2C-00F4-4133-9163-0E35D48D9A48}" type="slidenum">
+              <a:rPr lang="ko-KR" altLang="en-US" smtClean="0"/>
+              <a:t>‹#›</a:t>
+            </a:fld>
+            <a:endParaRPr lang="ko-KR" altLang="en-US"/>
+          </a:p>
+        </p:txBody>
+      </p:sp>
+      <p:sp>
+        <p:nvSpPr>
+          <p:cNvPr id="11" name="TextBox 10"/>
+          <p:cNvSpPr txBox="1"/>
+          <p:nvPr/>
+        </p:nvSpPr>
+        <p:spPr>
+          <a:xfrm>
+            <a:off x="990600" y="884796"/>
+            <a:ext cx="609600" cy="584776"/>
+          </a:xfrm>
+          <a:prstGeom prst="rect">
+            <a:avLst/>
+          </a:prstGeom>
+        </p:spPr>
+        <p:txBody>
+          <a:bodyPr vert="horz" lIns="91440" tIns="45720" rIns="91440" bIns="45720" rtlCol="0" anchor="ctr">
+            <a:noAutofit/>
+          </a:bodyPr>
+          <a:lstStyle>
+            <a:lvl1pPr>
+              <a:spcBef>
+                <a:spcPct val="0"/>
+              </a:spcBef>
+              <a:buNone/>
+              <a:defRPr sz="3200" b="0" cap="all">
+                <a:ln w="3175" cmpd="sng">
+                  <a:noFill/>
+                </a:ln>
+                <a:effectLst>
+                  <a:glow rad="38100">
+                    <a:schemeClr val="bg1">
+                      <a:lumMod val="65000"/>
+                      <a:lumOff val="35000"/>
+                      <a:alpha val="40000"/>
+                    </a:schemeClr>
+                  </a:glow>
+                  <a:outerShdw blurRad="28575" dist="38100" dir="14040000" algn="tl" rotWithShape="0">
+                    <a:srgbClr val="000000">
+                      <a:alpha val="25000"/>
+                    </a:srgbClr>
+                  </a:outerShdw>
+                </a:effectLst>
+              </a:defRPr>
+            </a:lvl1pPr>
+            <a:lvl2pPr>
+              <a:defRPr>
+                <a:solidFill>
+                  <a:schemeClr val="tx2"/>
+                </a:solidFill>
+              </a:defRPr>
+            </a:lvl2pPr>
+            <a:lvl3pPr>
+              <a:defRPr>
+                <a:solidFill>
+                  <a:schemeClr val="tx2"/>
+                </a:solidFill>
+              </a:defRPr>
+            </a:lvl3pPr>
+            <a:lvl4pPr>
+              <a:defRPr>
+                <a:solidFill>
+                  <a:schemeClr val="tx2"/>
+                </a:solidFill>
+              </a:defRPr>
+            </a:lvl4pPr>
+            <a:lvl5pPr>
+              <a:defRPr>
+                <a:solidFill>
+                  <a:schemeClr val="tx2"/>
+                </a:solidFill>
+              </a:defRPr>
+            </a:lvl5pPr>
+            <a:lvl6pPr>
+              <a:defRPr>
+                <a:solidFill>
+                  <a:schemeClr val="tx2"/>
+                </a:solidFill>
+              </a:defRPr>
+            </a:lvl6pPr>
+            <a:lvl7pPr>
+              <a:defRPr>
+                <a:solidFill>
+                  <a:schemeClr val="tx2"/>
+                </a:solidFill>
+              </a:defRPr>
+            </a:lvl7pPr>
+            <a:lvl8pPr>
+              <a:defRPr>
+                <a:solidFill>
+                  <a:schemeClr val="tx2"/>
+                </a:solidFill>
+              </a:defRPr>
+            </a:lvl8pPr>
+            <a:lvl9pPr>
+              <a:defRPr>
+                <a:solidFill>
+                  <a:schemeClr val="tx2"/>
+                </a:solidFill>
+              </a:defRPr>
+            </a:lvl9pPr>
+          </a:lstStyle>
+          <a:p>
+            <a:pPr lvl="0"/>
+            <a:r>
+              <a:rPr lang="en-US" sz="8000" dirty="0">
+                <a:solidFill>
+                  <a:schemeClr val="tx1"/>
+                </a:solidFill>
+                <a:effectLst/>
+              </a:rPr>
+              <a:t>“</a:t>
+            </a:r>
+          </a:p>
+        </p:txBody>
+      </p:sp>
+      <p:sp>
+        <p:nvSpPr>
+          <p:cNvPr id="13" name="TextBox 12"/>
+          <p:cNvSpPr txBox="1"/>
+          <p:nvPr/>
+        </p:nvSpPr>
+        <p:spPr>
+          <a:xfrm>
+            <a:off x="10504716" y="2928258"/>
+            <a:ext cx="609600" cy="584776"/>
+          </a:xfrm>
+          <a:prstGeom prst="rect">
+            <a:avLst/>
+          </a:prstGeom>
+        </p:spPr>
+        <p:txBody>
+          <a:bodyPr vert="horz" lIns="91440" tIns="45720" rIns="91440" bIns="45720" rtlCol="0" anchor="ctr">
+            <a:noAutofit/>
+          </a:bodyPr>
+          <a:lstStyle>
+            <a:lvl1pPr>
+              <a:spcBef>
+                <a:spcPct val="0"/>
+              </a:spcBef>
+              <a:buNone/>
+              <a:defRPr sz="3200" b="0" cap="all">
+                <a:ln w="3175" cmpd="sng">
+                  <a:noFill/>
+                </a:ln>
+                <a:effectLst>
+                  <a:glow rad="38100">
+                    <a:schemeClr val="bg1">
+                      <a:lumMod val="65000"/>
+                      <a:lumOff val="35000"/>
+                      <a:alpha val="40000"/>
+                    </a:schemeClr>
+                  </a:glow>
+                  <a:outerShdw blurRad="28575" dist="38100" dir="14040000" algn="tl" rotWithShape="0">
+                    <a:srgbClr val="000000">
+                      <a:alpha val="25000"/>
+                    </a:srgbClr>
+                  </a:outerShdw>
+                </a:effectLst>
+              </a:defRPr>
+            </a:lvl1pPr>
+            <a:lvl2pPr>
+              <a:defRPr>
+                <a:solidFill>
+                  <a:schemeClr val="tx2"/>
+                </a:solidFill>
+              </a:defRPr>
+            </a:lvl2pPr>
+            <a:lvl3pPr>
+              <a:defRPr>
+                <a:solidFill>
+                  <a:schemeClr val="tx2"/>
+                </a:solidFill>
+              </a:defRPr>
+            </a:lvl3pPr>
+            <a:lvl4pPr>
+              <a:defRPr>
+                <a:solidFill>
+                  <a:schemeClr val="tx2"/>
+                </a:solidFill>
+              </a:defRPr>
+            </a:lvl4pPr>
+            <a:lvl5pPr>
+              <a:defRPr>
+                <a:solidFill>
+                  <a:schemeClr val="tx2"/>
+                </a:solidFill>
+              </a:defRPr>
+            </a:lvl5pPr>
+            <a:lvl6pPr>
+              <a:defRPr>
+                <a:solidFill>
+                  <a:schemeClr val="tx2"/>
+                </a:solidFill>
+              </a:defRPr>
+            </a:lvl6pPr>
+            <a:lvl7pPr>
+              <a:defRPr>
+                <a:solidFill>
+                  <a:schemeClr val="tx2"/>
+                </a:solidFill>
+              </a:defRPr>
+            </a:lvl7pPr>
+            <a:lvl8pPr>
+              <a:defRPr>
+                <a:solidFill>
+                  <a:schemeClr val="tx2"/>
+                </a:solidFill>
+              </a:defRPr>
+            </a:lvl8pPr>
+            <a:lvl9pPr>
+              <a:defRPr>
+                <a:solidFill>
+                  <a:schemeClr val="tx2"/>
+                </a:solidFill>
+              </a:defRPr>
+            </a:lvl9pPr>
+          </a:lstStyle>
+          <a:p>
+            <a:pPr lvl="0" algn="r"/>
+            <a:r>
+              <a:rPr lang="en-US" sz="8000" dirty="0">
+                <a:solidFill>
+                  <a:schemeClr val="tx1"/>
+                </a:solidFill>
+                <a:effectLst/>
+              </a:rPr>
+              <a:t>”</a:t>
+            </a:r>
+          </a:p>
+        </p:txBody>
+      </p:sp>
+    </p:spTree>
+    <p:extLst>
+      <p:ext uri="{BB962C8B-B14F-4D97-AF65-F5344CB8AC3E}">
+        <p14:creationId xmlns:p14="http://schemas.microsoft.com/office/powerpoint/2010/main" val="1713333637"/>
+      </p:ext>
+    </p:extLst>
+  </p:cSld>
+  <p:clrMapOvr>
+    <a:masterClrMapping/>
+  </p:clrMapOvr>
+</p:sldLayout>
+</file>
+
+<file path=ppt/slideLayouts/slideLayout13.xml><?xml version="1.0" encoding="utf-8"?>
+<p:sldLayout xmlns:a="http://schemas.openxmlformats.org/drawingml/2006/main" xmlns:r="http://schemas.openxmlformats.org/officeDocument/2006/relationships" xmlns:p="http://schemas.openxmlformats.org/presentationml/2006/main" preserve="1">
+  <p:cSld name="명함">
+    <p:spTree>
+      <p:nvGrpSpPr>
+        <p:cNvPr id="1" name=""/>
+        <p:cNvGrpSpPr/>
+        <p:nvPr/>
+      </p:nvGrpSpPr>
+      <p:grpSpPr>
+        <a:xfrm>
+          <a:off x="0" y="0"/>
+          <a:ext cx="0" cy="0"/>
+          <a:chOff x="0" y="0"/>
+          <a:chExt cx="0" cy="0"/>
+        </a:xfrm>
+      </p:grpSpPr>
+      <p:sp>
+        <p:nvSpPr>
+          <p:cNvPr id="2" name="Title 1"/>
+          <p:cNvSpPr>
+            <a:spLocks noGrp="1"/>
+          </p:cNvSpPr>
+          <p:nvPr>
+            <p:ph type="title"/>
+          </p:nvPr>
+        </p:nvSpPr>
+        <p:spPr>
+          <a:xfrm>
+            <a:off x="913794" y="2126942"/>
+            <a:ext cx="10353763" cy="2511835"/>
+          </a:xfrm>
+        </p:spPr>
+        <p:txBody>
+          <a:bodyPr anchor="b"/>
+          <a:lstStyle>
+            <a:lvl1pPr>
+              <a:defRPr sz="3200"/>
+            </a:lvl1pPr>
+          </a:lstStyle>
+          <a:p>
+            <a:r>
+              <a:rPr lang="ko-KR" altLang="en-US"/>
+              <a:t>마스터 제목 스타일 편집</a:t>
+            </a:r>
+            <a:endParaRPr lang="en-US" dirty="0"/>
+          </a:p>
+        </p:txBody>
+      </p:sp>
+      <p:sp>
+        <p:nvSpPr>
+          <p:cNvPr id="4" name="Text Placeholder 3"/>
+          <p:cNvSpPr>
+            <a:spLocks noGrp="1"/>
+          </p:cNvSpPr>
+          <p:nvPr>
+            <p:ph type="body" sz="half" idx="2"/>
+          </p:nvPr>
+        </p:nvSpPr>
+        <p:spPr>
+          <a:xfrm>
+            <a:off x="913784" y="4650556"/>
+            <a:ext cx="10352199" cy="1140644"/>
+          </a:xfrm>
+        </p:spPr>
+        <p:txBody>
+          <a:bodyPr anchor="t"/>
+          <a:lstStyle>
+            <a:lvl1pPr marL="0" indent="0" algn="ctr">
+              <a:buNone/>
+              <a:defRPr sz="1600"/>
+            </a:lvl1pPr>
+            <a:lvl2pPr marL="457200" indent="0">
+              <a:buNone/>
+              <a:defRPr sz="1400"/>
+            </a:lvl2pPr>
+            <a:lvl3pPr marL="914400" indent="0">
+              <a:buNone/>
+              <a:defRPr sz="1200"/>
+            </a:lvl3pPr>
+            <a:lvl4pPr marL="1371600" indent="0">
+              <a:buNone/>
+              <a:defRPr sz="1000"/>
+            </a:lvl4pPr>
+            <a:lvl5pPr marL="1828800" indent="0">
+              <a:buNone/>
+              <a:defRPr sz="1000"/>
+            </a:lvl5pPr>
+            <a:lvl6pPr marL="2286000" indent="0">
+              <a:buNone/>
+              <a:defRPr sz="1000"/>
+            </a:lvl6pPr>
+            <a:lvl7pPr marL="2743200" indent="0">
+              <a:buNone/>
+              <a:defRPr sz="1000"/>
+            </a:lvl7pPr>
+            <a:lvl8pPr marL="3200400" indent="0">
+              <a:buNone/>
+              <a:defRPr sz="1000"/>
+            </a:lvl8pPr>
+            <a:lvl9pPr marL="3657600" indent="0">
+              <a:buNone/>
+              <a:defRPr sz="1000"/>
+            </a:lvl9pPr>
+          </a:lstStyle>
+          <a:p>
+            <a:pPr lvl="0"/>
+            <a:r>
+              <a:rPr lang="ko-KR" altLang="en-US"/>
+              <a:t>마스터 텍스트 스타일을 편집하려면 클릭</a:t>
+            </a:r>
+          </a:p>
+        </p:txBody>
+      </p:sp>
+      <p:sp>
+        <p:nvSpPr>
+          <p:cNvPr id="5" name="Date Placeholder 4"/>
+          <p:cNvSpPr>
+            <a:spLocks noGrp="1"/>
+          </p:cNvSpPr>
+          <p:nvPr>
+            <p:ph type="dt" sz="half" idx="10"/>
+          </p:nvPr>
+        </p:nvSpPr>
+        <p:spPr/>
+        <p:txBody>
+          <a:bodyPr/>
+          <a:lstStyle/>
+          <a:p>
+            <a:fld id="{29510597-35BB-42D3-8797-3CABDE860D5E}" type="datetimeFigureOut">
+              <a:rPr lang="ko-KR" altLang="en-US" smtClean="0"/>
+              <a:t>2022-04-09</a:t>
+            </a:fld>
+            <a:endParaRPr lang="ko-KR" altLang="en-US"/>
+          </a:p>
+        </p:txBody>
+      </p:sp>
+      <p:sp>
+        <p:nvSpPr>
+          <p:cNvPr id="6" name="Footer Placeholder 5"/>
+          <p:cNvSpPr>
+            <a:spLocks noGrp="1"/>
+          </p:cNvSpPr>
+          <p:nvPr>
+            <p:ph type="ftr" sz="quarter" idx="11"/>
+          </p:nvPr>
+        </p:nvSpPr>
+        <p:spPr/>
+        <p:txBody>
+          <a:bodyPr/>
+          <a:lstStyle/>
+          <a:p>
+            <a:endParaRPr lang="ko-KR" altLang="en-US"/>
+          </a:p>
+        </p:txBody>
+      </p:sp>
+      <p:sp>
+        <p:nvSpPr>
+          <p:cNvPr id="7" name="Slide Number Placeholder 6"/>
+          <p:cNvSpPr>
+            <a:spLocks noGrp="1"/>
+          </p:cNvSpPr>
+          <p:nvPr>
+            <p:ph type="sldNum" sz="quarter" idx="12"/>
+          </p:nvPr>
+        </p:nvSpPr>
+        <p:spPr/>
+        <p:txBody>
+          <a:bodyPr/>
+          <a:lstStyle/>
+          <a:p>
+            <a:fld id="{8EEF4A2C-00F4-4133-9163-0E35D48D9A48}" type="slidenum">
+              <a:rPr lang="ko-KR" altLang="en-US" smtClean="0"/>
+              <a:t>‹#›</a:t>
+            </a:fld>
+            <a:endParaRPr lang="ko-KR" altLang="en-US"/>
+          </a:p>
+        </p:txBody>
+      </p:sp>
+    </p:spTree>
+    <p:extLst>
+      <p:ext uri="{BB962C8B-B14F-4D97-AF65-F5344CB8AC3E}">
+        <p14:creationId xmlns:p14="http://schemas.microsoft.com/office/powerpoint/2010/main" val="923643409"/>
+      </p:ext>
+    </p:extLst>
+  </p:cSld>
+  <p:clrMapOvr>
+    <a:masterClrMapping/>
+  </p:clrMapOvr>
+</p:sldLayout>
+</file>
+
+<file path=ppt/slideLayouts/slideLayout14.xml><?xml version="1.0" encoding="utf-8"?>
+<p:sldLayout xmlns:a="http://schemas.openxmlformats.org/drawingml/2006/main" xmlns:r="http://schemas.openxmlformats.org/officeDocument/2006/relationships" xmlns:p="http://schemas.openxmlformats.org/presentationml/2006/main" preserve="1">
+  <p:cSld name="3열">
+    <p:spTree>
+      <p:nvGrpSpPr>
+        <p:cNvPr id="1" name=""/>
+        <p:cNvGrpSpPr/>
+        <p:nvPr/>
+      </p:nvGrpSpPr>
+      <p:grpSpPr>
+        <a:xfrm>
+          <a:off x="0" y="0"/>
+          <a:ext cx="0" cy="0"/>
+          <a:chOff x="0" y="0"/>
+          <a:chExt cx="0" cy="0"/>
+        </a:xfrm>
+      </p:grpSpPr>
+      <p:sp>
+        <p:nvSpPr>
+          <p:cNvPr id="15" name="Title 1"/>
+          <p:cNvSpPr>
+            <a:spLocks noGrp="1"/>
+          </p:cNvSpPr>
+          <p:nvPr>
+            <p:ph type="title"/>
+          </p:nvPr>
+        </p:nvSpPr>
+        <p:spPr>
+          <a:xfrm>
+            <a:off x="913795" y="609600"/>
+            <a:ext cx="10353762" cy="970450"/>
+          </a:xfrm>
+        </p:spPr>
+        <p:txBody>
+          <a:bodyPr/>
+          <a:lstStyle/>
+          <a:p>
+            <a:r>
+              <a:rPr lang="ko-KR" altLang="en-US"/>
+              <a:t>마스터 제목 스타일 편집</a:t>
+            </a:r>
+            <a:endParaRPr lang="en-US" dirty="0"/>
+          </a:p>
+        </p:txBody>
+      </p:sp>
+      <p:sp>
+        <p:nvSpPr>
+          <p:cNvPr id="7" name="Text Placeholder 2"/>
+          <p:cNvSpPr>
+            <a:spLocks noGrp="1"/>
+          </p:cNvSpPr>
+          <p:nvPr>
+            <p:ph type="body" idx="1"/>
+          </p:nvPr>
+        </p:nvSpPr>
+        <p:spPr>
+          <a:xfrm>
+            <a:off x="913795" y="1885950"/>
+            <a:ext cx="3300984" cy="576262"/>
+          </a:xfrm>
+        </p:spPr>
+        <p:txBody>
+          <a:bodyPr anchor="b">
+            <a:noAutofit/>
+          </a:bodyPr>
+          <a:lstStyle>
+            <a:lvl1pPr marL="0" indent="0" algn="ctr">
+              <a:buNone/>
+              <a:defRPr sz="2400" b="0">
+                <a:solidFill>
+                  <a:schemeClr val="tx1"/>
+                </a:solidFill>
+              </a:defRPr>
+            </a:lvl1pPr>
+            <a:lvl2pPr marL="457200" indent="0">
+              <a:buNone/>
+              <a:defRPr sz="2000" b="1"/>
+            </a:lvl2pPr>
+            <a:lvl3pPr marL="914400" indent="0">
+              <a:buNone/>
+              <a:defRPr sz="1800" b="1"/>
+            </a:lvl3pPr>
+            <a:lvl4pPr marL="1371600" indent="0">
+              <a:buNone/>
+              <a:defRPr sz="1600" b="1"/>
+            </a:lvl4pPr>
+            <a:lvl5pPr marL="1828800" indent="0">
+              <a:buNone/>
+              <a:defRPr sz="1600" b="1"/>
+            </a:lvl5pPr>
+            <a:lvl6pPr marL="2286000" indent="0">
+              <a:buNone/>
+              <a:defRPr sz="1600" b="1"/>
+            </a:lvl6pPr>
+            <a:lvl7pPr marL="2743200" indent="0">
+              <a:buNone/>
+              <a:defRPr sz="1600" b="1"/>
+            </a:lvl7pPr>
+            <a:lvl8pPr marL="3200400" indent="0">
+              <a:buNone/>
+              <a:defRPr sz="1600" b="1"/>
+            </a:lvl8pPr>
+            <a:lvl9pPr marL="3657600" indent="0">
+              <a:buNone/>
+              <a:defRPr sz="1600" b="1"/>
+            </a:lvl9pPr>
+          </a:lstStyle>
+          <a:p>
+            <a:pPr lvl="0"/>
+            <a:r>
+              <a:rPr lang="ko-KR" altLang="en-US"/>
+              <a:t>마스터 텍스트 스타일을 편집하려면 클릭</a:t>
+            </a:r>
+          </a:p>
+        </p:txBody>
+      </p:sp>
+      <p:sp>
+        <p:nvSpPr>
+          <p:cNvPr id="8" name="Text Placeholder 3"/>
+          <p:cNvSpPr>
+            <a:spLocks noGrp="1"/>
+          </p:cNvSpPr>
+          <p:nvPr>
+            <p:ph type="body" sz="half" idx="15"/>
+          </p:nvPr>
+        </p:nvSpPr>
+        <p:spPr>
+          <a:xfrm>
+            <a:off x="913795" y="2571750"/>
+            <a:ext cx="3300984" cy="3219450"/>
+          </a:xfrm>
+        </p:spPr>
+        <p:txBody>
+          <a:bodyPr anchor="t">
+            <a:normAutofit/>
+          </a:bodyPr>
+          <a:lstStyle>
+            <a:lvl1pPr marL="0" indent="0" algn="ctr">
+              <a:buNone/>
+              <a:defRPr sz="1400"/>
+            </a:lvl1pPr>
+            <a:lvl2pPr marL="457200" indent="0">
+              <a:buNone/>
+              <a:defRPr sz="1200"/>
+            </a:lvl2pPr>
+            <a:lvl3pPr marL="914400" indent="0">
+              <a:buNone/>
+              <a:defRPr sz="1000"/>
+            </a:lvl3pPr>
+            <a:lvl4pPr marL="1371600" indent="0">
+              <a:buNone/>
+              <a:defRPr sz="900"/>
+            </a:lvl4pPr>
+            <a:lvl5pPr marL="1828800" indent="0">
+              <a:buNone/>
+              <a:defRPr sz="900"/>
+            </a:lvl5pPr>
+            <a:lvl6pPr marL="2286000" indent="0">
+              <a:buNone/>
+              <a:defRPr sz="900"/>
+            </a:lvl6pPr>
+            <a:lvl7pPr marL="2743200" indent="0">
+              <a:buNone/>
+              <a:defRPr sz="900"/>
+            </a:lvl7pPr>
+            <a:lvl8pPr marL="3200400" indent="0">
+              <a:buNone/>
+              <a:defRPr sz="900"/>
+            </a:lvl8pPr>
+            <a:lvl9pPr marL="3657600" indent="0">
+              <a:buNone/>
+              <a:defRPr sz="900"/>
+            </a:lvl9pPr>
+          </a:lstStyle>
+          <a:p>
+            <a:pPr lvl="0"/>
+            <a:r>
+              <a:rPr lang="ko-KR" altLang="en-US"/>
+              <a:t>마스터 텍스트 스타일을 편집하려면 클릭</a:t>
+            </a:r>
+          </a:p>
+        </p:txBody>
+      </p:sp>
+      <p:sp>
+        <p:nvSpPr>
+          <p:cNvPr id="9" name="Text Placeholder 4"/>
+          <p:cNvSpPr>
+            <a:spLocks noGrp="1"/>
+          </p:cNvSpPr>
+          <p:nvPr>
+            <p:ph type="body" sz="quarter" idx="3"/>
+          </p:nvPr>
+        </p:nvSpPr>
+        <p:spPr>
+          <a:xfrm>
+            <a:off x="4446711" y="1885950"/>
+            <a:ext cx="3300984" cy="576262"/>
+          </a:xfrm>
+        </p:spPr>
+        <p:txBody>
+          <a:bodyPr anchor="b">
+            <a:noAutofit/>
+          </a:bodyPr>
+          <a:lstStyle>
+            <a:lvl1pPr marL="0" indent="0" algn="ctr">
+              <a:buNone/>
+              <a:defRPr sz="2400" b="0">
+                <a:solidFill>
+                  <a:schemeClr val="tx1"/>
+                </a:solidFill>
+              </a:defRPr>
+            </a:lvl1pPr>
+            <a:lvl2pPr marL="457200" indent="0">
+              <a:buNone/>
+              <a:defRPr sz="2000" b="1"/>
+            </a:lvl2pPr>
+            <a:lvl3pPr marL="914400" indent="0">
+              <a:buNone/>
+              <a:defRPr sz="1800" b="1"/>
+            </a:lvl3pPr>
+            <a:lvl4pPr marL="1371600" indent="0">
+              <a:buNone/>
+              <a:defRPr sz="1600" b="1"/>
+            </a:lvl4pPr>
+            <a:lvl5pPr marL="1828800" indent="0">
+              <a:buNone/>
+              <a:defRPr sz="1600" b="1"/>
+            </a:lvl5pPr>
+            <a:lvl6pPr marL="2286000" indent="0">
+              <a:buNone/>
+              <a:defRPr sz="1600" b="1"/>
+            </a:lvl6pPr>
+            <a:lvl7pPr marL="2743200" indent="0">
+              <a:buNone/>
+              <a:defRPr sz="1600" b="1"/>
+            </a:lvl7pPr>
+            <a:lvl8pPr marL="3200400" indent="0">
+              <a:buNone/>
+              <a:defRPr sz="1600" b="1"/>
+            </a:lvl8pPr>
+            <a:lvl9pPr marL="3657600" indent="0">
+              <a:buNone/>
+              <a:defRPr sz="1600" b="1"/>
+            </a:lvl9pPr>
+          </a:lstStyle>
+          <a:p>
+            <a:pPr lvl="0"/>
+            <a:r>
+              <a:rPr lang="ko-KR" altLang="en-US"/>
+              <a:t>마스터 텍스트 스타일을 편집하려면 클릭</a:t>
+            </a:r>
+          </a:p>
+        </p:txBody>
+      </p:sp>
+      <p:sp>
+        <p:nvSpPr>
+          <p:cNvPr id="10" name="Text Placeholder 3"/>
+          <p:cNvSpPr>
+            <a:spLocks noGrp="1"/>
+          </p:cNvSpPr>
+          <p:nvPr>
+            <p:ph type="body" sz="half" idx="16"/>
+          </p:nvPr>
+        </p:nvSpPr>
+        <p:spPr>
+          <a:xfrm>
+            <a:off x="4441435" y="2571750"/>
+            <a:ext cx="3300984" cy="3219450"/>
+          </a:xfrm>
+        </p:spPr>
+        <p:txBody>
+          <a:bodyPr anchor="t">
+            <a:normAutofit/>
+          </a:bodyPr>
+          <a:lstStyle>
+            <a:lvl1pPr marL="0" indent="0" algn="ctr">
+              <a:buNone/>
+              <a:defRPr sz="1400"/>
+            </a:lvl1pPr>
+            <a:lvl2pPr marL="457200" indent="0">
+              <a:buNone/>
+              <a:defRPr sz="1200"/>
+            </a:lvl2pPr>
+            <a:lvl3pPr marL="914400" indent="0">
+              <a:buNone/>
+              <a:defRPr sz="1000"/>
+            </a:lvl3pPr>
+            <a:lvl4pPr marL="1371600" indent="0">
+              <a:buNone/>
+              <a:defRPr sz="900"/>
+            </a:lvl4pPr>
+            <a:lvl5pPr marL="1828800" indent="0">
+              <a:buNone/>
+              <a:defRPr sz="900"/>
+            </a:lvl5pPr>
+            <a:lvl6pPr marL="2286000" indent="0">
+              <a:buNone/>
+              <a:defRPr sz="900"/>
+            </a:lvl6pPr>
+            <a:lvl7pPr marL="2743200" indent="0">
+              <a:buNone/>
+              <a:defRPr sz="900"/>
+            </a:lvl7pPr>
+            <a:lvl8pPr marL="3200400" indent="0">
+              <a:buNone/>
+              <a:defRPr sz="900"/>
+            </a:lvl8pPr>
+            <a:lvl9pPr marL="3657600" indent="0">
+              <a:buNone/>
+              <a:defRPr sz="900"/>
+            </a:lvl9pPr>
+          </a:lstStyle>
+          <a:p>
+            <a:pPr lvl="0"/>
+            <a:r>
+              <a:rPr lang="ko-KR" altLang="en-US"/>
+              <a:t>마스터 텍스트 스타일을 편집하려면 클릭</a:t>
+            </a:r>
+          </a:p>
+        </p:txBody>
+      </p:sp>
+      <p:sp>
+        <p:nvSpPr>
+          <p:cNvPr id="11" name="Text Placeholder 4"/>
+          <p:cNvSpPr>
+            <a:spLocks noGrp="1"/>
+          </p:cNvSpPr>
+          <p:nvPr>
+            <p:ph type="body" sz="quarter" idx="13"/>
+          </p:nvPr>
+        </p:nvSpPr>
+        <p:spPr>
+          <a:xfrm>
+            <a:off x="7966572" y="1885950"/>
+            <a:ext cx="3300984" cy="576262"/>
+          </a:xfrm>
+        </p:spPr>
+        <p:txBody>
+          <a:bodyPr anchor="b">
+            <a:noAutofit/>
+          </a:bodyPr>
+          <a:lstStyle>
+            <a:lvl1pPr marL="0" indent="0" algn="ctr">
+              <a:buNone/>
+              <a:defRPr sz="2400" b="0">
+                <a:solidFill>
+                  <a:schemeClr val="tx1"/>
+                </a:solidFill>
+              </a:defRPr>
+            </a:lvl1pPr>
+            <a:lvl2pPr marL="457200" indent="0">
+              <a:buNone/>
+              <a:defRPr sz="2000" b="1"/>
+            </a:lvl2pPr>
+            <a:lvl3pPr marL="914400" indent="0">
+              <a:buNone/>
+              <a:defRPr sz="1800" b="1"/>
+            </a:lvl3pPr>
+            <a:lvl4pPr marL="1371600" indent="0">
+              <a:buNone/>
+              <a:defRPr sz="1600" b="1"/>
+            </a:lvl4pPr>
+            <a:lvl5pPr marL="1828800" indent="0">
+              <a:buNone/>
+              <a:defRPr sz="1600" b="1"/>
+            </a:lvl5pPr>
+            <a:lvl6pPr marL="2286000" indent="0">
+              <a:buNone/>
+              <a:defRPr sz="1600" b="1"/>
+            </a:lvl6pPr>
+            <a:lvl7pPr marL="2743200" indent="0">
+              <a:buNone/>
+              <a:defRPr sz="1600" b="1"/>
+            </a:lvl7pPr>
+            <a:lvl8pPr marL="3200400" indent="0">
+              <a:buNone/>
+              <a:defRPr sz="1600" b="1"/>
+            </a:lvl8pPr>
+            <a:lvl9pPr marL="3657600" indent="0">
+              <a:buNone/>
+              <a:defRPr sz="1600" b="1"/>
+            </a:lvl9pPr>
+          </a:lstStyle>
+          <a:p>
+            <a:pPr lvl="0"/>
+            <a:r>
+              <a:rPr lang="ko-KR" altLang="en-US"/>
+              <a:t>마스터 텍스트 스타일을 편집하려면 클릭</a:t>
+            </a:r>
+          </a:p>
+        </p:txBody>
+      </p:sp>
+      <p:sp>
+        <p:nvSpPr>
+          <p:cNvPr id="12" name="Text Placeholder 3"/>
+          <p:cNvSpPr>
+            <a:spLocks noGrp="1"/>
+          </p:cNvSpPr>
+          <p:nvPr>
+            <p:ph type="body" sz="half" idx="17"/>
+          </p:nvPr>
+        </p:nvSpPr>
+        <p:spPr>
+          <a:xfrm>
+            <a:off x="7966572" y="2571750"/>
+            <a:ext cx="3300984" cy="3219450"/>
+          </a:xfrm>
+        </p:spPr>
+        <p:txBody>
+          <a:bodyPr anchor="t">
+            <a:normAutofit/>
+          </a:bodyPr>
+          <a:lstStyle>
+            <a:lvl1pPr marL="0" indent="0" algn="ctr">
+              <a:buNone/>
+              <a:defRPr sz="1400"/>
+            </a:lvl1pPr>
+            <a:lvl2pPr marL="457200" indent="0">
+              <a:buNone/>
+              <a:defRPr sz="1200"/>
+            </a:lvl2pPr>
+            <a:lvl3pPr marL="914400" indent="0">
+              <a:buNone/>
+              <a:defRPr sz="1000"/>
+            </a:lvl3pPr>
+            <a:lvl4pPr marL="1371600" indent="0">
+              <a:buNone/>
+              <a:defRPr sz="900"/>
+            </a:lvl4pPr>
+            <a:lvl5pPr marL="1828800" indent="0">
+              <a:buNone/>
+              <a:defRPr sz="900"/>
+            </a:lvl5pPr>
+            <a:lvl6pPr marL="2286000" indent="0">
+              <a:buNone/>
+              <a:defRPr sz="900"/>
+            </a:lvl6pPr>
+            <a:lvl7pPr marL="2743200" indent="0">
+              <a:buNone/>
+              <a:defRPr sz="900"/>
+            </a:lvl7pPr>
+            <a:lvl8pPr marL="3200400" indent="0">
+              <a:buNone/>
+              <a:defRPr sz="900"/>
+            </a:lvl8pPr>
+            <a:lvl9pPr marL="3657600" indent="0">
+              <a:buNone/>
+              <a:defRPr sz="900"/>
+            </a:lvl9pPr>
+          </a:lstStyle>
+          <a:p>
+            <a:pPr lvl="0"/>
+            <a:r>
+              <a:rPr lang="ko-KR" altLang="en-US"/>
+              <a:t>마스터 텍스트 스타일을 편집하려면 클릭</a:t>
+            </a:r>
+          </a:p>
+        </p:txBody>
+      </p:sp>
+      <p:sp>
+        <p:nvSpPr>
+          <p:cNvPr id="3" name="Date Placeholder 2"/>
+          <p:cNvSpPr>
+            <a:spLocks noGrp="1"/>
+          </p:cNvSpPr>
+          <p:nvPr>
+            <p:ph type="dt" sz="half" idx="10"/>
+          </p:nvPr>
+        </p:nvSpPr>
+        <p:spPr/>
+        <p:txBody>
+          <a:bodyPr/>
+          <a:lstStyle/>
+          <a:p>
+            <a:fld id="{29510597-35BB-42D3-8797-3CABDE860D5E}" type="datetimeFigureOut">
+              <a:rPr lang="ko-KR" altLang="en-US" smtClean="0"/>
+              <a:t>2022-04-09</a:t>
+            </a:fld>
+            <a:endParaRPr lang="ko-KR" altLang="en-US"/>
+          </a:p>
+        </p:txBody>
+      </p:sp>
+      <p:sp>
+        <p:nvSpPr>
+          <p:cNvPr id="4" name="Footer Placeholder 3"/>
+          <p:cNvSpPr>
+            <a:spLocks noGrp="1"/>
+          </p:cNvSpPr>
+          <p:nvPr>
+            <p:ph type="ftr" sz="quarter" idx="11"/>
+          </p:nvPr>
+        </p:nvSpPr>
+        <p:spPr/>
+        <p:txBody>
+          <a:bodyPr/>
+          <a:lstStyle/>
+          <a:p>
+            <a:endParaRPr lang="ko-KR" altLang="en-US"/>
+          </a:p>
+        </p:txBody>
+      </p:sp>
+      <p:sp>
+        <p:nvSpPr>
+          <p:cNvPr id="5" name="Slide Number Placeholder 4"/>
+          <p:cNvSpPr>
+            <a:spLocks noGrp="1"/>
+          </p:cNvSpPr>
+          <p:nvPr>
+            <p:ph type="sldNum" sz="quarter" idx="12"/>
+          </p:nvPr>
+        </p:nvSpPr>
+        <p:spPr/>
+        <p:txBody>
+          <a:bodyPr/>
+          <a:lstStyle/>
+          <a:p>
+            <a:fld id="{8EEF4A2C-00F4-4133-9163-0E35D48D9A48}" type="slidenum">
+              <a:rPr lang="ko-KR" altLang="en-US" smtClean="0"/>
+              <a:t>‹#›</a:t>
+            </a:fld>
+            <a:endParaRPr lang="ko-KR" altLang="en-US"/>
+          </a:p>
+        </p:txBody>
+      </p:sp>
+    </p:spTree>
+    <p:extLst>
+      <p:ext uri="{BB962C8B-B14F-4D97-AF65-F5344CB8AC3E}">
+        <p14:creationId xmlns:p14="http://schemas.microsoft.com/office/powerpoint/2010/main" val="3774655100"/>
+      </p:ext>
+    </p:extLst>
+  </p:cSld>
+  <p:clrMapOvr>
+    <a:masterClrMapping/>
+  </p:clrMapOvr>
+</p:sldLayout>
+</file>
+
+<file path=ppt/slideLayouts/slideLayout15.xml><?xml version="1.0" encoding="utf-8"?>
+<p:sldLayout xmlns:a="http://schemas.openxmlformats.org/drawingml/2006/main" xmlns:r="http://schemas.openxmlformats.org/officeDocument/2006/relationships" xmlns:p="http://schemas.openxmlformats.org/presentationml/2006/main" preserve="1">
+  <p:cSld name="그림 열 3개">
+    <p:spTree>
+      <p:nvGrpSpPr>
+        <p:cNvPr id="1" name=""/>
+        <p:cNvGrpSpPr/>
+        <p:nvPr/>
+      </p:nvGrpSpPr>
+      <p:grpSpPr>
+        <a:xfrm>
+          <a:off x="0" y="0"/>
+          <a:ext cx="0" cy="0"/>
+          <a:chOff x="0" y="0"/>
+          <a:chExt cx="0" cy="0"/>
+        </a:xfrm>
+      </p:grpSpPr>
+      <p:pic>
+        <p:nvPicPr>
+          <p:cNvPr id="2" name="Picture 1" descr="Slate-V2-HD-3colPhotoInset.png"/>
+          <p:cNvPicPr>
+            <a:picLocks noChangeAspect="1"/>
+          </p:cNvPicPr>
+          <p:nvPr/>
+        </p:nvPicPr>
+        <p:blipFill>
+          <a:blip r:embed="rId2">
+            <a:extLst>
+              <a:ext uri="{28A0092B-C50C-407E-A947-70E740481C1C}">
+                <a14:useLocalDpi xmlns:a14="http://schemas.microsoft.com/office/drawing/2010/main" val="0"/>
+              </a:ext>
+            </a:extLst>
+          </a:blip>
+          <a:stretch>
+            <a:fillRect/>
+          </a:stretch>
+        </p:blipFill>
+        <p:spPr>
+          <a:xfrm>
+            <a:off x="897962" y="1818214"/>
+            <a:ext cx="3339972" cy="1847851"/>
+          </a:xfrm>
+          <a:prstGeom prst="rect">
+            <a:avLst/>
+          </a:prstGeom>
+        </p:spPr>
+      </p:pic>
+      <p:pic>
+        <p:nvPicPr>
+          <p:cNvPr id="36" name="Picture 35" descr="Slate-V2-HD-3colPhotoInset.png"/>
+          <p:cNvPicPr>
+            <a:picLocks noChangeAspect="1"/>
+          </p:cNvPicPr>
+          <p:nvPr/>
+        </p:nvPicPr>
+        <p:blipFill>
+          <a:blip r:embed="rId2">
+            <a:extLst>
+              <a:ext uri="{28A0092B-C50C-407E-A947-70E740481C1C}">
+                <a14:useLocalDpi xmlns:a14="http://schemas.microsoft.com/office/drawing/2010/main" val="0"/>
+              </a:ext>
+            </a:extLst>
+          </a:blip>
+          <a:stretch>
+            <a:fillRect/>
+          </a:stretch>
+        </p:blipFill>
+        <p:spPr>
+          <a:xfrm>
+            <a:off x="4403800" y="1818214"/>
+            <a:ext cx="3339972" cy="1847851"/>
+          </a:xfrm>
+          <a:prstGeom prst="rect">
+            <a:avLst/>
+          </a:prstGeom>
+        </p:spPr>
+      </p:pic>
+      <p:pic>
+        <p:nvPicPr>
+          <p:cNvPr id="37" name="Picture 36" descr="Slate-V2-HD-3colPhotoInset.png"/>
+          <p:cNvPicPr>
+            <a:picLocks noChangeAspect="1"/>
+          </p:cNvPicPr>
+          <p:nvPr/>
+        </p:nvPicPr>
+        <p:blipFill>
+          <a:blip r:embed="rId2">
+            <a:extLst>
+              <a:ext uri="{28A0092B-C50C-407E-A947-70E740481C1C}">
+                <a14:useLocalDpi xmlns:a14="http://schemas.microsoft.com/office/drawing/2010/main" val="0"/>
+              </a:ext>
+            </a:extLst>
+          </a:blip>
+          <a:stretch>
+            <a:fillRect/>
+          </a:stretch>
+        </p:blipFill>
+        <p:spPr>
+          <a:xfrm>
+            <a:off x="7936051" y="1818214"/>
+            <a:ext cx="3339972" cy="1847851"/>
+          </a:xfrm>
+          <a:prstGeom prst="rect">
+            <a:avLst/>
+          </a:prstGeom>
+        </p:spPr>
+      </p:pic>
+      <p:sp>
+        <p:nvSpPr>
+          <p:cNvPr id="30" name="Title 1"/>
+          <p:cNvSpPr>
+            <a:spLocks noGrp="1"/>
+          </p:cNvSpPr>
+          <p:nvPr>
+            <p:ph type="title"/>
+          </p:nvPr>
+        </p:nvSpPr>
+        <p:spPr>
+          <a:xfrm>
+            <a:off x="913794" y="609600"/>
+            <a:ext cx="10353763" cy="970450"/>
+          </a:xfrm>
+        </p:spPr>
+        <p:txBody>
+          <a:bodyPr/>
+          <a:lstStyle/>
+          <a:p>
+            <a:r>
+              <a:rPr lang="ko-KR" altLang="en-US"/>
+              <a:t>마스터 제목 스타일 편집</a:t>
+            </a:r>
+            <a:endParaRPr lang="en-US" dirty="0"/>
+          </a:p>
+        </p:txBody>
+      </p:sp>
+      <p:sp>
+        <p:nvSpPr>
+          <p:cNvPr id="19" name="Text Placeholder 2"/>
+          <p:cNvSpPr>
+            <a:spLocks noGrp="1"/>
+          </p:cNvSpPr>
+          <p:nvPr>
+            <p:ph type="body" idx="1"/>
+          </p:nvPr>
+        </p:nvSpPr>
+        <p:spPr>
+          <a:xfrm>
+            <a:off x="913795" y="3904106"/>
+            <a:ext cx="3300984" cy="576262"/>
+          </a:xfrm>
+        </p:spPr>
+        <p:txBody>
+          <a:bodyPr anchor="b">
+            <a:noAutofit/>
+          </a:bodyPr>
+          <a:lstStyle>
+            <a:lvl1pPr marL="0" indent="0" algn="ctr">
+              <a:buNone/>
+              <a:defRPr sz="2000" b="0">
+                <a:solidFill>
+                  <a:schemeClr val="tx1"/>
+                </a:solidFill>
+              </a:defRPr>
+            </a:lvl1pPr>
+            <a:lvl2pPr marL="457200" indent="0">
+              <a:buNone/>
+              <a:defRPr sz="2000" b="1"/>
+            </a:lvl2pPr>
+            <a:lvl3pPr marL="914400" indent="0">
+              <a:buNone/>
+              <a:defRPr sz="1800" b="1"/>
+            </a:lvl3pPr>
+            <a:lvl4pPr marL="1371600" indent="0">
+              <a:buNone/>
+              <a:defRPr sz="1600" b="1"/>
+            </a:lvl4pPr>
+            <a:lvl5pPr marL="1828800" indent="0">
+              <a:buNone/>
+              <a:defRPr sz="1600" b="1"/>
+            </a:lvl5pPr>
+            <a:lvl6pPr marL="2286000" indent="0">
+              <a:buNone/>
+              <a:defRPr sz="1600" b="1"/>
+            </a:lvl6pPr>
+            <a:lvl7pPr marL="2743200" indent="0">
+              <a:buNone/>
+              <a:defRPr sz="1600" b="1"/>
+            </a:lvl7pPr>
+            <a:lvl8pPr marL="3200400" indent="0">
+              <a:buNone/>
+              <a:defRPr sz="1600" b="1"/>
+            </a:lvl8pPr>
+            <a:lvl9pPr marL="3657600" indent="0">
+              <a:buNone/>
+              <a:defRPr sz="1600" b="1"/>
+            </a:lvl9pPr>
+          </a:lstStyle>
+          <a:p>
+            <a:pPr lvl="0"/>
+            <a:r>
+              <a:rPr lang="ko-KR" altLang="en-US"/>
+              <a:t>마스터 텍스트 스타일을 편집하려면 클릭</a:t>
+            </a:r>
+          </a:p>
+        </p:txBody>
+      </p:sp>
+      <p:sp>
+        <p:nvSpPr>
+          <p:cNvPr id="20" name="Picture Placeholder 2"/>
+          <p:cNvSpPr>
+            <a:spLocks noGrp="1" noChangeAspect="1"/>
+          </p:cNvSpPr>
+          <p:nvPr>
+            <p:ph type="pic" idx="15"/>
+          </p:nvPr>
+        </p:nvSpPr>
+        <p:spPr>
+          <a:xfrm>
+            <a:off x="1018102" y="1938918"/>
+            <a:ext cx="3092368" cy="1602954"/>
+          </a:xfrm>
+          <a:prstGeom prst="roundRect">
+            <a:avLst>
+              <a:gd name="adj" fmla="val 1858"/>
+            </a:avLst>
+          </a:prstGeom>
+          <a:effectLst>
+            <a:outerShdw blurRad="38100" dist="25400" dir="4440000">
+              <a:srgbClr val="000000">
+                <a:alpha val="36000"/>
+              </a:srgbClr>
+            </a:outerShdw>
+          </a:effectLst>
+        </p:spPr>
+        <p:txBody>
+          <a:bodyPr anchor="t">
+            <a:normAutofit/>
+          </a:bodyPr>
+          <a:lstStyle>
+            <a:lvl1pPr marL="0" indent="0" algn="ctr">
+              <a:buNone/>
+              <a:defRPr sz="1600"/>
+            </a:lvl1pPr>
+            <a:lvl2pPr marL="457200" indent="0">
+              <a:buNone/>
+              <a:defRPr sz="1600"/>
+            </a:lvl2pPr>
+            <a:lvl3pPr marL="914400" indent="0">
+              <a:buNone/>
+              <a:defRPr sz="1600"/>
+            </a:lvl3pPr>
+            <a:lvl4pPr marL="1371600" indent="0">
+              <a:buNone/>
+              <a:defRPr sz="1600"/>
+            </a:lvl4pPr>
+            <a:lvl5pPr marL="1828800" indent="0">
+              <a:buNone/>
+              <a:defRPr sz="1600"/>
+            </a:lvl5pPr>
+            <a:lvl6pPr marL="2286000" indent="0">
+              <a:buNone/>
+              <a:defRPr sz="1600"/>
+            </a:lvl6pPr>
+            <a:lvl7pPr marL="2743200" indent="0">
+              <a:buNone/>
+              <a:defRPr sz="1600"/>
+            </a:lvl7pPr>
+            <a:lvl8pPr marL="3200400" indent="0">
+              <a:buNone/>
+              <a:defRPr sz="1600"/>
+            </a:lvl8pPr>
+            <a:lvl9pPr marL="3657600" indent="0">
+              <a:buNone/>
+              <a:defRPr sz="1600"/>
+            </a:lvl9pPr>
+          </a:lstStyle>
+          <a:p>
+            <a:r>
+              <a:rPr lang="ko-KR" altLang="en-US"/>
+              <a:t>그림을 추가하려면 아이콘을 클릭하십시오</a:t>
+            </a:r>
+            <a:endParaRPr lang="en-US" dirty="0"/>
+          </a:p>
+        </p:txBody>
+      </p:sp>
+      <p:sp>
+        <p:nvSpPr>
+          <p:cNvPr id="21" name="Text Placeholder 3"/>
+          <p:cNvSpPr>
+            <a:spLocks noGrp="1"/>
+          </p:cNvSpPr>
+          <p:nvPr>
+            <p:ph type="body" sz="half" idx="18"/>
+          </p:nvPr>
+        </p:nvSpPr>
+        <p:spPr>
+          <a:xfrm>
+            <a:off x="913795" y="4480368"/>
+            <a:ext cx="3300984" cy="1310833"/>
+          </a:xfrm>
+        </p:spPr>
+        <p:txBody>
+          <a:bodyPr anchor="t">
+            <a:normAutofit/>
+          </a:bodyPr>
+          <a:lstStyle>
+            <a:lvl1pPr marL="0" indent="0" algn="ctr">
+              <a:buNone/>
+              <a:defRPr sz="1400"/>
+            </a:lvl1pPr>
+            <a:lvl2pPr marL="457200" indent="0">
+              <a:buNone/>
+              <a:defRPr sz="1200"/>
+            </a:lvl2pPr>
+            <a:lvl3pPr marL="914400" indent="0">
+              <a:buNone/>
+              <a:defRPr sz="1000"/>
+            </a:lvl3pPr>
+            <a:lvl4pPr marL="1371600" indent="0">
+              <a:buNone/>
+              <a:defRPr sz="900"/>
+            </a:lvl4pPr>
+            <a:lvl5pPr marL="1828800" indent="0">
+              <a:buNone/>
+              <a:defRPr sz="900"/>
+            </a:lvl5pPr>
+            <a:lvl6pPr marL="2286000" indent="0">
+              <a:buNone/>
+              <a:defRPr sz="900"/>
+            </a:lvl6pPr>
+            <a:lvl7pPr marL="2743200" indent="0">
+              <a:buNone/>
+              <a:defRPr sz="900"/>
+            </a:lvl7pPr>
+            <a:lvl8pPr marL="3200400" indent="0">
+              <a:buNone/>
+              <a:defRPr sz="900"/>
+            </a:lvl8pPr>
+            <a:lvl9pPr marL="3657600" indent="0">
+              <a:buNone/>
+              <a:defRPr sz="900"/>
+            </a:lvl9pPr>
+          </a:lstStyle>
+          <a:p>
+            <a:pPr lvl="0"/>
+            <a:r>
+              <a:rPr lang="ko-KR" altLang="en-US"/>
+              <a:t>마스터 텍스트 스타일을 편집하려면 클릭</a:t>
+            </a:r>
+          </a:p>
+        </p:txBody>
+      </p:sp>
+      <p:sp>
+        <p:nvSpPr>
+          <p:cNvPr id="22" name="Text Placeholder 4"/>
+          <p:cNvSpPr>
+            <a:spLocks noGrp="1"/>
+          </p:cNvSpPr>
+          <p:nvPr>
+            <p:ph type="body" sz="quarter" idx="3"/>
+          </p:nvPr>
+        </p:nvSpPr>
+        <p:spPr>
+          <a:xfrm>
+            <a:off x="4442788" y="3904106"/>
+            <a:ext cx="3300984" cy="576262"/>
+          </a:xfrm>
+        </p:spPr>
+        <p:txBody>
+          <a:bodyPr anchor="b">
+            <a:noAutofit/>
+          </a:bodyPr>
+          <a:lstStyle>
+            <a:lvl1pPr marL="0" indent="0" algn="ctr">
+              <a:buNone/>
+              <a:defRPr sz="2000" b="0">
+                <a:solidFill>
+                  <a:schemeClr val="tx1"/>
+                </a:solidFill>
+              </a:defRPr>
+            </a:lvl1pPr>
+            <a:lvl2pPr marL="457200" indent="0">
+              <a:buNone/>
+              <a:defRPr sz="2000" b="1"/>
+            </a:lvl2pPr>
+            <a:lvl3pPr marL="914400" indent="0">
+              <a:buNone/>
+              <a:defRPr sz="1800" b="1"/>
+            </a:lvl3pPr>
+            <a:lvl4pPr marL="1371600" indent="0">
+              <a:buNone/>
+              <a:defRPr sz="1600" b="1"/>
+            </a:lvl4pPr>
+            <a:lvl5pPr marL="1828800" indent="0">
+              <a:buNone/>
+              <a:defRPr sz="1600" b="1"/>
+            </a:lvl5pPr>
+            <a:lvl6pPr marL="2286000" indent="0">
+              <a:buNone/>
+              <a:defRPr sz="1600" b="1"/>
+            </a:lvl6pPr>
+            <a:lvl7pPr marL="2743200" indent="0">
+              <a:buNone/>
+              <a:defRPr sz="1600" b="1"/>
+            </a:lvl7pPr>
+            <a:lvl8pPr marL="3200400" indent="0">
+              <a:buNone/>
+              <a:defRPr sz="1600" b="1"/>
+            </a:lvl8pPr>
+            <a:lvl9pPr marL="3657600" indent="0">
+              <a:buNone/>
+              <a:defRPr sz="1600" b="1"/>
+            </a:lvl9pPr>
+          </a:lstStyle>
+          <a:p>
+            <a:pPr lvl="0"/>
+            <a:r>
+              <a:rPr lang="ko-KR" altLang="en-US"/>
+              <a:t>마스터 텍스트 스타일을 편집하려면 클릭</a:t>
+            </a:r>
+          </a:p>
+        </p:txBody>
+      </p:sp>
+      <p:sp>
+        <p:nvSpPr>
+          <p:cNvPr id="23" name="Picture Placeholder 2"/>
+          <p:cNvSpPr>
+            <a:spLocks noGrp="1" noChangeAspect="1"/>
+          </p:cNvSpPr>
+          <p:nvPr>
+            <p:ph type="pic" idx="21"/>
+          </p:nvPr>
+        </p:nvSpPr>
+        <p:spPr>
+          <a:xfrm>
+            <a:off x="4545743" y="1939094"/>
+            <a:ext cx="3092368" cy="1608164"/>
+          </a:xfrm>
+          <a:prstGeom prst="roundRect">
+            <a:avLst>
+              <a:gd name="adj" fmla="val 1858"/>
+            </a:avLst>
+          </a:prstGeom>
+          <a:effectLst>
+            <a:outerShdw blurRad="38100" dist="25400" dir="4440000">
+              <a:srgbClr val="000000">
+                <a:alpha val="36000"/>
+              </a:srgbClr>
+            </a:outerShdw>
+          </a:effectLst>
+        </p:spPr>
+        <p:txBody>
+          <a:bodyPr anchor="t">
+            <a:normAutofit/>
+          </a:bodyPr>
+          <a:lstStyle>
+            <a:lvl1pPr marL="0" indent="0" algn="ctr">
+              <a:buNone/>
+              <a:defRPr sz="1600"/>
+            </a:lvl1pPr>
+            <a:lvl2pPr marL="457200" indent="0">
+              <a:buNone/>
+              <a:defRPr sz="1600"/>
+            </a:lvl2pPr>
+            <a:lvl3pPr marL="914400" indent="0">
+              <a:buNone/>
+              <a:defRPr sz="1600"/>
+            </a:lvl3pPr>
+            <a:lvl4pPr marL="1371600" indent="0">
+              <a:buNone/>
+              <a:defRPr sz="1600"/>
+            </a:lvl4pPr>
+            <a:lvl5pPr marL="1828800" indent="0">
+              <a:buNone/>
+              <a:defRPr sz="1600"/>
+            </a:lvl5pPr>
+            <a:lvl6pPr marL="2286000" indent="0">
+              <a:buNone/>
+              <a:defRPr sz="1600"/>
+            </a:lvl6pPr>
+            <a:lvl7pPr marL="2743200" indent="0">
+              <a:buNone/>
+              <a:defRPr sz="1600"/>
+            </a:lvl7pPr>
+            <a:lvl8pPr marL="3200400" indent="0">
+              <a:buNone/>
+              <a:defRPr sz="1600"/>
+            </a:lvl8pPr>
+            <a:lvl9pPr marL="3657600" indent="0">
+              <a:buNone/>
+              <a:defRPr sz="1600"/>
+            </a:lvl9pPr>
+          </a:lstStyle>
+          <a:p>
+            <a:r>
+              <a:rPr lang="ko-KR" altLang="en-US"/>
+              <a:t>그림을 추가하려면 아이콘을 클릭하십시오</a:t>
+            </a:r>
+            <a:endParaRPr lang="en-US" dirty="0"/>
+          </a:p>
+        </p:txBody>
+      </p:sp>
+      <p:sp>
+        <p:nvSpPr>
+          <p:cNvPr id="24" name="Text Placeholder 3"/>
+          <p:cNvSpPr>
+            <a:spLocks noGrp="1"/>
+          </p:cNvSpPr>
+          <p:nvPr>
+            <p:ph type="body" sz="half" idx="19"/>
+          </p:nvPr>
+        </p:nvSpPr>
+        <p:spPr>
+          <a:xfrm>
+            <a:off x="4441435" y="4480367"/>
+            <a:ext cx="3300984" cy="1310833"/>
+          </a:xfrm>
+        </p:spPr>
+        <p:txBody>
+          <a:bodyPr anchor="t">
+            <a:normAutofit/>
+          </a:bodyPr>
+          <a:lstStyle>
+            <a:lvl1pPr marL="0" indent="0" algn="ctr">
+              <a:buNone/>
+              <a:defRPr sz="1400"/>
+            </a:lvl1pPr>
+            <a:lvl2pPr marL="457200" indent="0">
+              <a:buNone/>
+              <a:defRPr sz="1200"/>
+            </a:lvl2pPr>
+            <a:lvl3pPr marL="914400" indent="0">
+              <a:buNone/>
+              <a:defRPr sz="1000"/>
+            </a:lvl3pPr>
+            <a:lvl4pPr marL="1371600" indent="0">
+              <a:buNone/>
+              <a:defRPr sz="900"/>
+            </a:lvl4pPr>
+            <a:lvl5pPr marL="1828800" indent="0">
+              <a:buNone/>
+              <a:defRPr sz="900"/>
+            </a:lvl5pPr>
+            <a:lvl6pPr marL="2286000" indent="0">
+              <a:buNone/>
+              <a:defRPr sz="900"/>
+            </a:lvl6pPr>
+            <a:lvl7pPr marL="2743200" indent="0">
+              <a:buNone/>
+              <a:defRPr sz="900"/>
+            </a:lvl7pPr>
+            <a:lvl8pPr marL="3200400" indent="0">
+              <a:buNone/>
+              <a:defRPr sz="900"/>
+            </a:lvl8pPr>
+            <a:lvl9pPr marL="3657600" indent="0">
+              <a:buNone/>
+              <a:defRPr sz="900"/>
+            </a:lvl9pPr>
+          </a:lstStyle>
+          <a:p>
+            <a:pPr lvl="0"/>
+            <a:r>
+              <a:rPr lang="ko-KR" altLang="en-US"/>
+              <a:t>마스터 텍스트 스타일을 편집하려면 클릭</a:t>
+            </a:r>
+          </a:p>
+        </p:txBody>
+      </p:sp>
+      <p:sp>
+        <p:nvSpPr>
+          <p:cNvPr id="25" name="Text Placeholder 4"/>
+          <p:cNvSpPr>
+            <a:spLocks noGrp="1"/>
+          </p:cNvSpPr>
+          <p:nvPr>
+            <p:ph type="body" sz="quarter" idx="13"/>
+          </p:nvPr>
+        </p:nvSpPr>
+        <p:spPr>
+          <a:xfrm>
+            <a:off x="7966697" y="3904106"/>
+            <a:ext cx="3300984" cy="576262"/>
+          </a:xfrm>
+        </p:spPr>
+        <p:txBody>
+          <a:bodyPr anchor="b">
+            <a:noAutofit/>
+          </a:bodyPr>
+          <a:lstStyle>
+            <a:lvl1pPr marL="0" indent="0" algn="ctr">
+              <a:buNone/>
+              <a:defRPr sz="2000" b="0">
+                <a:solidFill>
+                  <a:schemeClr val="tx1"/>
+                </a:solidFill>
+              </a:defRPr>
+            </a:lvl1pPr>
+            <a:lvl2pPr marL="457200" indent="0">
+              <a:buNone/>
+              <a:defRPr sz="2000" b="1"/>
+            </a:lvl2pPr>
+            <a:lvl3pPr marL="914400" indent="0">
+              <a:buNone/>
+              <a:defRPr sz="1800" b="1"/>
+            </a:lvl3pPr>
+            <a:lvl4pPr marL="1371600" indent="0">
+              <a:buNone/>
+              <a:defRPr sz="1600" b="1"/>
+            </a:lvl4pPr>
+            <a:lvl5pPr marL="1828800" indent="0">
+              <a:buNone/>
+              <a:defRPr sz="1600" b="1"/>
+            </a:lvl5pPr>
+            <a:lvl6pPr marL="2286000" indent="0">
+              <a:buNone/>
+              <a:defRPr sz="1600" b="1"/>
+            </a:lvl6pPr>
+            <a:lvl7pPr marL="2743200" indent="0">
+              <a:buNone/>
+              <a:defRPr sz="1600" b="1"/>
+            </a:lvl7pPr>
+            <a:lvl8pPr marL="3200400" indent="0">
+              <a:buNone/>
+              <a:defRPr sz="1600" b="1"/>
+            </a:lvl8pPr>
+            <a:lvl9pPr marL="3657600" indent="0">
+              <a:buNone/>
+              <a:defRPr sz="1600" b="1"/>
+            </a:lvl9pPr>
+          </a:lstStyle>
+          <a:p>
+            <a:pPr lvl="0"/>
+            <a:r>
+              <a:rPr lang="ko-KR" altLang="en-US"/>
+              <a:t>마스터 텍스트 스타일을 편집하려면 클릭</a:t>
+            </a:r>
+          </a:p>
+        </p:txBody>
+      </p:sp>
+      <p:sp>
+        <p:nvSpPr>
+          <p:cNvPr id="26" name="Picture Placeholder 2"/>
+          <p:cNvSpPr>
+            <a:spLocks noGrp="1" noChangeAspect="1"/>
+          </p:cNvSpPr>
+          <p:nvPr>
+            <p:ph type="pic" idx="22"/>
+          </p:nvPr>
+        </p:nvSpPr>
+        <p:spPr>
+          <a:xfrm>
+            <a:off x="8075698" y="1934432"/>
+            <a:ext cx="3092368" cy="1607294"/>
+          </a:xfrm>
+          <a:prstGeom prst="roundRect">
+            <a:avLst>
+              <a:gd name="adj" fmla="val 1858"/>
+            </a:avLst>
+          </a:prstGeom>
+          <a:effectLst>
+            <a:outerShdw blurRad="38100" dist="25400" dir="4440000">
+              <a:srgbClr val="000000">
+                <a:alpha val="36000"/>
+              </a:srgbClr>
+            </a:outerShdw>
+          </a:effectLst>
+        </p:spPr>
+        <p:txBody>
+          <a:bodyPr anchor="t">
+            <a:normAutofit/>
+          </a:bodyPr>
+          <a:lstStyle>
+            <a:lvl1pPr marL="0" indent="0" algn="ctr">
+              <a:buNone/>
+              <a:defRPr sz="1600"/>
+            </a:lvl1pPr>
+            <a:lvl2pPr marL="457200" indent="0">
+              <a:buNone/>
+              <a:defRPr sz="1600"/>
+            </a:lvl2pPr>
+            <a:lvl3pPr marL="914400" indent="0">
+              <a:buNone/>
+              <a:defRPr sz="1600"/>
+            </a:lvl3pPr>
+            <a:lvl4pPr marL="1371600" indent="0">
+              <a:buNone/>
+              <a:defRPr sz="1600"/>
+            </a:lvl4pPr>
+            <a:lvl5pPr marL="1828800" indent="0">
+              <a:buNone/>
+              <a:defRPr sz="1600"/>
+            </a:lvl5pPr>
+            <a:lvl6pPr marL="2286000" indent="0">
+              <a:buNone/>
+              <a:defRPr sz="1600"/>
+            </a:lvl6pPr>
+            <a:lvl7pPr marL="2743200" indent="0">
+              <a:buNone/>
+              <a:defRPr sz="1600"/>
+            </a:lvl7pPr>
+            <a:lvl8pPr marL="3200400" indent="0">
+              <a:buNone/>
+              <a:defRPr sz="1600"/>
+            </a:lvl8pPr>
+            <a:lvl9pPr marL="3657600" indent="0">
+              <a:buNone/>
+              <a:defRPr sz="1600"/>
+            </a:lvl9pPr>
+          </a:lstStyle>
+          <a:p>
+            <a:r>
+              <a:rPr lang="ko-KR" altLang="en-US"/>
+              <a:t>그림을 추가하려면 아이콘을 클릭하십시오</a:t>
+            </a:r>
+            <a:endParaRPr lang="en-US" dirty="0"/>
+          </a:p>
+        </p:txBody>
+      </p:sp>
+      <p:sp>
+        <p:nvSpPr>
+          <p:cNvPr id="27" name="Text Placeholder 3"/>
+          <p:cNvSpPr>
+            <a:spLocks noGrp="1"/>
+          </p:cNvSpPr>
+          <p:nvPr>
+            <p:ph type="body" sz="half" idx="20"/>
+          </p:nvPr>
+        </p:nvSpPr>
+        <p:spPr>
+          <a:xfrm>
+            <a:off x="7966572" y="4480365"/>
+            <a:ext cx="3300984" cy="1310835"/>
+          </a:xfrm>
+        </p:spPr>
+        <p:txBody>
+          <a:bodyPr anchor="t">
+            <a:normAutofit/>
+          </a:bodyPr>
+          <a:lstStyle>
+            <a:lvl1pPr marL="0" indent="0" algn="ctr">
+              <a:buNone/>
+              <a:defRPr sz="1400"/>
+            </a:lvl1pPr>
+            <a:lvl2pPr marL="457200" indent="0">
+              <a:buNone/>
+              <a:defRPr sz="1200"/>
+            </a:lvl2pPr>
+            <a:lvl3pPr marL="914400" indent="0">
+              <a:buNone/>
+              <a:defRPr sz="1000"/>
+            </a:lvl3pPr>
+            <a:lvl4pPr marL="1371600" indent="0">
+              <a:buNone/>
+              <a:defRPr sz="900"/>
+            </a:lvl4pPr>
+            <a:lvl5pPr marL="1828800" indent="0">
+              <a:buNone/>
+              <a:defRPr sz="900"/>
+            </a:lvl5pPr>
+            <a:lvl6pPr marL="2286000" indent="0">
+              <a:buNone/>
+              <a:defRPr sz="900"/>
+            </a:lvl6pPr>
+            <a:lvl7pPr marL="2743200" indent="0">
+              <a:buNone/>
+              <a:defRPr sz="900"/>
+            </a:lvl7pPr>
+            <a:lvl8pPr marL="3200400" indent="0">
+              <a:buNone/>
+              <a:defRPr sz="900"/>
+            </a:lvl8pPr>
+            <a:lvl9pPr marL="3657600" indent="0">
+              <a:buNone/>
+              <a:defRPr sz="900"/>
+            </a:lvl9pPr>
+          </a:lstStyle>
+          <a:p>
+            <a:pPr lvl="0"/>
+            <a:r>
+              <a:rPr lang="ko-KR" altLang="en-US"/>
+              <a:t>마스터 텍스트 스타일을 편집하려면 클릭</a:t>
+            </a:r>
+          </a:p>
+        </p:txBody>
+      </p:sp>
+      <p:sp>
+        <p:nvSpPr>
+          <p:cNvPr id="3" name="Date Placeholder 2"/>
+          <p:cNvSpPr>
+            <a:spLocks noGrp="1"/>
+          </p:cNvSpPr>
+          <p:nvPr>
+            <p:ph type="dt" sz="half" idx="10"/>
+          </p:nvPr>
+        </p:nvSpPr>
+        <p:spPr/>
+        <p:txBody>
+          <a:bodyPr/>
+          <a:lstStyle/>
+          <a:p>
+            <a:fld id="{29510597-35BB-42D3-8797-3CABDE860D5E}" type="datetimeFigureOut">
+              <a:rPr lang="ko-KR" altLang="en-US" smtClean="0"/>
+              <a:t>2022-04-09</a:t>
+            </a:fld>
+            <a:endParaRPr lang="ko-KR" altLang="en-US"/>
+          </a:p>
+        </p:txBody>
+      </p:sp>
+      <p:sp>
+        <p:nvSpPr>
+          <p:cNvPr id="4" name="Footer Placeholder 3"/>
+          <p:cNvSpPr>
+            <a:spLocks noGrp="1"/>
+          </p:cNvSpPr>
+          <p:nvPr>
+            <p:ph type="ftr" sz="quarter" idx="11"/>
+          </p:nvPr>
+        </p:nvSpPr>
+        <p:spPr/>
+        <p:txBody>
+          <a:bodyPr/>
+          <a:lstStyle/>
+          <a:p>
+            <a:endParaRPr lang="ko-KR" altLang="en-US"/>
+          </a:p>
+        </p:txBody>
+      </p:sp>
+      <p:sp>
+        <p:nvSpPr>
+          <p:cNvPr id="5" name="Slide Number Placeholder 4"/>
+          <p:cNvSpPr>
+            <a:spLocks noGrp="1"/>
+          </p:cNvSpPr>
+          <p:nvPr>
+            <p:ph type="sldNum" sz="quarter" idx="12"/>
+          </p:nvPr>
+        </p:nvSpPr>
+        <p:spPr/>
+        <p:txBody>
+          <a:bodyPr/>
+          <a:lstStyle/>
+          <a:p>
+            <a:fld id="{8EEF4A2C-00F4-4133-9163-0E35D48D9A48}" type="slidenum">
+              <a:rPr lang="ko-KR" altLang="en-US" smtClean="0"/>
+              <a:t>‹#›</a:t>
+            </a:fld>
+            <a:endParaRPr lang="ko-KR" altLang="en-US"/>
+          </a:p>
+        </p:txBody>
+      </p:sp>
+    </p:spTree>
+    <p:extLst>
+      <p:ext uri="{BB962C8B-B14F-4D97-AF65-F5344CB8AC3E}">
+        <p14:creationId xmlns:p14="http://schemas.microsoft.com/office/powerpoint/2010/main" val="1063128170"/>
+      </p:ext>
+    </p:extLst>
+  </p:cSld>
+  <p:clrMapOvr>
+    <a:masterClrMapping/>
+  </p:clrMapOvr>
+</p:sldLayout>
+</file>
+
+<file path=ppt/slideLayouts/slideLayout16.xml><?xml version="1.0" encoding="utf-8"?>
 <p:sldLayout xmlns:a="http://schemas.openxmlformats.org/drawingml/2006/main" xmlns:r="http://schemas.openxmlformats.org/officeDocument/2006/relationships" xmlns:p="http://schemas.openxmlformats.org/presentationml/2006/main" type="vertTx" preserve="1">
   <p:cSld name="제목 및 세로 텍스트">
     <p:spTree>
@@ -353,13 +2960,7 @@
       </p:grpSpPr>
       <p:sp>
         <p:nvSpPr>
-          <p:cNvPr id="2" name="제목 1">
-            <a:extLst>
-              <a:ext uri="{FF2B5EF4-FFF2-40B4-BE49-F238E27FC236}">
-                <a16:creationId xmlns:a16="http://schemas.microsoft.com/office/drawing/2014/main" id="{A3D43B71-C4EE-4633-B348-E97DCCA90DE3}"/>
-              </a:ext>
-            </a:extLst>
-          </p:cNvPr>
+          <p:cNvPr id="2" name="Title 1"/>
           <p:cNvSpPr>
             <a:spLocks noGrp="1"/>
           </p:cNvSpPr>
@@ -376,18 +2977,13 @@
               <a:rPr lang="ko-KR" altLang="en-US"/>
               <a:t>마스터 제목 스타일 편집</a:t>
             </a:r>
-          </a:p>
-        </p:txBody>
-      </p:sp>
-      <p:sp>
-        <p:nvSpPr>
-          <p:cNvPr id="3" name="세로 텍스트 개체 틀 2">
-            <a:extLst>
-              <a:ext uri="{FF2B5EF4-FFF2-40B4-BE49-F238E27FC236}">
-                <a16:creationId xmlns:a16="http://schemas.microsoft.com/office/drawing/2014/main" id="{33D69173-8F8E-4F46-A2E8-A67F459C7155}"/>
-              </a:ext>
-            </a:extLst>
-          </p:cNvPr>
+            <a:endParaRPr lang="en-US" dirty="0"/>
+          </a:p>
+        </p:txBody>
+      </p:sp>
+      <p:sp>
+        <p:nvSpPr>
+          <p:cNvPr id="3" name="Vertical Text Placeholder 2"/>
           <p:cNvSpPr>
             <a:spLocks noGrp="1"/>
           </p:cNvSpPr>
@@ -397,7 +2993,7 @@
         </p:nvSpPr>
         <p:spPr/>
         <p:txBody>
-          <a:bodyPr vert="eaVert"/>
+          <a:bodyPr vert="eaVert" anchor="t"/>
           <a:lstStyle/>
           <a:p>
             <a:pPr lvl="0"/>
@@ -433,18 +3029,13 @@
               <a:rPr lang="ko-KR" altLang="en-US"/>
               <a:t>다섯 번째 수준</a:t>
             </a:r>
-          </a:p>
-        </p:txBody>
-      </p:sp>
-      <p:sp>
-        <p:nvSpPr>
-          <p:cNvPr id="4" name="날짜 개체 틀 3">
-            <a:extLst>
-              <a:ext uri="{FF2B5EF4-FFF2-40B4-BE49-F238E27FC236}">
-                <a16:creationId xmlns:a16="http://schemas.microsoft.com/office/drawing/2014/main" id="{1E1E381B-C8CA-49D7-B431-3DE6FF1E7C0D}"/>
-              </a:ext>
-            </a:extLst>
-          </p:cNvPr>
+            <a:endParaRPr lang="en-US" dirty="0"/>
+          </a:p>
+        </p:txBody>
+      </p:sp>
+      <p:sp>
+        <p:nvSpPr>
+          <p:cNvPr id="4" name="Date Placeholder 3"/>
           <p:cNvSpPr>
             <a:spLocks noGrp="1"/>
           </p:cNvSpPr>
@@ -467,13 +3058,7 @@
       </p:sp>
       <p:sp>
         <p:nvSpPr>
-          <p:cNvPr id="5" name="바닥글 개체 틀 4">
-            <a:extLst>
-              <a:ext uri="{FF2B5EF4-FFF2-40B4-BE49-F238E27FC236}">
-                <a16:creationId xmlns:a16="http://schemas.microsoft.com/office/drawing/2014/main" id="{E97978F4-2C71-4E20-8934-E86B85E2E47C}"/>
-              </a:ext>
-            </a:extLst>
-          </p:cNvPr>
+          <p:cNvPr id="5" name="Footer Placeholder 4"/>
           <p:cNvSpPr>
             <a:spLocks noGrp="1"/>
           </p:cNvSpPr>
@@ -492,13 +3077,7 @@
       </p:sp>
       <p:sp>
         <p:nvSpPr>
-          <p:cNvPr id="6" name="슬라이드 번호 개체 틀 5">
-            <a:extLst>
-              <a:ext uri="{FF2B5EF4-FFF2-40B4-BE49-F238E27FC236}">
-                <a16:creationId xmlns:a16="http://schemas.microsoft.com/office/drawing/2014/main" id="{7E38F743-5C99-48E7-9FE2-1561470683A7}"/>
-              </a:ext>
-            </a:extLst>
-          </p:cNvPr>
+          <p:cNvPr id="6" name="Slide Number Placeholder 5"/>
           <p:cNvSpPr>
             <a:spLocks noGrp="1"/>
           </p:cNvSpPr>
@@ -522,7 +3101,7 @@
     </p:spTree>
     <p:extLst>
       <p:ext uri="{BB962C8B-B14F-4D97-AF65-F5344CB8AC3E}">
-        <p14:creationId xmlns:p14="http://schemas.microsoft.com/office/powerpoint/2010/main" val="838585709"/>
+        <p14:creationId xmlns:p14="http://schemas.microsoft.com/office/powerpoint/2010/main" val="1425440746"/>
       </p:ext>
     </p:extLst>
   </p:cSld>
@@ -532,7 +3111,7 @@
 </p:sldLayout>
 </file>
 
-<file path=ppt/slideLayouts/slideLayout11.xml><?xml version="1.0" encoding="utf-8"?>
+<file path=ppt/slideLayouts/slideLayout17.xml><?xml version="1.0" encoding="utf-8"?>
 <p:sldLayout xmlns:a="http://schemas.openxmlformats.org/drawingml/2006/main" xmlns:r="http://schemas.openxmlformats.org/officeDocument/2006/relationships" xmlns:p="http://schemas.openxmlformats.org/presentationml/2006/main" type="vertTitleAndTx" preserve="1">
   <p:cSld name="세로 제목 및 텍스트">
     <p:spTree>
@@ -551,13 +3130,7 @@
       </p:grpSpPr>
       <p:sp>
         <p:nvSpPr>
-          <p:cNvPr id="2" name="세로 제목 1">
-            <a:extLst>
-              <a:ext uri="{FF2B5EF4-FFF2-40B4-BE49-F238E27FC236}">
-                <a16:creationId xmlns:a16="http://schemas.microsoft.com/office/drawing/2014/main" id="{86E96F97-D98F-4CAE-B0A7-1E71DE11F55B}"/>
-              </a:ext>
-            </a:extLst>
-          </p:cNvPr>
+          <p:cNvPr id="2" name="Vertical Title 1"/>
           <p:cNvSpPr>
             <a:spLocks noGrp="1"/>
           </p:cNvSpPr>
@@ -567,30 +3140,29 @@
         </p:nvSpPr>
         <p:spPr>
           <a:xfrm>
-            <a:off x="8724900" y="365125"/>
-            <a:ext cx="2628900" cy="5811838"/>
+            <a:off x="8983068" y="609599"/>
+            <a:ext cx="2284487" cy="5181601"/>
           </a:xfrm>
         </p:spPr>
         <p:txBody>
           <a:bodyPr vert="eaVert"/>
-          <a:lstStyle/>
+          <a:lstStyle>
+            <a:lvl1pPr algn="l">
+              <a:defRPr/>
+            </a:lvl1pPr>
+          </a:lstStyle>
           <a:p>
             <a:r>
               <a:rPr lang="ko-KR" altLang="en-US"/>
               <a:t>마스터 제목 스타일 편집</a:t>
             </a:r>
-          </a:p>
-        </p:txBody>
-      </p:sp>
-      <p:sp>
-        <p:nvSpPr>
-          <p:cNvPr id="3" name="세로 텍스트 개체 틀 2">
-            <a:extLst>
-              <a:ext uri="{FF2B5EF4-FFF2-40B4-BE49-F238E27FC236}">
-                <a16:creationId xmlns:a16="http://schemas.microsoft.com/office/drawing/2014/main" id="{6492FBCA-4F56-4E5D-A05B-52A24ED43844}"/>
-              </a:ext>
-            </a:extLst>
-          </p:cNvPr>
+            <a:endParaRPr lang="en-US" dirty="0"/>
+          </a:p>
+        </p:txBody>
+      </p:sp>
+      <p:sp>
+        <p:nvSpPr>
+          <p:cNvPr id="3" name="Vertical Text Placeholder 2"/>
           <p:cNvSpPr>
             <a:spLocks noGrp="1"/>
           </p:cNvSpPr>
@@ -600,12 +3172,12 @@
         </p:nvSpPr>
         <p:spPr>
           <a:xfrm>
-            <a:off x="838200" y="365125"/>
-            <a:ext cx="7734300" cy="5811838"/>
+            <a:off x="913796" y="609599"/>
+            <a:ext cx="7916872" cy="5181601"/>
           </a:xfrm>
         </p:spPr>
         <p:txBody>
-          <a:bodyPr vert="eaVert"/>
+          <a:bodyPr vert="eaVert" anchor="t"/>
           <a:lstStyle/>
           <a:p>
             <a:pPr lvl="0"/>
@@ -641,18 +3213,13 @@
               <a:rPr lang="ko-KR" altLang="en-US"/>
               <a:t>다섯 번째 수준</a:t>
             </a:r>
-          </a:p>
-        </p:txBody>
-      </p:sp>
-      <p:sp>
-        <p:nvSpPr>
-          <p:cNvPr id="4" name="날짜 개체 틀 3">
-            <a:extLst>
-              <a:ext uri="{FF2B5EF4-FFF2-40B4-BE49-F238E27FC236}">
-                <a16:creationId xmlns:a16="http://schemas.microsoft.com/office/drawing/2014/main" id="{FCB245B1-869A-4810-BF95-E387671ECF89}"/>
-              </a:ext>
-            </a:extLst>
-          </p:cNvPr>
+            <a:endParaRPr lang="en-US" dirty="0"/>
+          </a:p>
+        </p:txBody>
+      </p:sp>
+      <p:sp>
+        <p:nvSpPr>
+          <p:cNvPr id="4" name="Date Placeholder 3"/>
           <p:cNvSpPr>
             <a:spLocks noGrp="1"/>
           </p:cNvSpPr>
@@ -675,13 +3242,7 @@
       </p:sp>
       <p:sp>
         <p:nvSpPr>
-          <p:cNvPr id="5" name="바닥글 개체 틀 4">
-            <a:extLst>
-              <a:ext uri="{FF2B5EF4-FFF2-40B4-BE49-F238E27FC236}">
-                <a16:creationId xmlns:a16="http://schemas.microsoft.com/office/drawing/2014/main" id="{E47347B5-882C-4C24-A325-8AEE9899CCF3}"/>
-              </a:ext>
-            </a:extLst>
-          </p:cNvPr>
+          <p:cNvPr id="5" name="Footer Placeholder 4"/>
           <p:cNvSpPr>
             <a:spLocks noGrp="1"/>
           </p:cNvSpPr>
@@ -700,13 +3261,7 @@
       </p:sp>
       <p:sp>
         <p:nvSpPr>
-          <p:cNvPr id="6" name="슬라이드 번호 개체 틀 5">
-            <a:extLst>
-              <a:ext uri="{FF2B5EF4-FFF2-40B4-BE49-F238E27FC236}">
-                <a16:creationId xmlns:a16="http://schemas.microsoft.com/office/drawing/2014/main" id="{3D95062E-B610-4001-B057-49CEDD3DAA5F}"/>
-              </a:ext>
-            </a:extLst>
-          </p:cNvPr>
+          <p:cNvPr id="6" name="Slide Number Placeholder 5"/>
           <p:cNvSpPr>
             <a:spLocks noGrp="1"/>
           </p:cNvSpPr>
@@ -730,7 +3285,7 @@
     </p:spTree>
     <p:extLst>
       <p:ext uri="{BB962C8B-B14F-4D97-AF65-F5344CB8AC3E}">
-        <p14:creationId xmlns:p14="http://schemas.microsoft.com/office/powerpoint/2010/main" val="627850866"/>
+        <p14:creationId xmlns:p14="http://schemas.microsoft.com/office/powerpoint/2010/main" val="1330027132"/>
       </p:ext>
     </p:extLst>
   </p:cSld>
@@ -759,13 +3314,7 @@
       </p:grpSpPr>
       <p:sp>
         <p:nvSpPr>
-          <p:cNvPr id="2" name="제목 1">
-            <a:extLst>
-              <a:ext uri="{FF2B5EF4-FFF2-40B4-BE49-F238E27FC236}">
-                <a16:creationId xmlns:a16="http://schemas.microsoft.com/office/drawing/2014/main" id="{06708075-8AB5-4F7C-9951-16950EE4D3CA}"/>
-              </a:ext>
-            </a:extLst>
-          </p:cNvPr>
+          <p:cNvPr id="2" name="Title 1"/>
           <p:cNvSpPr>
             <a:spLocks noGrp="1"/>
           </p:cNvSpPr>
@@ -782,18 +3331,13 @@
               <a:rPr lang="ko-KR" altLang="en-US"/>
               <a:t>마스터 제목 스타일 편집</a:t>
             </a:r>
-          </a:p>
-        </p:txBody>
-      </p:sp>
-      <p:sp>
-        <p:nvSpPr>
-          <p:cNvPr id="3" name="내용 개체 틀 2">
-            <a:extLst>
-              <a:ext uri="{FF2B5EF4-FFF2-40B4-BE49-F238E27FC236}">
-                <a16:creationId xmlns:a16="http://schemas.microsoft.com/office/drawing/2014/main" id="{290D80D6-BB30-4A7D-AEA6-D2F6692EED3F}"/>
-              </a:ext>
-            </a:extLst>
-          </p:cNvPr>
+            <a:endParaRPr lang="en-US" dirty="0"/>
+          </a:p>
+        </p:txBody>
+      </p:sp>
+      <p:sp>
+        <p:nvSpPr>
+          <p:cNvPr id="3" name="Content Placeholder 2"/>
           <p:cNvSpPr>
             <a:spLocks noGrp="1"/>
           </p:cNvSpPr>
@@ -839,18 +3383,13 @@
               <a:rPr lang="ko-KR" altLang="en-US"/>
               <a:t>다섯 번째 수준</a:t>
             </a:r>
-          </a:p>
-        </p:txBody>
-      </p:sp>
-      <p:sp>
-        <p:nvSpPr>
-          <p:cNvPr id="4" name="날짜 개체 틀 3">
-            <a:extLst>
-              <a:ext uri="{FF2B5EF4-FFF2-40B4-BE49-F238E27FC236}">
-                <a16:creationId xmlns:a16="http://schemas.microsoft.com/office/drawing/2014/main" id="{5E4BE5B3-6DA1-4170-B180-89C7FA47F29A}"/>
-              </a:ext>
-            </a:extLst>
-          </p:cNvPr>
+            <a:endParaRPr lang="en-US" dirty="0"/>
+          </a:p>
+        </p:txBody>
+      </p:sp>
+      <p:sp>
+        <p:nvSpPr>
+          <p:cNvPr id="4" name="Date Placeholder 3"/>
           <p:cNvSpPr>
             <a:spLocks noGrp="1"/>
           </p:cNvSpPr>
@@ -873,13 +3412,7 @@
       </p:sp>
       <p:sp>
         <p:nvSpPr>
-          <p:cNvPr id="5" name="바닥글 개체 틀 4">
-            <a:extLst>
-              <a:ext uri="{FF2B5EF4-FFF2-40B4-BE49-F238E27FC236}">
-                <a16:creationId xmlns:a16="http://schemas.microsoft.com/office/drawing/2014/main" id="{D0E4316B-8C8E-436F-A250-88D6125D5ECF}"/>
-              </a:ext>
-            </a:extLst>
-          </p:cNvPr>
+          <p:cNvPr id="5" name="Footer Placeholder 4"/>
           <p:cNvSpPr>
             <a:spLocks noGrp="1"/>
           </p:cNvSpPr>
@@ -898,13 +3431,7 @@
       </p:sp>
       <p:sp>
         <p:nvSpPr>
-          <p:cNvPr id="6" name="슬라이드 번호 개체 틀 5">
-            <a:extLst>
-              <a:ext uri="{FF2B5EF4-FFF2-40B4-BE49-F238E27FC236}">
-                <a16:creationId xmlns:a16="http://schemas.microsoft.com/office/drawing/2014/main" id="{92DBF083-6796-4994-9EA0-420CE994B0CA}"/>
-              </a:ext>
-            </a:extLst>
-          </p:cNvPr>
+          <p:cNvPr id="6" name="Slide Number Placeholder 5"/>
           <p:cNvSpPr>
             <a:spLocks noGrp="1"/>
           </p:cNvSpPr>
@@ -928,7 +3455,7 @@
     </p:spTree>
     <p:extLst>
       <p:ext uri="{BB962C8B-B14F-4D97-AF65-F5344CB8AC3E}">
-        <p14:creationId xmlns:p14="http://schemas.microsoft.com/office/powerpoint/2010/main" val="2398462248"/>
+        <p14:creationId xmlns:p14="http://schemas.microsoft.com/office/powerpoint/2010/main" val="167393964"/>
       </p:ext>
     </p:extLst>
   </p:cSld>
@@ -957,13 +3484,7 @@
       </p:grpSpPr>
       <p:sp>
         <p:nvSpPr>
-          <p:cNvPr id="2" name="제목 1">
-            <a:extLst>
-              <a:ext uri="{FF2B5EF4-FFF2-40B4-BE49-F238E27FC236}">
-                <a16:creationId xmlns:a16="http://schemas.microsoft.com/office/drawing/2014/main" id="{4847E654-E650-49C3-B839-24708AC15E9E}"/>
-              </a:ext>
-            </a:extLst>
-          </p:cNvPr>
+          <p:cNvPr id="2" name="Title 1"/>
           <p:cNvSpPr>
             <a:spLocks noGrp="1"/>
           </p:cNvSpPr>
@@ -973,15 +3494,15 @@
         </p:nvSpPr>
         <p:spPr>
           <a:xfrm>
-            <a:off x="831850" y="1709738"/>
-            <a:ext cx="10515600" cy="2852737"/>
+            <a:off x="1295401" y="1761067"/>
+            <a:ext cx="9590550" cy="1828813"/>
           </a:xfrm>
         </p:spPr>
         <p:txBody>
           <a:bodyPr anchor="b"/>
           <a:lstStyle>
-            <a:lvl1pPr>
-              <a:defRPr sz="6000"/>
+            <a:lvl1pPr algn="ctr">
+              <a:defRPr sz="4000" b="0" cap="none"/>
             </a:lvl1pPr>
           </a:lstStyle>
           <a:p>
@@ -989,18 +3510,13 @@
               <a:rPr lang="ko-KR" altLang="en-US"/>
               <a:t>마스터 제목 스타일 편집</a:t>
             </a:r>
-          </a:p>
-        </p:txBody>
-      </p:sp>
-      <p:sp>
-        <p:nvSpPr>
-          <p:cNvPr id="3" name="텍스트 개체 틀 2">
-            <a:extLst>
-              <a:ext uri="{FF2B5EF4-FFF2-40B4-BE49-F238E27FC236}">
-                <a16:creationId xmlns:a16="http://schemas.microsoft.com/office/drawing/2014/main" id="{EF6DE710-D4B2-4BC8-83FD-27707486B8C7}"/>
-              </a:ext>
-            </a:extLst>
-          </p:cNvPr>
+            <a:endParaRPr lang="en-US" dirty="0"/>
+          </a:p>
+        </p:txBody>
+      </p:sp>
+      <p:sp>
+        <p:nvSpPr>
+          <p:cNvPr id="3" name="Text Placeholder 2"/>
           <p:cNvSpPr>
             <a:spLocks noGrp="1"/>
           </p:cNvSpPr>
@@ -1010,26 +3526,24 @@
         </p:nvSpPr>
         <p:spPr>
           <a:xfrm>
-            <a:off x="831850" y="4589463"/>
-            <a:ext cx="10515600" cy="1500187"/>
+            <a:off x="1295401" y="3589879"/>
+            <a:ext cx="9590550" cy="1507054"/>
           </a:xfrm>
         </p:spPr>
         <p:txBody>
-          <a:bodyPr/>
+          <a:bodyPr anchor="t"/>
           <a:lstStyle>
-            <a:lvl1pPr marL="0" indent="0">
-              <a:buNone/>
-              <a:defRPr sz="2400">
+            <a:lvl1pPr marL="0" indent="0" algn="ctr">
+              <a:buNone/>
+              <a:defRPr sz="2000">
                 <a:solidFill>
-                  <a:schemeClr val="tx1">
-                    <a:tint val="75000"/>
-                  </a:schemeClr>
+                  <a:schemeClr val="tx1"/>
                 </a:solidFill>
               </a:defRPr>
             </a:lvl1pPr>
             <a:lvl2pPr marL="457200" indent="0">
               <a:buNone/>
-              <a:defRPr sz="2000">
+              <a:defRPr sz="1800">
                 <a:solidFill>
                   <a:schemeClr val="tx1">
                     <a:tint val="75000"/>
@@ -1039,7 +3553,7 @@
             </a:lvl2pPr>
             <a:lvl3pPr marL="914400" indent="0">
               <a:buNone/>
-              <a:defRPr sz="1800">
+              <a:defRPr sz="1600">
                 <a:solidFill>
                   <a:schemeClr val="tx1">
                     <a:tint val="75000"/>
@@ -1049,7 +3563,7 @@
             </a:lvl3pPr>
             <a:lvl4pPr marL="1371600" indent="0">
               <a:buNone/>
-              <a:defRPr sz="1600">
+              <a:defRPr sz="1400">
                 <a:solidFill>
                   <a:schemeClr val="tx1">
                     <a:tint val="75000"/>
@@ -1059,7 +3573,7 @@
             </a:lvl4pPr>
             <a:lvl5pPr marL="1828800" indent="0">
               <a:buNone/>
-              <a:defRPr sz="1600">
+              <a:defRPr sz="1400">
                 <a:solidFill>
                   <a:schemeClr val="tx1">
                     <a:tint val="75000"/>
@@ -1069,7 +3583,7 @@
             </a:lvl5pPr>
             <a:lvl6pPr marL="2286000" indent="0">
               <a:buNone/>
-              <a:defRPr sz="1600">
+              <a:defRPr sz="1400">
                 <a:solidFill>
                   <a:schemeClr val="tx1">
                     <a:tint val="75000"/>
@@ -1079,7 +3593,7 @@
             </a:lvl6pPr>
             <a:lvl7pPr marL="2743200" indent="0">
               <a:buNone/>
-              <a:defRPr sz="1600">
+              <a:defRPr sz="1400">
                 <a:solidFill>
                   <a:schemeClr val="tx1">
                     <a:tint val="75000"/>
@@ -1089,7 +3603,7 @@
             </a:lvl7pPr>
             <a:lvl8pPr marL="3200400" indent="0">
               <a:buNone/>
-              <a:defRPr sz="1600">
+              <a:defRPr sz="1400">
                 <a:solidFill>
                   <a:schemeClr val="tx1">
                     <a:tint val="75000"/>
@@ -1099,7 +3613,7 @@
             </a:lvl8pPr>
             <a:lvl9pPr marL="3657600" indent="0">
               <a:buNone/>
-              <a:defRPr sz="1600">
+              <a:defRPr sz="1400">
                 <a:solidFill>
                   <a:schemeClr val="tx1">
                     <a:tint val="75000"/>
@@ -1119,13 +3633,7 @@
       </p:sp>
       <p:sp>
         <p:nvSpPr>
-          <p:cNvPr id="4" name="날짜 개체 틀 3">
-            <a:extLst>
-              <a:ext uri="{FF2B5EF4-FFF2-40B4-BE49-F238E27FC236}">
-                <a16:creationId xmlns:a16="http://schemas.microsoft.com/office/drawing/2014/main" id="{51F2E5D3-1456-4FA7-93E4-B4DCED5E399D}"/>
-              </a:ext>
-            </a:extLst>
-          </p:cNvPr>
+          <p:cNvPr id="4" name="Date Placeholder 3"/>
           <p:cNvSpPr>
             <a:spLocks noGrp="1"/>
           </p:cNvSpPr>
@@ -1148,13 +3656,7 @@
       </p:sp>
       <p:sp>
         <p:nvSpPr>
-          <p:cNvPr id="5" name="바닥글 개체 틀 4">
-            <a:extLst>
-              <a:ext uri="{FF2B5EF4-FFF2-40B4-BE49-F238E27FC236}">
-                <a16:creationId xmlns:a16="http://schemas.microsoft.com/office/drawing/2014/main" id="{C797A4AC-EE24-4B12-8889-EE650501E67C}"/>
-              </a:ext>
-            </a:extLst>
-          </p:cNvPr>
+          <p:cNvPr id="5" name="Footer Placeholder 4"/>
           <p:cNvSpPr>
             <a:spLocks noGrp="1"/>
           </p:cNvSpPr>
@@ -1173,13 +3675,7 @@
       </p:sp>
       <p:sp>
         <p:nvSpPr>
-          <p:cNvPr id="6" name="슬라이드 번호 개체 틀 5">
-            <a:extLst>
-              <a:ext uri="{FF2B5EF4-FFF2-40B4-BE49-F238E27FC236}">
-                <a16:creationId xmlns:a16="http://schemas.microsoft.com/office/drawing/2014/main" id="{29FAEA1E-F929-4B4E-8988-FEC5349BF595}"/>
-              </a:ext>
-            </a:extLst>
-          </p:cNvPr>
+          <p:cNvPr id="6" name="Slide Number Placeholder 5"/>
           <p:cNvSpPr>
             <a:spLocks noGrp="1"/>
           </p:cNvSpPr>
@@ -1203,7 +3699,7 @@
     </p:spTree>
     <p:extLst>
       <p:ext uri="{BB962C8B-B14F-4D97-AF65-F5344CB8AC3E}">
-        <p14:creationId xmlns:p14="http://schemas.microsoft.com/office/powerpoint/2010/main" val="4045523027"/>
+        <p14:creationId xmlns:p14="http://schemas.microsoft.com/office/powerpoint/2010/main" val="3179831523"/>
       </p:ext>
     </p:extLst>
   </p:cSld>
@@ -1232,13 +3728,7 @@
       </p:grpSpPr>
       <p:sp>
         <p:nvSpPr>
-          <p:cNvPr id="2" name="제목 1">
-            <a:extLst>
-              <a:ext uri="{FF2B5EF4-FFF2-40B4-BE49-F238E27FC236}">
-                <a16:creationId xmlns:a16="http://schemas.microsoft.com/office/drawing/2014/main" id="{BAEAA46A-920F-4943-85E4-49586EFE3D84}"/>
-              </a:ext>
-            </a:extLst>
-          </p:cNvPr>
+          <p:cNvPr id="2" name="Title 1"/>
           <p:cNvSpPr>
             <a:spLocks noGrp="1"/>
           </p:cNvSpPr>
@@ -1255,18 +3745,13 @@
               <a:rPr lang="ko-KR" altLang="en-US"/>
               <a:t>마스터 제목 스타일 편집</a:t>
             </a:r>
-          </a:p>
-        </p:txBody>
-      </p:sp>
-      <p:sp>
-        <p:nvSpPr>
-          <p:cNvPr id="3" name="내용 개체 틀 2">
-            <a:extLst>
-              <a:ext uri="{FF2B5EF4-FFF2-40B4-BE49-F238E27FC236}">
-                <a16:creationId xmlns:a16="http://schemas.microsoft.com/office/drawing/2014/main" id="{DADD51C3-D310-42CD-A7BC-14D30787BF48}"/>
-              </a:ext>
-            </a:extLst>
-          </p:cNvPr>
+            <a:endParaRPr lang="en-US" dirty="0"/>
+          </a:p>
+        </p:txBody>
+      </p:sp>
+      <p:sp>
+        <p:nvSpPr>
+          <p:cNvPr id="3" name="Content Placeholder 2"/>
           <p:cNvSpPr>
             <a:spLocks noGrp="1"/>
           </p:cNvSpPr>
@@ -1276,12 +3761,14 @@
         </p:nvSpPr>
         <p:spPr>
           <a:xfrm>
-            <a:off x="838200" y="1825625"/>
-            <a:ext cx="5181600" cy="4351338"/>
+            <a:off x="913795" y="1732449"/>
+            <a:ext cx="5060497" cy="4058750"/>
           </a:xfrm>
         </p:spPr>
         <p:txBody>
-          <a:bodyPr/>
+          <a:bodyPr anchor="t">
+            <a:normAutofit/>
+          </a:bodyPr>
           <a:lstStyle/>
           <a:p>
             <a:pPr lvl="0"/>
@@ -1317,18 +3804,13 @@
               <a:rPr lang="ko-KR" altLang="en-US"/>
               <a:t>다섯 번째 수준</a:t>
             </a:r>
-          </a:p>
-        </p:txBody>
-      </p:sp>
-      <p:sp>
-        <p:nvSpPr>
-          <p:cNvPr id="4" name="내용 개체 틀 3">
-            <a:extLst>
-              <a:ext uri="{FF2B5EF4-FFF2-40B4-BE49-F238E27FC236}">
-                <a16:creationId xmlns:a16="http://schemas.microsoft.com/office/drawing/2014/main" id="{E0B7ADBD-A279-4B60-99B1-7EC8DBE4F657}"/>
-              </a:ext>
-            </a:extLst>
-          </p:cNvPr>
+            <a:endParaRPr lang="en-US" dirty="0"/>
+          </a:p>
+        </p:txBody>
+      </p:sp>
+      <p:sp>
+        <p:nvSpPr>
+          <p:cNvPr id="4" name="Content Placeholder 3"/>
           <p:cNvSpPr>
             <a:spLocks noGrp="1"/>
           </p:cNvSpPr>
@@ -1338,12 +3820,14 @@
         </p:nvSpPr>
         <p:spPr>
           <a:xfrm>
-            <a:off x="6172200" y="1825625"/>
-            <a:ext cx="5181600" cy="4351338"/>
+            <a:off x="6202892" y="1732449"/>
+            <a:ext cx="5064665" cy="4058751"/>
           </a:xfrm>
         </p:spPr>
         <p:txBody>
-          <a:bodyPr/>
+          <a:bodyPr anchor="t">
+            <a:normAutofit/>
+          </a:bodyPr>
           <a:lstStyle/>
           <a:p>
             <a:pPr lvl="0"/>
@@ -1379,18 +3863,13 @@
               <a:rPr lang="ko-KR" altLang="en-US"/>
               <a:t>다섯 번째 수준</a:t>
             </a:r>
-          </a:p>
-        </p:txBody>
-      </p:sp>
-      <p:sp>
-        <p:nvSpPr>
-          <p:cNvPr id="5" name="날짜 개체 틀 4">
-            <a:extLst>
-              <a:ext uri="{FF2B5EF4-FFF2-40B4-BE49-F238E27FC236}">
-                <a16:creationId xmlns:a16="http://schemas.microsoft.com/office/drawing/2014/main" id="{12F54866-2CAC-46FB-8A6D-9AD0170486D9}"/>
-              </a:ext>
-            </a:extLst>
-          </p:cNvPr>
+            <a:endParaRPr lang="en-US" dirty="0"/>
+          </a:p>
+        </p:txBody>
+      </p:sp>
+      <p:sp>
+        <p:nvSpPr>
+          <p:cNvPr id="5" name="Date Placeholder 4"/>
           <p:cNvSpPr>
             <a:spLocks noGrp="1"/>
           </p:cNvSpPr>
@@ -1413,13 +3892,7 @@
       </p:sp>
       <p:sp>
         <p:nvSpPr>
-          <p:cNvPr id="6" name="바닥글 개체 틀 5">
-            <a:extLst>
-              <a:ext uri="{FF2B5EF4-FFF2-40B4-BE49-F238E27FC236}">
-                <a16:creationId xmlns:a16="http://schemas.microsoft.com/office/drawing/2014/main" id="{13AEACEC-A983-43D2-A330-9DA830237B1C}"/>
-              </a:ext>
-            </a:extLst>
-          </p:cNvPr>
+          <p:cNvPr id="6" name="Footer Placeholder 5"/>
           <p:cNvSpPr>
             <a:spLocks noGrp="1"/>
           </p:cNvSpPr>
@@ -1438,13 +3911,7 @@
       </p:sp>
       <p:sp>
         <p:nvSpPr>
-          <p:cNvPr id="7" name="슬라이드 번호 개체 틀 6">
-            <a:extLst>
-              <a:ext uri="{FF2B5EF4-FFF2-40B4-BE49-F238E27FC236}">
-                <a16:creationId xmlns:a16="http://schemas.microsoft.com/office/drawing/2014/main" id="{764324FC-4170-49CF-9594-B877ED1AE2F4}"/>
-              </a:ext>
-            </a:extLst>
-          </p:cNvPr>
+          <p:cNvPr id="7" name="Slide Number Placeholder 6"/>
           <p:cNvSpPr>
             <a:spLocks noGrp="1"/>
           </p:cNvSpPr>
@@ -1468,7 +3935,7 @@
     </p:spTree>
     <p:extLst>
       <p:ext uri="{BB962C8B-B14F-4D97-AF65-F5344CB8AC3E}">
-        <p14:creationId xmlns:p14="http://schemas.microsoft.com/office/powerpoint/2010/main" val="524840472"/>
+        <p14:creationId xmlns:p14="http://schemas.microsoft.com/office/powerpoint/2010/main" val="184554971"/>
       </p:ext>
     </p:extLst>
   </p:cSld>
@@ -1495,67 +3962,117 @@
           <a:chExt cx="0" cy="0"/>
         </a:xfrm>
       </p:grpSpPr>
-      <p:sp>
-        <p:nvSpPr>
-          <p:cNvPr id="2" name="제목 1">
+      <p:pic>
+        <p:nvPicPr>
+          <p:cNvPr id="20" name="Picture 19" descr="Slate-V2-HD-compPhotoInset.png"/>
+          <p:cNvPicPr>
+            <a:picLocks noChangeAspect="1"/>
+          </p:cNvPicPr>
+          <p:nvPr/>
+        </p:nvPicPr>
+        <p:blipFill>
+          <a:blip r:embed="rId2">
             <a:extLst>
-              <a:ext uri="{FF2B5EF4-FFF2-40B4-BE49-F238E27FC236}">
-                <a16:creationId xmlns:a16="http://schemas.microsoft.com/office/drawing/2014/main" id="{CE779296-0459-4B4A-B76D-BF85F536A1BE}"/>
+              <a:ext uri="{28A0092B-C50C-407E-A947-70E740481C1C}">
+                <a14:useLocalDpi xmlns:a14="http://schemas.microsoft.com/office/drawing/2010/main" val="0"/>
               </a:ext>
             </a:extLst>
-          </p:cNvPr>
-          <p:cNvSpPr>
-            <a:spLocks noGrp="1"/>
-          </p:cNvSpPr>
-          <p:nvPr>
-            <p:ph type="title"/>
-          </p:nvPr>
-        </p:nvSpPr>
+          </a:blip>
+          <a:stretch>
+            <a:fillRect/>
+          </a:stretch>
+        </p:blipFill>
         <p:spPr>
           <a:xfrm>
-            <a:off x="839788" y="365125"/>
-            <a:ext cx="10515600" cy="1325563"/>
+            <a:off x="913795" y="1734506"/>
+            <a:ext cx="5089072" cy="4148769"/>
+          </a:xfrm>
+          <a:prstGeom prst="rect">
+            <a:avLst/>
+          </a:prstGeom>
+        </p:spPr>
+      </p:pic>
+      <p:pic>
+        <p:nvPicPr>
+          <p:cNvPr id="21" name="Picture 20" descr="Slate-V2-HD-compPhotoInset.png"/>
+          <p:cNvPicPr>
+            <a:picLocks noChangeAspect="1"/>
+          </p:cNvPicPr>
+          <p:nvPr/>
+        </p:nvPicPr>
+        <p:blipFill>
+          <a:blip r:embed="rId2">
+            <a:extLst>
+              <a:ext uri="{28A0092B-C50C-407E-A947-70E740481C1C}">
+                <a14:useLocalDpi xmlns:a14="http://schemas.microsoft.com/office/drawing/2010/main" val="0"/>
+              </a:ext>
+            </a:extLst>
+          </a:blip>
+          <a:stretch>
+            <a:fillRect/>
+          </a:stretch>
+        </p:blipFill>
+        <p:spPr>
+          <a:xfrm>
+            <a:off x="6178485" y="1734506"/>
+            <a:ext cx="5089072" cy="4148769"/>
+          </a:xfrm>
+          <a:prstGeom prst="rect">
+            <a:avLst/>
+          </a:prstGeom>
+        </p:spPr>
+      </p:pic>
+      <p:sp>
+        <p:nvSpPr>
+          <p:cNvPr id="2" name="Title 1"/>
+          <p:cNvSpPr>
+            <a:spLocks noGrp="1"/>
+          </p:cNvSpPr>
+          <p:nvPr>
+            <p:ph type="title"/>
+          </p:nvPr>
+        </p:nvSpPr>
+        <p:spPr/>
+        <p:txBody>
+          <a:bodyPr/>
+          <a:lstStyle>
+            <a:lvl1pPr>
+              <a:defRPr/>
+            </a:lvl1pPr>
+          </a:lstStyle>
+          <a:p>
+            <a:r>
+              <a:rPr lang="ko-KR" altLang="en-US"/>
+              <a:t>마스터 제목 스타일 편집</a:t>
+            </a:r>
+            <a:endParaRPr lang="en-US" dirty="0"/>
+          </a:p>
+        </p:txBody>
+      </p:sp>
+      <p:sp>
+        <p:nvSpPr>
+          <p:cNvPr id="3" name="Text Placeholder 2"/>
+          <p:cNvSpPr>
+            <a:spLocks noGrp="1"/>
+          </p:cNvSpPr>
+          <p:nvPr>
+            <p:ph type="body" idx="1"/>
+          </p:nvPr>
+        </p:nvSpPr>
+        <p:spPr>
+          <a:xfrm>
+            <a:off x="1005872" y="1835254"/>
+            <a:ext cx="4876344" cy="544884"/>
           </a:xfrm>
         </p:spPr>
         <p:txBody>
-          <a:bodyPr/>
-          <a:lstStyle/>
-          <a:p>
-            <a:r>
-              <a:rPr lang="ko-KR" altLang="en-US"/>
-              <a:t>마스터 제목 스타일 편집</a:t>
-            </a:r>
-          </a:p>
-        </p:txBody>
-      </p:sp>
-      <p:sp>
-        <p:nvSpPr>
-          <p:cNvPr id="3" name="텍스트 개체 틀 2">
-            <a:extLst>
-              <a:ext uri="{FF2B5EF4-FFF2-40B4-BE49-F238E27FC236}">
-                <a16:creationId xmlns:a16="http://schemas.microsoft.com/office/drawing/2014/main" id="{90F4EBD2-16C6-405F-A32B-51B2B7A43D8A}"/>
-              </a:ext>
-            </a:extLst>
-          </p:cNvPr>
-          <p:cNvSpPr>
-            <a:spLocks noGrp="1"/>
-          </p:cNvSpPr>
-          <p:nvPr>
-            <p:ph type="body" idx="1"/>
-          </p:nvPr>
-        </p:nvSpPr>
-        <p:spPr>
-          <a:xfrm>
-            <a:off x="839788" y="1681163"/>
-            <a:ext cx="5157787" cy="823912"/>
-          </a:xfrm>
-        </p:spPr>
-        <p:txBody>
-          <a:bodyPr anchor="b"/>
+          <a:bodyPr anchor="b">
+            <a:noAutofit/>
+          </a:bodyPr>
           <a:lstStyle>
-            <a:lvl1pPr marL="0" indent="0">
-              <a:buNone/>
-              <a:defRPr sz="2400" b="1"/>
+            <a:lvl1pPr marL="0" indent="0" algn="ctr">
+              <a:buNone/>
+              <a:defRPr sz="2400" b="0"/>
             </a:lvl1pPr>
             <a:lvl2pPr marL="457200" indent="0">
               <a:buNone/>
@@ -1601,13 +4118,7 @@
       </p:sp>
       <p:sp>
         <p:nvSpPr>
-          <p:cNvPr id="4" name="내용 개체 틀 3">
-            <a:extLst>
-              <a:ext uri="{FF2B5EF4-FFF2-40B4-BE49-F238E27FC236}">
-                <a16:creationId xmlns:a16="http://schemas.microsoft.com/office/drawing/2014/main" id="{F31FD66C-113A-43C8-981B-EF896056F38E}"/>
-              </a:ext>
-            </a:extLst>
-          </p:cNvPr>
+          <p:cNvPr id="4" name="Content Placeholder 3"/>
           <p:cNvSpPr>
             <a:spLocks noGrp="1"/>
           </p:cNvSpPr>
@@ -1617,13 +4128,31 @@
         </p:nvSpPr>
         <p:spPr>
           <a:xfrm>
-            <a:off x="839788" y="2505075"/>
-            <a:ext cx="5157787" cy="3684588"/>
+            <a:off x="1005872" y="2380137"/>
+            <a:ext cx="4876344" cy="3411063"/>
           </a:xfrm>
         </p:spPr>
         <p:txBody>
-          <a:bodyPr/>
-          <a:lstStyle/>
+          <a:bodyPr anchor="t">
+            <a:normAutofit/>
+          </a:bodyPr>
+          <a:lstStyle>
+            <a:lvl1pPr>
+              <a:defRPr sz="1800"/>
+            </a:lvl1pPr>
+            <a:lvl2pPr>
+              <a:defRPr sz="1600"/>
+            </a:lvl2pPr>
+            <a:lvl3pPr>
+              <a:defRPr sz="1400"/>
+            </a:lvl3pPr>
+            <a:lvl4pPr>
+              <a:defRPr sz="1200"/>
+            </a:lvl4pPr>
+            <a:lvl5pPr>
+              <a:defRPr sz="1200"/>
+            </a:lvl5pPr>
+          </a:lstStyle>
           <a:p>
             <a:pPr lvl="0"/>
             <a:r>
@@ -1658,18 +4187,13 @@
               <a:rPr lang="ko-KR" altLang="en-US"/>
               <a:t>다섯 번째 수준</a:t>
             </a:r>
-          </a:p>
-        </p:txBody>
-      </p:sp>
-      <p:sp>
-        <p:nvSpPr>
-          <p:cNvPr id="5" name="텍스트 개체 틀 4">
-            <a:extLst>
-              <a:ext uri="{FF2B5EF4-FFF2-40B4-BE49-F238E27FC236}">
-                <a16:creationId xmlns:a16="http://schemas.microsoft.com/office/drawing/2014/main" id="{C28FFD3E-8271-4229-B1DA-758D84D9012A}"/>
-              </a:ext>
-            </a:extLst>
-          </p:cNvPr>
+            <a:endParaRPr lang="en-US" dirty="0"/>
+          </a:p>
+        </p:txBody>
+      </p:sp>
+      <p:sp>
+        <p:nvSpPr>
+          <p:cNvPr id="5" name="Text Placeholder 4"/>
           <p:cNvSpPr>
             <a:spLocks noGrp="1"/>
           </p:cNvSpPr>
@@ -1679,16 +4203,18 @@
         </p:nvSpPr>
         <p:spPr>
           <a:xfrm>
-            <a:off x="6172200" y="1681163"/>
-            <a:ext cx="5183188" cy="823912"/>
+            <a:off x="6294967" y="1835254"/>
+            <a:ext cx="4895330" cy="544883"/>
           </a:xfrm>
         </p:spPr>
         <p:txBody>
-          <a:bodyPr anchor="b"/>
+          <a:bodyPr anchor="b">
+            <a:noAutofit/>
+          </a:bodyPr>
           <a:lstStyle>
-            <a:lvl1pPr marL="0" indent="0">
-              <a:buNone/>
-              <a:defRPr sz="2400" b="1"/>
+            <a:lvl1pPr marL="0" indent="0" algn="ctr">
+              <a:buNone/>
+              <a:defRPr sz="2400" b="0"/>
             </a:lvl1pPr>
             <a:lvl2pPr marL="457200" indent="0">
               <a:buNone/>
@@ -1734,13 +4260,7 @@
       </p:sp>
       <p:sp>
         <p:nvSpPr>
-          <p:cNvPr id="6" name="내용 개체 틀 5">
-            <a:extLst>
-              <a:ext uri="{FF2B5EF4-FFF2-40B4-BE49-F238E27FC236}">
-                <a16:creationId xmlns:a16="http://schemas.microsoft.com/office/drawing/2014/main" id="{EF3F1135-0B86-422F-BE72-A6952556D9DF}"/>
-              </a:ext>
-            </a:extLst>
-          </p:cNvPr>
+          <p:cNvPr id="6" name="Content Placeholder 5"/>
           <p:cNvSpPr>
             <a:spLocks noGrp="1"/>
           </p:cNvSpPr>
@@ -1750,13 +4270,31 @@
         </p:nvSpPr>
         <p:spPr>
           <a:xfrm>
-            <a:off x="6172200" y="2505075"/>
-            <a:ext cx="5183188" cy="3684588"/>
+            <a:off x="6294967" y="2380137"/>
+            <a:ext cx="4895330" cy="3411063"/>
           </a:xfrm>
         </p:spPr>
         <p:txBody>
-          <a:bodyPr/>
-          <a:lstStyle/>
+          <a:bodyPr anchor="t">
+            <a:normAutofit/>
+          </a:bodyPr>
+          <a:lstStyle>
+            <a:lvl1pPr>
+              <a:defRPr sz="1800"/>
+            </a:lvl1pPr>
+            <a:lvl2pPr>
+              <a:defRPr sz="1600"/>
+            </a:lvl2pPr>
+            <a:lvl3pPr>
+              <a:defRPr sz="1400"/>
+            </a:lvl3pPr>
+            <a:lvl4pPr>
+              <a:defRPr sz="1200"/>
+            </a:lvl4pPr>
+            <a:lvl5pPr>
+              <a:defRPr sz="1200"/>
+            </a:lvl5pPr>
+          </a:lstStyle>
           <a:p>
             <a:pPr lvl="0"/>
             <a:r>
@@ -1791,18 +4329,13 @@
               <a:rPr lang="ko-KR" altLang="en-US"/>
               <a:t>다섯 번째 수준</a:t>
             </a:r>
-          </a:p>
-        </p:txBody>
-      </p:sp>
-      <p:sp>
-        <p:nvSpPr>
-          <p:cNvPr id="7" name="날짜 개체 틀 6">
-            <a:extLst>
-              <a:ext uri="{FF2B5EF4-FFF2-40B4-BE49-F238E27FC236}">
-                <a16:creationId xmlns:a16="http://schemas.microsoft.com/office/drawing/2014/main" id="{56C93044-DD96-4439-A556-C98D7780995D}"/>
-              </a:ext>
-            </a:extLst>
-          </p:cNvPr>
+            <a:endParaRPr lang="en-US" dirty="0"/>
+          </a:p>
+        </p:txBody>
+      </p:sp>
+      <p:sp>
+        <p:nvSpPr>
+          <p:cNvPr id="7" name="Date Placeholder 6"/>
           <p:cNvSpPr>
             <a:spLocks noGrp="1"/>
           </p:cNvSpPr>
@@ -1825,13 +4358,7 @@
       </p:sp>
       <p:sp>
         <p:nvSpPr>
-          <p:cNvPr id="8" name="바닥글 개체 틀 7">
-            <a:extLst>
-              <a:ext uri="{FF2B5EF4-FFF2-40B4-BE49-F238E27FC236}">
-                <a16:creationId xmlns:a16="http://schemas.microsoft.com/office/drawing/2014/main" id="{1B470FFA-31DF-406B-80CE-103BEF1B6545}"/>
-              </a:ext>
-            </a:extLst>
-          </p:cNvPr>
+          <p:cNvPr id="8" name="Footer Placeholder 7"/>
           <p:cNvSpPr>
             <a:spLocks noGrp="1"/>
           </p:cNvSpPr>
@@ -1850,13 +4377,7 @@
       </p:sp>
       <p:sp>
         <p:nvSpPr>
-          <p:cNvPr id="9" name="슬라이드 번호 개체 틀 8">
-            <a:extLst>
-              <a:ext uri="{FF2B5EF4-FFF2-40B4-BE49-F238E27FC236}">
-                <a16:creationId xmlns:a16="http://schemas.microsoft.com/office/drawing/2014/main" id="{D9F1A5F2-8F72-40F2-BFD6-79FC0F537121}"/>
-              </a:ext>
-            </a:extLst>
-          </p:cNvPr>
+          <p:cNvPr id="9" name="Slide Number Placeholder 8"/>
           <p:cNvSpPr>
             <a:spLocks noGrp="1"/>
           </p:cNvSpPr>
@@ -1880,7 +4401,7 @@
     </p:spTree>
     <p:extLst>
       <p:ext uri="{BB962C8B-B14F-4D97-AF65-F5344CB8AC3E}">
-        <p14:creationId xmlns:p14="http://schemas.microsoft.com/office/powerpoint/2010/main" val="4229677482"/>
+        <p14:creationId xmlns:p14="http://schemas.microsoft.com/office/powerpoint/2010/main" val="4264142245"/>
       </p:ext>
     </p:extLst>
   </p:cSld>
@@ -1909,13 +4430,7 @@
       </p:grpSpPr>
       <p:sp>
         <p:nvSpPr>
-          <p:cNvPr id="2" name="제목 1">
-            <a:extLst>
-              <a:ext uri="{FF2B5EF4-FFF2-40B4-BE49-F238E27FC236}">
-                <a16:creationId xmlns:a16="http://schemas.microsoft.com/office/drawing/2014/main" id="{8FF20EC5-5712-48A2-AA7F-F0D452B85119}"/>
-              </a:ext>
-            </a:extLst>
-          </p:cNvPr>
+          <p:cNvPr id="2" name="Title 1"/>
           <p:cNvSpPr>
             <a:spLocks noGrp="1"/>
           </p:cNvSpPr>
@@ -1932,18 +4447,13 @@
               <a:rPr lang="ko-KR" altLang="en-US"/>
               <a:t>마스터 제목 스타일 편집</a:t>
             </a:r>
-          </a:p>
-        </p:txBody>
-      </p:sp>
-      <p:sp>
-        <p:nvSpPr>
-          <p:cNvPr id="3" name="날짜 개체 틀 2">
-            <a:extLst>
-              <a:ext uri="{FF2B5EF4-FFF2-40B4-BE49-F238E27FC236}">
-                <a16:creationId xmlns:a16="http://schemas.microsoft.com/office/drawing/2014/main" id="{20300489-4153-4FD2-B66C-5F428A1D59D2}"/>
-              </a:ext>
-            </a:extLst>
-          </p:cNvPr>
+            <a:endParaRPr lang="en-US" dirty="0"/>
+          </a:p>
+        </p:txBody>
+      </p:sp>
+      <p:sp>
+        <p:nvSpPr>
+          <p:cNvPr id="3" name="Date Placeholder 2"/>
           <p:cNvSpPr>
             <a:spLocks noGrp="1"/>
           </p:cNvSpPr>
@@ -1966,13 +4476,7 @@
       </p:sp>
       <p:sp>
         <p:nvSpPr>
-          <p:cNvPr id="4" name="바닥글 개체 틀 3">
-            <a:extLst>
-              <a:ext uri="{FF2B5EF4-FFF2-40B4-BE49-F238E27FC236}">
-                <a16:creationId xmlns:a16="http://schemas.microsoft.com/office/drawing/2014/main" id="{B1430992-9FF3-43B8-A8FD-B963DA71D39B}"/>
-              </a:ext>
-            </a:extLst>
-          </p:cNvPr>
+          <p:cNvPr id="4" name="Footer Placeholder 3"/>
           <p:cNvSpPr>
             <a:spLocks noGrp="1"/>
           </p:cNvSpPr>
@@ -1991,13 +4495,7 @@
       </p:sp>
       <p:sp>
         <p:nvSpPr>
-          <p:cNvPr id="5" name="슬라이드 번호 개체 틀 4">
-            <a:extLst>
-              <a:ext uri="{FF2B5EF4-FFF2-40B4-BE49-F238E27FC236}">
-                <a16:creationId xmlns:a16="http://schemas.microsoft.com/office/drawing/2014/main" id="{5F365880-7E1E-474B-8AD0-FCD236677B45}"/>
-              </a:ext>
-            </a:extLst>
-          </p:cNvPr>
+          <p:cNvPr id="5" name="Slide Number Placeholder 4"/>
           <p:cNvSpPr>
             <a:spLocks noGrp="1"/>
           </p:cNvSpPr>
@@ -2021,7 +4519,7 @@
     </p:spTree>
     <p:extLst>
       <p:ext uri="{BB962C8B-B14F-4D97-AF65-F5344CB8AC3E}">
-        <p14:creationId xmlns:p14="http://schemas.microsoft.com/office/powerpoint/2010/main" val="1626464125"/>
+        <p14:creationId xmlns:p14="http://schemas.microsoft.com/office/powerpoint/2010/main" val="200254713"/>
       </p:ext>
     </p:extLst>
   </p:cSld>
@@ -2050,13 +4548,7 @@
       </p:grpSpPr>
       <p:sp>
         <p:nvSpPr>
-          <p:cNvPr id="2" name="날짜 개체 틀 1">
-            <a:extLst>
-              <a:ext uri="{FF2B5EF4-FFF2-40B4-BE49-F238E27FC236}">
-                <a16:creationId xmlns:a16="http://schemas.microsoft.com/office/drawing/2014/main" id="{04318632-2B32-494C-884C-46D707E0CE9B}"/>
-              </a:ext>
-            </a:extLst>
-          </p:cNvPr>
+          <p:cNvPr id="2" name="Date Placeholder 1"/>
           <p:cNvSpPr>
             <a:spLocks noGrp="1"/>
           </p:cNvSpPr>
@@ -2079,13 +4571,7 @@
       </p:sp>
       <p:sp>
         <p:nvSpPr>
-          <p:cNvPr id="3" name="바닥글 개체 틀 2">
-            <a:extLst>
-              <a:ext uri="{FF2B5EF4-FFF2-40B4-BE49-F238E27FC236}">
-                <a16:creationId xmlns:a16="http://schemas.microsoft.com/office/drawing/2014/main" id="{13223884-F58A-4FF5-882E-9771970F091B}"/>
-              </a:ext>
-            </a:extLst>
-          </p:cNvPr>
+          <p:cNvPr id="3" name="Footer Placeholder 2"/>
           <p:cNvSpPr>
             <a:spLocks noGrp="1"/>
           </p:cNvSpPr>
@@ -2104,13 +4590,7 @@
       </p:sp>
       <p:sp>
         <p:nvSpPr>
-          <p:cNvPr id="4" name="슬라이드 번호 개체 틀 3">
-            <a:extLst>
-              <a:ext uri="{FF2B5EF4-FFF2-40B4-BE49-F238E27FC236}">
-                <a16:creationId xmlns:a16="http://schemas.microsoft.com/office/drawing/2014/main" id="{4521F8CF-68F8-4697-9AC5-0E152A2C3B66}"/>
-              </a:ext>
-            </a:extLst>
-          </p:cNvPr>
+          <p:cNvPr id="4" name="Slide Number Placeholder 3"/>
           <p:cNvSpPr>
             <a:spLocks noGrp="1"/>
           </p:cNvSpPr>
@@ -2134,7 +4614,7 @@
     </p:spTree>
     <p:extLst>
       <p:ext uri="{BB962C8B-B14F-4D97-AF65-F5344CB8AC3E}">
-        <p14:creationId xmlns:p14="http://schemas.microsoft.com/office/powerpoint/2010/main" val="1366223439"/>
+        <p14:creationId xmlns:p14="http://schemas.microsoft.com/office/powerpoint/2010/main" val="593954682"/>
       </p:ext>
     </p:extLst>
   </p:cSld>
@@ -2163,13 +4643,7 @@
       </p:grpSpPr>
       <p:sp>
         <p:nvSpPr>
-          <p:cNvPr id="2" name="제목 1">
-            <a:extLst>
-              <a:ext uri="{FF2B5EF4-FFF2-40B4-BE49-F238E27FC236}">
-                <a16:creationId xmlns:a16="http://schemas.microsoft.com/office/drawing/2014/main" id="{76C18EF2-A03E-471A-B728-15EC3CB8D094}"/>
-              </a:ext>
-            </a:extLst>
-          </p:cNvPr>
+          <p:cNvPr id="2" name="Title 1"/>
           <p:cNvSpPr>
             <a:spLocks noGrp="1"/>
           </p:cNvSpPr>
@@ -2179,15 +4653,17 @@
         </p:nvSpPr>
         <p:spPr>
           <a:xfrm>
-            <a:off x="839788" y="457200"/>
-            <a:ext cx="3932237" cy="1600200"/>
+            <a:off x="913795" y="609600"/>
+            <a:ext cx="3706889" cy="1821918"/>
           </a:xfrm>
         </p:spPr>
         <p:txBody>
-          <a:bodyPr anchor="b"/>
+          <a:bodyPr anchor="b">
+            <a:normAutofit/>
+          </a:bodyPr>
           <a:lstStyle>
-            <a:lvl1pPr>
-              <a:defRPr sz="3200"/>
+            <a:lvl1pPr algn="ctr">
+              <a:defRPr sz="2400" b="0"/>
             </a:lvl1pPr>
           </a:lstStyle>
           <a:p>
@@ -2195,18 +4671,13 @@
               <a:rPr lang="ko-KR" altLang="en-US"/>
               <a:t>마스터 제목 스타일 편집</a:t>
             </a:r>
-          </a:p>
-        </p:txBody>
-      </p:sp>
-      <p:sp>
-        <p:nvSpPr>
-          <p:cNvPr id="3" name="내용 개체 틀 2">
-            <a:extLst>
-              <a:ext uri="{FF2B5EF4-FFF2-40B4-BE49-F238E27FC236}">
-                <a16:creationId xmlns:a16="http://schemas.microsoft.com/office/drawing/2014/main" id="{02AB2EFA-B543-4B92-8B6D-11F36693C004}"/>
-              </a:ext>
-            </a:extLst>
-          </p:cNvPr>
+            <a:endParaRPr lang="en-US" dirty="0"/>
+          </a:p>
+        </p:txBody>
+      </p:sp>
+      <p:sp>
+        <p:nvSpPr>
+          <p:cNvPr id="3" name="Content Placeholder 2"/>
           <p:cNvSpPr>
             <a:spLocks noGrp="1"/>
           </p:cNvSpPr>
@@ -2216,41 +4687,15 @@
         </p:nvSpPr>
         <p:spPr>
           <a:xfrm>
-            <a:off x="5183188" y="987425"/>
-            <a:ext cx="6172200" cy="4873625"/>
+            <a:off x="4855633" y="609600"/>
+            <a:ext cx="6411924" cy="5181600"/>
           </a:xfrm>
         </p:spPr>
         <p:txBody>
-          <a:bodyPr/>
-          <a:lstStyle>
-            <a:lvl1pPr>
-              <a:defRPr sz="3200"/>
-            </a:lvl1pPr>
-            <a:lvl2pPr>
-              <a:defRPr sz="2800"/>
-            </a:lvl2pPr>
-            <a:lvl3pPr>
-              <a:defRPr sz="2400"/>
-            </a:lvl3pPr>
-            <a:lvl4pPr>
-              <a:defRPr sz="2000"/>
-            </a:lvl4pPr>
-            <a:lvl5pPr>
-              <a:defRPr sz="2000"/>
-            </a:lvl5pPr>
-            <a:lvl6pPr>
-              <a:defRPr sz="2000"/>
-            </a:lvl6pPr>
-            <a:lvl7pPr>
-              <a:defRPr sz="2000"/>
-            </a:lvl7pPr>
-            <a:lvl8pPr>
-              <a:defRPr sz="2000"/>
-            </a:lvl8pPr>
-            <a:lvl9pPr>
-              <a:defRPr sz="2000"/>
-            </a:lvl9pPr>
-          </a:lstStyle>
+          <a:bodyPr>
+            <a:normAutofit/>
+          </a:bodyPr>
+          <a:lstStyle/>
           <a:p>
             <a:pPr lvl="0"/>
             <a:r>
@@ -2285,18 +4730,13 @@
               <a:rPr lang="ko-KR" altLang="en-US"/>
               <a:t>다섯 번째 수준</a:t>
             </a:r>
-          </a:p>
-        </p:txBody>
-      </p:sp>
-      <p:sp>
-        <p:nvSpPr>
-          <p:cNvPr id="4" name="텍스트 개체 틀 3">
-            <a:extLst>
-              <a:ext uri="{FF2B5EF4-FFF2-40B4-BE49-F238E27FC236}">
-                <a16:creationId xmlns:a16="http://schemas.microsoft.com/office/drawing/2014/main" id="{6B350194-8FED-4E15-BE56-9CD9FC97D64B}"/>
-              </a:ext>
-            </a:extLst>
-          </p:cNvPr>
+            <a:endParaRPr lang="en-US" dirty="0"/>
+          </a:p>
+        </p:txBody>
+      </p:sp>
+      <p:sp>
+        <p:nvSpPr>
+          <p:cNvPr id="4" name="Text Placeholder 3"/>
           <p:cNvSpPr>
             <a:spLocks noGrp="1"/>
           </p:cNvSpPr>
@@ -2306,48 +4746,50 @@
         </p:nvSpPr>
         <p:spPr>
           <a:xfrm>
-            <a:off x="839788" y="2057400"/>
-            <a:ext cx="3932237" cy="3811588"/>
+            <a:off x="913795" y="2431518"/>
+            <a:ext cx="3706889" cy="3359681"/>
           </a:xfrm>
         </p:spPr>
         <p:txBody>
-          <a:bodyPr/>
+          <a:bodyPr anchor="t">
+            <a:normAutofit/>
+          </a:bodyPr>
           <a:lstStyle>
-            <a:lvl1pPr marL="0" indent="0">
+            <a:lvl1pPr marL="0" indent="0" algn="ctr">
               <a:buNone/>
               <a:defRPr sz="1600"/>
             </a:lvl1pPr>
             <a:lvl2pPr marL="457200" indent="0">
               <a:buNone/>
-              <a:defRPr sz="1400"/>
+              <a:defRPr sz="1200"/>
             </a:lvl2pPr>
             <a:lvl3pPr marL="914400" indent="0">
               <a:buNone/>
-              <a:defRPr sz="1200"/>
+              <a:defRPr sz="1000"/>
             </a:lvl3pPr>
             <a:lvl4pPr marL="1371600" indent="0">
               <a:buNone/>
-              <a:defRPr sz="1000"/>
+              <a:defRPr sz="900"/>
             </a:lvl4pPr>
             <a:lvl5pPr marL="1828800" indent="0">
               <a:buNone/>
-              <a:defRPr sz="1000"/>
+              <a:defRPr sz="900"/>
             </a:lvl5pPr>
             <a:lvl6pPr marL="2286000" indent="0">
               <a:buNone/>
-              <a:defRPr sz="1000"/>
+              <a:defRPr sz="900"/>
             </a:lvl6pPr>
             <a:lvl7pPr marL="2743200" indent="0">
               <a:buNone/>
-              <a:defRPr sz="1000"/>
+              <a:defRPr sz="900"/>
             </a:lvl7pPr>
             <a:lvl8pPr marL="3200400" indent="0">
               <a:buNone/>
-              <a:defRPr sz="1000"/>
+              <a:defRPr sz="900"/>
             </a:lvl8pPr>
             <a:lvl9pPr marL="3657600" indent="0">
               <a:buNone/>
-              <a:defRPr sz="1000"/>
+              <a:defRPr sz="900"/>
             </a:lvl9pPr>
           </a:lstStyle>
           <a:p>
@@ -2361,13 +4803,7 @@
       </p:sp>
       <p:sp>
         <p:nvSpPr>
-          <p:cNvPr id="5" name="날짜 개체 틀 4">
-            <a:extLst>
-              <a:ext uri="{FF2B5EF4-FFF2-40B4-BE49-F238E27FC236}">
-                <a16:creationId xmlns:a16="http://schemas.microsoft.com/office/drawing/2014/main" id="{DC6079CC-65FF-4013-B5E8-1A0A0FD1AADE}"/>
-              </a:ext>
-            </a:extLst>
-          </p:cNvPr>
+          <p:cNvPr id="5" name="Date Placeholder 4"/>
           <p:cNvSpPr>
             <a:spLocks noGrp="1"/>
           </p:cNvSpPr>
@@ -2390,13 +4826,7 @@
       </p:sp>
       <p:sp>
         <p:nvSpPr>
-          <p:cNvPr id="6" name="바닥글 개체 틀 5">
-            <a:extLst>
-              <a:ext uri="{FF2B5EF4-FFF2-40B4-BE49-F238E27FC236}">
-                <a16:creationId xmlns:a16="http://schemas.microsoft.com/office/drawing/2014/main" id="{8945A894-FB8C-43A3-9F55-7E54B8D308E7}"/>
-              </a:ext>
-            </a:extLst>
-          </p:cNvPr>
+          <p:cNvPr id="6" name="Footer Placeholder 5"/>
           <p:cNvSpPr>
             <a:spLocks noGrp="1"/>
           </p:cNvSpPr>
@@ -2415,13 +4845,7 @@
       </p:sp>
       <p:sp>
         <p:nvSpPr>
-          <p:cNvPr id="7" name="슬라이드 번호 개체 틀 6">
-            <a:extLst>
-              <a:ext uri="{FF2B5EF4-FFF2-40B4-BE49-F238E27FC236}">
-                <a16:creationId xmlns:a16="http://schemas.microsoft.com/office/drawing/2014/main" id="{3BE45D19-CF24-486B-9AE8-21B52E0595B7}"/>
-              </a:ext>
-            </a:extLst>
-          </p:cNvPr>
+          <p:cNvPr id="7" name="Slide Number Placeholder 6"/>
           <p:cNvSpPr>
             <a:spLocks noGrp="1"/>
           </p:cNvSpPr>
@@ -2445,7 +4869,7 @@
     </p:spTree>
     <p:extLst>
       <p:ext uri="{BB962C8B-B14F-4D97-AF65-F5344CB8AC3E}">
-        <p14:creationId xmlns:p14="http://schemas.microsoft.com/office/powerpoint/2010/main" val="117708310"/>
+        <p14:creationId xmlns:p14="http://schemas.microsoft.com/office/powerpoint/2010/main" val="4094945394"/>
       </p:ext>
     </p:extLst>
   </p:cSld>
@@ -2472,33 +4896,59 @@
           <a:chExt cx="0" cy="0"/>
         </a:xfrm>
       </p:grpSpPr>
-      <p:sp>
-        <p:nvSpPr>
-          <p:cNvPr id="2" name="제목 1">
+      <p:pic>
+        <p:nvPicPr>
+          <p:cNvPr id="22" name="Picture 21" descr="Slate-V2-HD-vertPhotoInset.png"/>
+          <p:cNvPicPr>
+            <a:picLocks noChangeAspect="1"/>
+          </p:cNvPicPr>
+          <p:nvPr/>
+        </p:nvPicPr>
+        <p:blipFill>
+          <a:blip r:embed="rId2">
             <a:extLst>
-              <a:ext uri="{FF2B5EF4-FFF2-40B4-BE49-F238E27FC236}">
-                <a16:creationId xmlns:a16="http://schemas.microsoft.com/office/drawing/2014/main" id="{177E0C54-9B3B-488F-A18C-5DB60D6E55C7}"/>
+              <a:ext uri="{28A0092B-C50C-407E-A947-70E740481C1C}">
+                <a14:useLocalDpi xmlns:a14="http://schemas.microsoft.com/office/drawing/2010/main" val="0"/>
               </a:ext>
             </a:extLst>
-          </p:cNvPr>
-          <p:cNvSpPr>
-            <a:spLocks noGrp="1"/>
-          </p:cNvSpPr>
-          <p:nvPr>
-            <p:ph type="title"/>
-          </p:nvPr>
-        </p:nvSpPr>
+          </a:blip>
+          <a:stretch>
+            <a:fillRect/>
+          </a:stretch>
+        </p:blipFill>
         <p:spPr>
           <a:xfrm>
-            <a:off x="839788" y="457200"/>
-            <a:ext cx="3932237" cy="1600200"/>
+            <a:off x="7293665" y="609600"/>
+            <a:ext cx="3584166" cy="5204832"/>
+          </a:xfrm>
+          <a:prstGeom prst="rect">
+            <a:avLst/>
+          </a:prstGeom>
+        </p:spPr>
+      </p:pic>
+      <p:sp>
+        <p:nvSpPr>
+          <p:cNvPr id="2" name="Title 1"/>
+          <p:cNvSpPr>
+            <a:spLocks noGrp="1"/>
+          </p:cNvSpPr>
+          <p:nvPr>
+            <p:ph type="title"/>
+          </p:nvPr>
+        </p:nvSpPr>
+        <p:spPr>
+          <a:xfrm>
+            <a:off x="913795" y="609923"/>
+            <a:ext cx="5934949" cy="1829338"/>
           </a:xfrm>
         </p:spPr>
         <p:txBody>
-          <a:bodyPr anchor="b"/>
+          <a:bodyPr anchor="b">
+            <a:noAutofit/>
+          </a:bodyPr>
           <a:lstStyle>
-            <a:lvl1pPr>
-              <a:defRPr sz="3200"/>
+            <a:lvl1pPr algn="ctr">
+              <a:defRPr sz="3200" b="0"/>
             </a:lvl1pPr>
           </a:lstStyle>
           <a:p>
@@ -2506,20 +4956,15 @@
               <a:rPr lang="ko-KR" altLang="en-US"/>
               <a:t>마스터 제목 스타일 편집</a:t>
             </a:r>
-          </a:p>
-        </p:txBody>
-      </p:sp>
-      <p:sp>
-        <p:nvSpPr>
-          <p:cNvPr id="3" name="그림 개체 틀 2">
-            <a:extLst>
-              <a:ext uri="{FF2B5EF4-FFF2-40B4-BE49-F238E27FC236}">
-                <a16:creationId xmlns:a16="http://schemas.microsoft.com/office/drawing/2014/main" id="{49468059-8D9F-4D9E-B1BE-61D01F512E82}"/>
-              </a:ext>
-            </a:extLst>
-          </p:cNvPr>
-          <p:cNvSpPr>
-            <a:spLocks noGrp="1"/>
+            <a:endParaRPr lang="en-US" dirty="0"/>
+          </a:p>
+        </p:txBody>
+      </p:sp>
+      <p:sp>
+        <p:nvSpPr>
+          <p:cNvPr id="3" name="Picture Placeholder 2"/>
+          <p:cNvSpPr>
+            <a:spLocks noGrp="1" noChangeAspect="1"/>
           </p:cNvSpPr>
           <p:nvPr>
             <p:ph type="pic" idx="1"/>
@@ -2527,118 +4972,127 @@
         </p:nvSpPr>
         <p:spPr>
           <a:xfrm>
-            <a:off x="5183188" y="987425"/>
-            <a:ext cx="6172200" cy="4873625"/>
+            <a:off x="7442551" y="763702"/>
+            <a:ext cx="3275751" cy="4912822"/>
           </a:xfrm>
+          <a:effectLst>
+            <a:outerShdw blurRad="38100" dist="25400" dir="4440000">
+              <a:srgbClr val="000000">
+                <a:alpha val="36000"/>
+              </a:srgbClr>
+            </a:outerShdw>
+          </a:effectLst>
         </p:spPr>
         <p:txBody>
-          <a:bodyPr/>
+          <a:bodyPr anchor="t">
+            <a:normAutofit/>
+          </a:bodyPr>
           <a:lstStyle>
-            <a:lvl1pPr marL="0" indent="0">
-              <a:buNone/>
-              <a:defRPr sz="3200"/>
-            </a:lvl1pPr>
-            <a:lvl2pPr marL="457200" indent="0">
-              <a:buNone/>
-              <a:defRPr sz="2800"/>
-            </a:lvl2pPr>
-            <a:lvl3pPr marL="914400" indent="0">
-              <a:buNone/>
-              <a:defRPr sz="2400"/>
-            </a:lvl3pPr>
-            <a:lvl4pPr marL="1371600" indent="0">
-              <a:buNone/>
-              <a:defRPr sz="2000"/>
-            </a:lvl4pPr>
-            <a:lvl5pPr marL="1828800" indent="0">
-              <a:buNone/>
-              <a:defRPr sz="2000"/>
-            </a:lvl5pPr>
-            <a:lvl6pPr marL="2286000" indent="0">
-              <a:buNone/>
-              <a:defRPr sz="2000"/>
-            </a:lvl6pPr>
-            <a:lvl7pPr marL="2743200" indent="0">
-              <a:buNone/>
-              <a:defRPr sz="2000"/>
-            </a:lvl7pPr>
-            <a:lvl8pPr marL="3200400" indent="0">
-              <a:buNone/>
-              <a:defRPr sz="2000"/>
-            </a:lvl8pPr>
-            <a:lvl9pPr marL="3657600" indent="0">
-              <a:buNone/>
-              <a:defRPr sz="2000"/>
-            </a:lvl9pPr>
-          </a:lstStyle>
-          <a:p>
-            <a:endParaRPr lang="ko-KR" altLang="en-US"/>
-          </a:p>
-        </p:txBody>
-      </p:sp>
-      <p:sp>
-        <p:nvSpPr>
-          <p:cNvPr id="4" name="텍스트 개체 틀 3">
-            <a:extLst>
-              <a:ext uri="{FF2B5EF4-FFF2-40B4-BE49-F238E27FC236}">
-                <a16:creationId xmlns:a16="http://schemas.microsoft.com/office/drawing/2014/main" id="{55777748-FD06-424C-90FD-10CAFB34B4F9}"/>
-              </a:ext>
-            </a:extLst>
-          </p:cNvPr>
-          <p:cNvSpPr>
-            <a:spLocks noGrp="1"/>
-          </p:cNvSpPr>
-          <p:nvPr>
-            <p:ph type="body" sz="half" idx="2"/>
-          </p:nvPr>
-        </p:nvSpPr>
-        <p:spPr>
-          <a:xfrm>
-            <a:off x="839788" y="2057400"/>
-            <a:ext cx="3932237" cy="3811588"/>
-          </a:xfrm>
-        </p:spPr>
-        <p:txBody>
-          <a:bodyPr/>
-          <a:lstStyle>
-            <a:lvl1pPr marL="0" indent="0">
+            <a:lvl1pPr marL="0" indent="0" algn="ctr">
               <a:buNone/>
               <a:defRPr sz="1600"/>
             </a:lvl1pPr>
             <a:lvl2pPr marL="457200" indent="0">
               <a:buNone/>
-              <a:defRPr sz="1400"/>
+              <a:defRPr sz="1600"/>
             </a:lvl2pPr>
             <a:lvl3pPr marL="914400" indent="0">
               <a:buNone/>
-              <a:defRPr sz="1200"/>
+              <a:defRPr sz="1600"/>
             </a:lvl3pPr>
             <a:lvl4pPr marL="1371600" indent="0">
               <a:buNone/>
-              <a:defRPr sz="1000"/>
+              <a:defRPr sz="1600"/>
             </a:lvl4pPr>
             <a:lvl5pPr marL="1828800" indent="0">
               <a:buNone/>
-              <a:defRPr sz="1000"/>
+              <a:defRPr sz="1600"/>
             </a:lvl5pPr>
             <a:lvl6pPr marL="2286000" indent="0">
               <a:buNone/>
-              <a:defRPr sz="1000"/>
+              <a:defRPr sz="1600"/>
             </a:lvl6pPr>
             <a:lvl7pPr marL="2743200" indent="0">
               <a:buNone/>
-              <a:defRPr sz="1000"/>
+              <a:defRPr sz="1600"/>
             </a:lvl7pPr>
             <a:lvl8pPr marL="3200400" indent="0">
               <a:buNone/>
-              <a:defRPr sz="1000"/>
+              <a:defRPr sz="1600"/>
             </a:lvl8pPr>
             <a:lvl9pPr marL="3657600" indent="0">
               <a:buNone/>
-              <a:defRPr sz="1000"/>
+              <a:defRPr sz="1600"/>
             </a:lvl9pPr>
           </a:lstStyle>
           <a:p>
+            <a:r>
+              <a:rPr lang="ko-KR" altLang="en-US"/>
+              <a:t>그림을 추가하려면 아이콘을 클릭하십시오</a:t>
+            </a:r>
+            <a:endParaRPr lang="en-US" dirty="0"/>
+          </a:p>
+        </p:txBody>
+      </p:sp>
+      <p:sp>
+        <p:nvSpPr>
+          <p:cNvPr id="4" name="Text Placeholder 3"/>
+          <p:cNvSpPr>
+            <a:spLocks noGrp="1"/>
+          </p:cNvSpPr>
+          <p:nvPr>
+            <p:ph type="body" sz="half" idx="2"/>
+          </p:nvPr>
+        </p:nvSpPr>
+        <p:spPr>
+          <a:xfrm>
+            <a:off x="913795" y="2439261"/>
+            <a:ext cx="5934949" cy="3376134"/>
+          </a:xfrm>
+        </p:spPr>
+        <p:txBody>
+          <a:bodyPr anchor="t">
+            <a:normAutofit/>
+          </a:bodyPr>
+          <a:lstStyle>
+            <a:lvl1pPr marL="0" indent="0" algn="ctr">
+              <a:buNone/>
+              <a:defRPr sz="1600"/>
+            </a:lvl1pPr>
+            <a:lvl2pPr marL="457200" indent="0">
+              <a:buNone/>
+              <a:defRPr sz="1200"/>
+            </a:lvl2pPr>
+            <a:lvl3pPr marL="914400" indent="0">
+              <a:buNone/>
+              <a:defRPr sz="1000"/>
+            </a:lvl3pPr>
+            <a:lvl4pPr marL="1371600" indent="0">
+              <a:buNone/>
+              <a:defRPr sz="900"/>
+            </a:lvl4pPr>
+            <a:lvl5pPr marL="1828800" indent="0">
+              <a:buNone/>
+              <a:defRPr sz="900"/>
+            </a:lvl5pPr>
+            <a:lvl6pPr marL="2286000" indent="0">
+              <a:buNone/>
+              <a:defRPr sz="900"/>
+            </a:lvl6pPr>
+            <a:lvl7pPr marL="2743200" indent="0">
+              <a:buNone/>
+              <a:defRPr sz="900"/>
+            </a:lvl7pPr>
+            <a:lvl8pPr marL="3200400" indent="0">
+              <a:buNone/>
+              <a:defRPr sz="900"/>
+            </a:lvl8pPr>
+            <a:lvl9pPr marL="3657600" indent="0">
+              <a:buNone/>
+              <a:defRPr sz="900"/>
+            </a:lvl9pPr>
+          </a:lstStyle>
+          <a:p>
             <a:pPr lvl="0"/>
             <a:r>
               <a:rPr lang="ko-KR" altLang="en-US"/>
@@ -2649,13 +5103,7 @@
       </p:sp>
       <p:sp>
         <p:nvSpPr>
-          <p:cNvPr id="5" name="날짜 개체 틀 4">
-            <a:extLst>
-              <a:ext uri="{FF2B5EF4-FFF2-40B4-BE49-F238E27FC236}">
-                <a16:creationId xmlns:a16="http://schemas.microsoft.com/office/drawing/2014/main" id="{622E1238-AEE1-42E9-A79E-39C1165A81A7}"/>
-              </a:ext>
-            </a:extLst>
-          </p:cNvPr>
+          <p:cNvPr id="5" name="Date Placeholder 4"/>
           <p:cNvSpPr>
             <a:spLocks noGrp="1"/>
           </p:cNvSpPr>
@@ -2678,13 +5126,7 @@
       </p:sp>
       <p:sp>
         <p:nvSpPr>
-          <p:cNvPr id="6" name="바닥글 개체 틀 5">
-            <a:extLst>
-              <a:ext uri="{FF2B5EF4-FFF2-40B4-BE49-F238E27FC236}">
-                <a16:creationId xmlns:a16="http://schemas.microsoft.com/office/drawing/2014/main" id="{1965A187-4E77-48E8-AAD0-2D4928989A3F}"/>
-              </a:ext>
-            </a:extLst>
-          </p:cNvPr>
+          <p:cNvPr id="6" name="Footer Placeholder 5"/>
           <p:cNvSpPr>
             <a:spLocks noGrp="1"/>
           </p:cNvSpPr>
@@ -2703,13 +5145,7 @@
       </p:sp>
       <p:sp>
         <p:nvSpPr>
-          <p:cNvPr id="7" name="슬라이드 번호 개체 틀 6">
-            <a:extLst>
-              <a:ext uri="{FF2B5EF4-FFF2-40B4-BE49-F238E27FC236}">
-                <a16:creationId xmlns:a16="http://schemas.microsoft.com/office/drawing/2014/main" id="{08E8C9C3-3E86-4652-AFE1-CBCCAA43459C}"/>
-              </a:ext>
-            </a:extLst>
-          </p:cNvPr>
+          <p:cNvPr id="7" name="Slide Number Placeholder 6"/>
           <p:cNvSpPr>
             <a:spLocks noGrp="1"/>
           </p:cNvSpPr>
@@ -2733,7 +5169,7 @@
     </p:spTree>
     <p:extLst>
       <p:ext uri="{BB962C8B-B14F-4D97-AF65-F5344CB8AC3E}">
-        <p14:creationId xmlns:p14="http://schemas.microsoft.com/office/powerpoint/2010/main" val="1735408058"/>
+        <p14:creationId xmlns:p14="http://schemas.microsoft.com/office/powerpoint/2010/main" val="354753673"/>
       </p:ext>
     </p:extLst>
   </p:cSld>
@@ -2747,8 +5183,8 @@
 <p:sldMaster xmlns:a="http://schemas.openxmlformats.org/drawingml/2006/main" xmlns:r="http://schemas.openxmlformats.org/officeDocument/2006/relationships" xmlns:p="http://schemas.openxmlformats.org/presentationml/2006/main">
   <p:cSld>
     <p:bg>
-      <p:bgRef idx="1001">
-        <a:schemeClr val="bg1"/>
+      <p:bgRef idx="1003">
+        <a:schemeClr val="bg2"/>
       </p:bgRef>
     </p:bg>
     <p:spTree>
@@ -2767,13 +5203,7 @@
       </p:grpSpPr>
       <p:sp>
         <p:nvSpPr>
-          <p:cNvPr id="2" name="제목 개체 틀 1">
-            <a:extLst>
-              <a:ext uri="{FF2B5EF4-FFF2-40B4-BE49-F238E27FC236}">
-                <a16:creationId xmlns:a16="http://schemas.microsoft.com/office/drawing/2014/main" id="{CA0033A8-C718-40D0-9202-641F9D6DE8B7}"/>
-              </a:ext>
-            </a:extLst>
-          </p:cNvPr>
+          <p:cNvPr id="2" name="Title Placeholder 1"/>
           <p:cNvSpPr>
             <a:spLocks noGrp="1"/>
           </p:cNvSpPr>
@@ -2783,12 +5213,19 @@
         </p:nvSpPr>
         <p:spPr>
           <a:xfrm>
-            <a:off x="838200" y="365125"/>
-            <a:ext cx="10515600" cy="1325563"/>
+            <a:off x="913795" y="609600"/>
+            <a:ext cx="10353762" cy="970450"/>
           </a:xfrm>
           <a:prstGeom prst="rect">
             <a:avLst/>
           </a:prstGeom>
+          <a:effectLst>
+            <a:outerShdw blurRad="25400" dir="17880000">
+              <a:srgbClr val="000000">
+                <a:alpha val="46000"/>
+              </a:srgbClr>
+            </a:outerShdw>
+          </a:effectLst>
         </p:spPr>
         <p:txBody>
           <a:bodyPr vert="horz" lIns="91440" tIns="45720" rIns="91440" bIns="45720" rtlCol="0" anchor="ctr">
@@ -2800,18 +5237,13 @@
               <a:rPr lang="ko-KR" altLang="en-US"/>
               <a:t>마스터 제목 스타일 편집</a:t>
             </a:r>
-          </a:p>
-        </p:txBody>
-      </p:sp>
-      <p:sp>
-        <p:nvSpPr>
-          <p:cNvPr id="3" name="텍스트 개체 틀 2">
-            <a:extLst>
-              <a:ext uri="{FF2B5EF4-FFF2-40B4-BE49-F238E27FC236}">
-                <a16:creationId xmlns:a16="http://schemas.microsoft.com/office/drawing/2014/main" id="{D47D5AD2-5CF3-4910-B835-25DAAB22CD64}"/>
-              </a:ext>
-            </a:extLst>
-          </p:cNvPr>
+            <a:endParaRPr lang="en-US" dirty="0"/>
+          </a:p>
+        </p:txBody>
+      </p:sp>
+      <p:sp>
+        <p:nvSpPr>
+          <p:cNvPr id="3" name="Text Placeholder 2"/>
           <p:cNvSpPr>
             <a:spLocks noGrp="1"/>
           </p:cNvSpPr>
@@ -2821,15 +5253,22 @@
         </p:nvSpPr>
         <p:spPr>
           <a:xfrm>
-            <a:off x="838200" y="1825625"/>
-            <a:ext cx="10515600" cy="4351338"/>
+            <a:off x="913795" y="1732449"/>
+            <a:ext cx="10353762" cy="4058751"/>
           </a:xfrm>
           <a:prstGeom prst="rect">
             <a:avLst/>
           </a:prstGeom>
+          <a:effectLst>
+            <a:outerShdw blurRad="25400" dir="17880000">
+              <a:srgbClr val="000000">
+                <a:alpha val="46000"/>
+              </a:srgbClr>
+            </a:outerShdw>
+          </a:effectLst>
         </p:spPr>
         <p:txBody>
-          <a:bodyPr vert="horz" lIns="91440" tIns="45720" rIns="91440" bIns="45720" rtlCol="0">
+          <a:bodyPr vert="horz" lIns="91440" tIns="45720" rIns="91440" bIns="45720" rtlCol="0" anchor="t">
             <a:normAutofit/>
           </a:bodyPr>
           <a:lstStyle/>
@@ -2867,18 +5306,13 @@
               <a:rPr lang="ko-KR" altLang="en-US"/>
               <a:t>다섯 번째 수준</a:t>
             </a:r>
-          </a:p>
-        </p:txBody>
-      </p:sp>
-      <p:sp>
-        <p:nvSpPr>
-          <p:cNvPr id="4" name="날짜 개체 틀 3">
-            <a:extLst>
-              <a:ext uri="{FF2B5EF4-FFF2-40B4-BE49-F238E27FC236}">
-                <a16:creationId xmlns:a16="http://schemas.microsoft.com/office/drawing/2014/main" id="{0FC03417-2FF2-4B78-BD8A-2D8AD8238C8F}"/>
-              </a:ext>
-            </a:extLst>
-          </p:cNvPr>
+            <a:endParaRPr lang="en-US" dirty="0"/>
+          </a:p>
+        </p:txBody>
+      </p:sp>
+      <p:sp>
+        <p:nvSpPr>
+          <p:cNvPr id="4" name="Date Placeholder 3"/>
           <p:cNvSpPr>
             <a:spLocks noGrp="1"/>
           </p:cNvSpPr>
@@ -2888,7 +5322,7 @@
         </p:nvSpPr>
         <p:spPr>
           <a:xfrm>
-            <a:off x="838200" y="6356350"/>
+            <a:off x="7678736" y="5883275"/>
             <a:ext cx="2743200" cy="365125"/>
           </a:xfrm>
           <a:prstGeom prst="rect">
@@ -2898,13 +5332,20 @@
         <p:txBody>
           <a:bodyPr vert="horz" lIns="91440" tIns="45720" rIns="91440" bIns="45720" rtlCol="0" anchor="ctr"/>
           <a:lstStyle>
-            <a:lvl1pPr algn="l">
-              <a:defRPr sz="1200">
+            <a:lvl1pPr algn="r">
+              <a:defRPr sz="1000">
                 <a:solidFill>
                   <a:schemeClr val="tx1">
-                    <a:tint val="75000"/>
+                    <a:lumMod val="95000"/>
                   </a:schemeClr>
                 </a:solidFill>
+                <a:effectLst>
+                  <a:outerShdw blurRad="50800" dist="38100" dir="2700000" algn="tl" rotWithShape="0">
+                    <a:schemeClr val="bg1">
+                      <a:alpha val="43000"/>
+                    </a:schemeClr>
+                  </a:outerShdw>
+                </a:effectLst>
               </a:defRPr>
             </a:lvl1pPr>
           </a:lstStyle>
@@ -2919,13 +5360,7 @@
       </p:sp>
       <p:sp>
         <p:nvSpPr>
-          <p:cNvPr id="5" name="바닥글 개체 틀 4">
-            <a:extLst>
-              <a:ext uri="{FF2B5EF4-FFF2-40B4-BE49-F238E27FC236}">
-                <a16:creationId xmlns:a16="http://schemas.microsoft.com/office/drawing/2014/main" id="{AB0AA0F5-C3DF-4722-B028-BF50DA177ABC}"/>
-              </a:ext>
-            </a:extLst>
-          </p:cNvPr>
+          <p:cNvPr id="5" name="Footer Placeholder 4"/>
           <p:cNvSpPr>
             <a:spLocks noGrp="1"/>
           </p:cNvSpPr>
@@ -2935,8 +5370,8 @@
         </p:nvSpPr>
         <p:spPr>
           <a:xfrm>
-            <a:off x="4038600" y="6356350"/>
-            <a:ext cx="4114800" cy="365125"/>
+            <a:off x="913795" y="5883275"/>
+            <a:ext cx="6672865" cy="365125"/>
           </a:xfrm>
           <a:prstGeom prst="rect">
             <a:avLst/>
@@ -2945,13 +5380,20 @@
         <p:txBody>
           <a:bodyPr vert="horz" lIns="91440" tIns="45720" rIns="91440" bIns="45720" rtlCol="0" anchor="ctr"/>
           <a:lstStyle>
-            <a:lvl1pPr algn="ctr">
-              <a:defRPr sz="1200">
+            <a:lvl1pPr algn="l">
+              <a:defRPr sz="1000">
                 <a:solidFill>
                   <a:schemeClr val="tx1">
-                    <a:tint val="75000"/>
+                    <a:lumMod val="95000"/>
                   </a:schemeClr>
                 </a:solidFill>
+                <a:effectLst>
+                  <a:outerShdw blurRad="50800" dist="38100" dir="2700000" algn="tl" rotWithShape="0">
+                    <a:schemeClr val="bg1">
+                      <a:alpha val="43000"/>
+                    </a:schemeClr>
+                  </a:outerShdw>
+                </a:effectLst>
               </a:defRPr>
             </a:lvl1pPr>
           </a:lstStyle>
@@ -2962,13 +5404,7 @@
       </p:sp>
       <p:sp>
         <p:nvSpPr>
-          <p:cNvPr id="6" name="슬라이드 번호 개체 틀 5">
-            <a:extLst>
-              <a:ext uri="{FF2B5EF4-FFF2-40B4-BE49-F238E27FC236}">
-                <a16:creationId xmlns:a16="http://schemas.microsoft.com/office/drawing/2014/main" id="{B4838648-9868-483E-9EE5-214AFFAF6ADF}"/>
-              </a:ext>
-            </a:extLst>
-          </p:cNvPr>
+          <p:cNvPr id="6" name="Slide Number Placeholder 5"/>
           <p:cNvSpPr>
             <a:spLocks noGrp="1"/>
           </p:cNvSpPr>
@@ -2978,8 +5414,8 @@
         </p:nvSpPr>
         <p:spPr>
           <a:xfrm>
-            <a:off x="8610600" y="6356350"/>
-            <a:ext cx="2743200" cy="365125"/>
+            <a:off x="10514011" y="5883275"/>
+            <a:ext cx="753545" cy="365125"/>
           </a:xfrm>
           <a:prstGeom prst="rect">
             <a:avLst/>
@@ -2989,12 +5425,19 @@
           <a:bodyPr vert="horz" lIns="91440" tIns="45720" rIns="91440" bIns="45720" rtlCol="0" anchor="ctr"/>
           <a:lstStyle>
             <a:lvl1pPr algn="r">
-              <a:defRPr sz="1200">
+              <a:defRPr sz="1000">
                 <a:solidFill>
                   <a:schemeClr val="tx1">
-                    <a:tint val="75000"/>
+                    <a:lumMod val="95000"/>
                   </a:schemeClr>
                 </a:solidFill>
+                <a:effectLst>
+                  <a:outerShdw blurRad="50800" dist="38100" dir="2700000" algn="tl" rotWithShape="0">
+                    <a:schemeClr val="bg1">
+                      <a:alpha val="43000"/>
+                    </a:schemeClr>
+                  </a:outerShdw>
+                </a:effectLst>
               </a:defRPr>
             </a:lvl1pPr>
           </a:lstStyle>
@@ -3010,55 +5453,469 @@
     </p:spTree>
     <p:extLst>
       <p:ext uri="{BB962C8B-B14F-4D97-AF65-F5344CB8AC3E}">
-        <p14:creationId xmlns:p14="http://schemas.microsoft.com/office/powerpoint/2010/main" val="508234877"/>
+        <p14:creationId xmlns:p14="http://schemas.microsoft.com/office/powerpoint/2010/main" val="835937798"/>
       </p:ext>
     </p:extLst>
   </p:cSld>
-  <p:clrMap bg1="lt1" tx1="dk1" bg2="lt2" tx2="dk2" accent1="accent1" accent2="accent2" accent3="accent3" accent4="accent4" accent5="accent5" accent6="accent6" hlink="hlink" folHlink="folHlink"/>
+  <p:clrMap bg1="dk1" tx1="lt1" bg2="dk2" tx2="lt2" accent1="accent1" accent2="accent2" accent3="accent3" accent4="accent4" accent5="accent5" accent6="accent6" hlink="hlink" folHlink="folHlink"/>
   <p:sldLayoutIdLst>
-    <p:sldLayoutId id="2147483649" r:id="rId1"/>
-    <p:sldLayoutId id="2147483650" r:id="rId2"/>
-    <p:sldLayoutId id="2147483651" r:id="rId3"/>
-    <p:sldLayoutId id="2147483652" r:id="rId4"/>
-    <p:sldLayoutId id="2147483653" r:id="rId5"/>
-    <p:sldLayoutId id="2147483654" r:id="rId6"/>
-    <p:sldLayoutId id="2147483655" r:id="rId7"/>
-    <p:sldLayoutId id="2147483656" r:id="rId8"/>
-    <p:sldLayoutId id="2147483657" r:id="rId9"/>
-    <p:sldLayoutId id="2147483658" r:id="rId10"/>
-    <p:sldLayoutId id="2147483659" r:id="rId11"/>
+    <p:sldLayoutId id="2147483709" r:id="rId1"/>
+    <p:sldLayoutId id="2147483710" r:id="rId2"/>
+    <p:sldLayoutId id="2147483711" r:id="rId3"/>
+    <p:sldLayoutId id="2147483712" r:id="rId4"/>
+    <p:sldLayoutId id="2147483713" r:id="rId5"/>
+    <p:sldLayoutId id="2147483714" r:id="rId6"/>
+    <p:sldLayoutId id="2147483715" r:id="rId7"/>
+    <p:sldLayoutId id="2147483716" r:id="rId8"/>
+    <p:sldLayoutId id="2147483717" r:id="rId9"/>
+    <p:sldLayoutId id="2147483718" r:id="rId10"/>
+    <p:sldLayoutId id="2147483719" r:id="rId11"/>
+    <p:sldLayoutId id="2147483720" r:id="rId12"/>
+    <p:sldLayoutId id="2147483721" r:id="rId13"/>
+    <p:sldLayoutId id="2147483722" r:id="rId14"/>
+    <p:sldLayoutId id="2147483723" r:id="rId15"/>
+    <p:sldLayoutId id="2147483724" r:id="rId16"/>
+    <p:sldLayoutId id="2147483725" r:id="rId17"/>
   </p:sldLayoutIdLst>
   <p:txStyles>
     <p:titleStyle>
-      <a:lvl1pPr algn="l" defTabSz="914400" rtl="0" eaLnBrk="1" latinLnBrk="1" hangingPunct="1">
-        <a:lnSpc>
-          <a:spcPct val="90000"/>
-        </a:lnSpc>
+      <a:lvl1pPr algn="ctr" defTabSz="457200" rtl="0" eaLnBrk="1" latinLnBrk="1" hangingPunct="1">
         <a:spcBef>
           <a:spcPct val="0"/>
         </a:spcBef>
         <a:buNone/>
-        <a:defRPr sz="4400" kern="1200">
+        <a:defRPr sz="4000" kern="1200">
+          <a:ln>
+            <a:solidFill>
+              <a:schemeClr val="bg1">
+                <a:lumMod val="75000"/>
+                <a:lumOff val="25000"/>
+                <a:alpha val="10000"/>
+              </a:schemeClr>
+            </a:solidFill>
+          </a:ln>
           <a:solidFill>
-            <a:schemeClr val="tx1"/>
+            <a:schemeClr val="tx2"/>
           </a:solidFill>
+          <a:effectLst>
+            <a:outerShdw blurRad="9525" dist="25400" dir="14640000" algn="tl" rotWithShape="0">
+              <a:schemeClr val="bg1">
+                <a:alpha val="30000"/>
+              </a:schemeClr>
+            </a:outerShdw>
+          </a:effectLst>
           <a:latin typeface="+mj-lt"/>
           <a:ea typeface="+mj-ea"/>
-          <a:cs typeface="+mj-cs"/>
+          <a:cs typeface="Trebuchet MS"/>
         </a:defRPr>
       </a:lvl1pPr>
+      <a:lvl2pPr eaLnBrk="1" latinLnBrk="1" hangingPunct="1">
+        <a:defRPr>
+          <a:solidFill>
+            <a:schemeClr val="tx2"/>
+          </a:solidFill>
+        </a:defRPr>
+      </a:lvl2pPr>
+      <a:lvl3pPr eaLnBrk="1" latinLnBrk="1" hangingPunct="1">
+        <a:defRPr>
+          <a:solidFill>
+            <a:schemeClr val="tx2"/>
+          </a:solidFill>
+        </a:defRPr>
+      </a:lvl3pPr>
+      <a:lvl4pPr eaLnBrk="1" latinLnBrk="1" hangingPunct="1">
+        <a:defRPr>
+          <a:solidFill>
+            <a:schemeClr val="tx2"/>
+          </a:solidFill>
+        </a:defRPr>
+      </a:lvl4pPr>
+      <a:lvl5pPr eaLnBrk="1" latinLnBrk="1" hangingPunct="1">
+        <a:defRPr>
+          <a:solidFill>
+            <a:schemeClr val="tx2"/>
+          </a:solidFill>
+        </a:defRPr>
+      </a:lvl5pPr>
+      <a:lvl6pPr eaLnBrk="1" latinLnBrk="1" hangingPunct="1">
+        <a:defRPr>
+          <a:solidFill>
+            <a:schemeClr val="tx2"/>
+          </a:solidFill>
+        </a:defRPr>
+      </a:lvl6pPr>
+      <a:lvl7pPr eaLnBrk="1" latinLnBrk="1" hangingPunct="1">
+        <a:defRPr>
+          <a:solidFill>
+            <a:schemeClr val="tx2"/>
+          </a:solidFill>
+        </a:defRPr>
+      </a:lvl7pPr>
+      <a:lvl8pPr eaLnBrk="1" latinLnBrk="1" hangingPunct="1">
+        <a:defRPr>
+          <a:solidFill>
+            <a:schemeClr val="tx2"/>
+          </a:solidFill>
+        </a:defRPr>
+      </a:lvl8pPr>
+      <a:lvl9pPr eaLnBrk="1" latinLnBrk="1" hangingPunct="1">
+        <a:defRPr>
+          <a:solidFill>
+            <a:schemeClr val="tx2"/>
+          </a:solidFill>
+        </a:defRPr>
+      </a:lvl9pPr>
     </p:titleStyle>
     <p:bodyStyle>
-      <a:lvl1pPr marL="228600" indent="-228600" algn="l" defTabSz="914400" rtl="0" eaLnBrk="1" latinLnBrk="1" hangingPunct="1">
-        <a:lnSpc>
-          <a:spcPct val="90000"/>
-        </a:lnSpc>
+      <a:lvl1pPr marL="342900" indent="-306000" algn="l" defTabSz="457200" rtl="0" eaLnBrk="1" latinLnBrk="1" hangingPunct="1">
         <a:spcBef>
-          <a:spcPts val="1000"/>
+          <a:spcPct val="20000"/>
         </a:spcBef>
-        <a:buFont typeface="Arial" panose="020B0604020202020204" pitchFamily="34" charset="0"/>
-        <a:buChar char="•"/>
-        <a:defRPr sz="2800" kern="1200">
+        <a:spcAft>
+          <a:spcPts val="600"/>
+        </a:spcAft>
+        <a:buClr>
+          <a:schemeClr val="tx2"/>
+        </a:buClr>
+        <a:buSzPct val="70000"/>
+        <a:buFont typeface="Wingdings 2" charset="2"/>
+        <a:buChar char=""/>
+        <a:defRPr sz="2000" kern="1200">
+          <a:ln>
+            <a:solidFill>
+              <a:schemeClr val="bg1">
+                <a:lumMod val="75000"/>
+                <a:lumOff val="25000"/>
+                <a:alpha val="10000"/>
+              </a:schemeClr>
+            </a:solidFill>
+          </a:ln>
+          <a:solidFill>
+            <a:schemeClr val="tx2"/>
+          </a:solidFill>
+          <a:effectLst>
+            <a:outerShdw blurRad="9525" dist="25400" dir="14640000" algn="tl" rotWithShape="0">
+              <a:schemeClr val="bg1">
+                <a:alpha val="30000"/>
+              </a:schemeClr>
+            </a:outerShdw>
+          </a:effectLst>
+          <a:latin typeface="+mn-lt"/>
+          <a:ea typeface="+mn-ea"/>
+          <a:cs typeface="+mn-cs"/>
+        </a:defRPr>
+      </a:lvl1pPr>
+      <a:lvl2pPr marL="720000" indent="-270000" algn="l" defTabSz="457200" rtl="0" eaLnBrk="1" latinLnBrk="1" hangingPunct="1">
+        <a:spcBef>
+          <a:spcPct val="20000"/>
+        </a:spcBef>
+        <a:spcAft>
+          <a:spcPts val="600"/>
+        </a:spcAft>
+        <a:buClr>
+          <a:schemeClr val="tx2"/>
+        </a:buClr>
+        <a:buSzPct val="70000"/>
+        <a:buFont typeface="Wingdings 2" charset="2"/>
+        <a:buChar char=""/>
+        <a:defRPr sz="1800" kern="1200">
+          <a:ln>
+            <a:solidFill>
+              <a:schemeClr val="bg1">
+                <a:lumMod val="75000"/>
+                <a:lumOff val="25000"/>
+                <a:alpha val="10000"/>
+              </a:schemeClr>
+            </a:solidFill>
+          </a:ln>
+          <a:solidFill>
+            <a:schemeClr val="tx2"/>
+          </a:solidFill>
+          <a:effectLst>
+            <a:outerShdw blurRad="9525" dist="25400" dir="14640000" algn="tl" rotWithShape="0">
+              <a:schemeClr val="bg1">
+                <a:alpha val="30000"/>
+              </a:schemeClr>
+            </a:outerShdw>
+          </a:effectLst>
+          <a:latin typeface="+mn-lt"/>
+          <a:ea typeface="+mn-ea"/>
+          <a:cs typeface="+mn-cs"/>
+        </a:defRPr>
+      </a:lvl2pPr>
+      <a:lvl3pPr marL="1026000" indent="-216000" algn="l" defTabSz="457200" rtl="0" eaLnBrk="1" latinLnBrk="1" hangingPunct="1">
+        <a:spcBef>
+          <a:spcPct val="20000"/>
+        </a:spcBef>
+        <a:spcAft>
+          <a:spcPts val="600"/>
+        </a:spcAft>
+        <a:buClr>
+          <a:schemeClr val="tx2"/>
+        </a:buClr>
+        <a:buSzPct val="70000"/>
+        <a:buFont typeface="Wingdings 2" charset="2"/>
+        <a:buChar char=""/>
+        <a:defRPr sz="1600" kern="1200">
+          <a:ln>
+            <a:solidFill>
+              <a:schemeClr val="bg1">
+                <a:lumMod val="75000"/>
+                <a:lumOff val="25000"/>
+                <a:alpha val="10000"/>
+              </a:schemeClr>
+            </a:solidFill>
+          </a:ln>
+          <a:solidFill>
+            <a:schemeClr val="tx2"/>
+          </a:solidFill>
+          <a:effectLst>
+            <a:outerShdw blurRad="9525" dist="25400" dir="14640000" algn="tl" rotWithShape="0">
+              <a:schemeClr val="bg1">
+                <a:alpha val="30000"/>
+              </a:schemeClr>
+            </a:outerShdw>
+          </a:effectLst>
+          <a:latin typeface="+mn-lt"/>
+          <a:ea typeface="+mn-ea"/>
+          <a:cs typeface="+mn-cs"/>
+        </a:defRPr>
+      </a:lvl3pPr>
+      <a:lvl4pPr marL="1386000" indent="-216000" algn="l" defTabSz="457200" rtl="0" eaLnBrk="1" latinLnBrk="1" hangingPunct="1">
+        <a:spcBef>
+          <a:spcPct val="20000"/>
+        </a:spcBef>
+        <a:spcAft>
+          <a:spcPts val="600"/>
+        </a:spcAft>
+        <a:buClr>
+          <a:schemeClr val="tx2"/>
+        </a:buClr>
+        <a:buSzPct val="70000"/>
+        <a:buFont typeface="Wingdings 2" charset="2"/>
+        <a:buChar char=""/>
+        <a:defRPr sz="1400" kern="1200">
+          <a:ln>
+            <a:solidFill>
+              <a:schemeClr val="bg1">
+                <a:lumMod val="75000"/>
+                <a:lumOff val="25000"/>
+                <a:alpha val="10000"/>
+              </a:schemeClr>
+            </a:solidFill>
+          </a:ln>
+          <a:solidFill>
+            <a:schemeClr val="tx2"/>
+          </a:solidFill>
+          <a:effectLst>
+            <a:outerShdw blurRad="9525" dist="25400" dir="14640000" algn="tl" rotWithShape="0">
+              <a:schemeClr val="bg1">
+                <a:alpha val="30000"/>
+              </a:schemeClr>
+            </a:outerShdw>
+          </a:effectLst>
+          <a:latin typeface="+mn-lt"/>
+          <a:ea typeface="+mn-ea"/>
+          <a:cs typeface="+mn-cs"/>
+        </a:defRPr>
+      </a:lvl4pPr>
+      <a:lvl5pPr marL="1674000" indent="-216000" algn="l" defTabSz="457200" rtl="0" eaLnBrk="1" latinLnBrk="1" hangingPunct="1">
+        <a:spcBef>
+          <a:spcPct val="20000"/>
+        </a:spcBef>
+        <a:spcAft>
+          <a:spcPts val="600"/>
+        </a:spcAft>
+        <a:buClr>
+          <a:schemeClr val="tx2"/>
+        </a:buClr>
+        <a:buSzPct val="70000"/>
+        <a:buFont typeface="Wingdings 2" charset="2"/>
+        <a:buChar char=""/>
+        <a:defRPr sz="1400" kern="1200">
+          <a:ln>
+            <a:solidFill>
+              <a:schemeClr val="bg1">
+                <a:lumMod val="75000"/>
+                <a:lumOff val="25000"/>
+                <a:alpha val="10000"/>
+              </a:schemeClr>
+            </a:solidFill>
+          </a:ln>
+          <a:solidFill>
+            <a:schemeClr val="tx2"/>
+          </a:solidFill>
+          <a:effectLst>
+            <a:outerShdw blurRad="9525" dist="25400" dir="14640000" algn="tl" rotWithShape="0">
+              <a:schemeClr val="bg1">
+                <a:alpha val="30000"/>
+              </a:schemeClr>
+            </a:outerShdw>
+          </a:effectLst>
+          <a:latin typeface="+mn-lt"/>
+          <a:ea typeface="+mn-ea"/>
+          <a:cs typeface="+mn-cs"/>
+        </a:defRPr>
+      </a:lvl5pPr>
+      <a:lvl6pPr marL="2014600" indent="-228600" algn="l" defTabSz="457200" rtl="0" eaLnBrk="1" latinLnBrk="1" hangingPunct="1">
+        <a:spcBef>
+          <a:spcPct val="20000"/>
+        </a:spcBef>
+        <a:spcAft>
+          <a:spcPts val="600"/>
+        </a:spcAft>
+        <a:buClr>
+          <a:schemeClr val="tx2"/>
+        </a:buClr>
+        <a:buSzPct val="70000"/>
+        <a:buFont typeface="Wingdings 2" charset="2"/>
+        <a:buChar char=""/>
+        <a:defRPr sz="1400" kern="1200">
+          <a:ln>
+            <a:solidFill>
+              <a:schemeClr val="bg1">
+                <a:lumMod val="75000"/>
+                <a:lumOff val="25000"/>
+                <a:alpha val="10000"/>
+              </a:schemeClr>
+            </a:solidFill>
+          </a:ln>
+          <a:solidFill>
+            <a:schemeClr val="tx2"/>
+          </a:solidFill>
+          <a:effectLst>
+            <a:outerShdw blurRad="9525" dist="25400" dir="14640000" algn="tl" rotWithShape="0">
+              <a:schemeClr val="bg1">
+                <a:alpha val="30000"/>
+              </a:schemeClr>
+            </a:outerShdw>
+          </a:effectLst>
+          <a:latin typeface="+mn-lt"/>
+          <a:ea typeface="+mn-ea"/>
+          <a:cs typeface="+mn-cs"/>
+        </a:defRPr>
+      </a:lvl6pPr>
+      <a:lvl7pPr marL="2401800" indent="-228600" algn="l" defTabSz="457200" rtl="0" eaLnBrk="1" latinLnBrk="1" hangingPunct="1">
+        <a:spcBef>
+          <a:spcPct val="20000"/>
+        </a:spcBef>
+        <a:spcAft>
+          <a:spcPts val="600"/>
+        </a:spcAft>
+        <a:buClr>
+          <a:schemeClr val="tx2"/>
+        </a:buClr>
+        <a:buSzPct val="70000"/>
+        <a:buFont typeface="Wingdings 2" charset="2"/>
+        <a:buChar char=""/>
+        <a:defRPr sz="1400" kern="1200">
+          <a:ln>
+            <a:solidFill>
+              <a:schemeClr val="bg1">
+                <a:lumMod val="75000"/>
+                <a:lumOff val="25000"/>
+                <a:alpha val="10000"/>
+              </a:schemeClr>
+            </a:solidFill>
+          </a:ln>
+          <a:solidFill>
+            <a:schemeClr val="tx2"/>
+          </a:solidFill>
+          <a:effectLst>
+            <a:outerShdw blurRad="9525" dist="25400" dir="14640000" algn="tl" rotWithShape="0">
+              <a:schemeClr val="bg1">
+                <a:alpha val="30000"/>
+              </a:schemeClr>
+            </a:outerShdw>
+          </a:effectLst>
+          <a:latin typeface="+mn-lt"/>
+          <a:ea typeface="+mn-ea"/>
+          <a:cs typeface="+mn-cs"/>
+        </a:defRPr>
+      </a:lvl7pPr>
+      <a:lvl8pPr marL="2789000" indent="-228600" algn="l" defTabSz="457200" rtl="0" eaLnBrk="1" latinLnBrk="1" hangingPunct="1">
+        <a:spcBef>
+          <a:spcPct val="20000"/>
+        </a:spcBef>
+        <a:spcAft>
+          <a:spcPts val="600"/>
+        </a:spcAft>
+        <a:buClr>
+          <a:schemeClr val="tx2"/>
+        </a:buClr>
+        <a:buSzPct val="70000"/>
+        <a:buFont typeface="Wingdings 2" charset="2"/>
+        <a:buChar char=""/>
+        <a:defRPr sz="1400" kern="1200">
+          <a:ln>
+            <a:solidFill>
+              <a:schemeClr val="bg1">
+                <a:lumMod val="75000"/>
+                <a:lumOff val="25000"/>
+                <a:alpha val="10000"/>
+              </a:schemeClr>
+            </a:solidFill>
+          </a:ln>
+          <a:solidFill>
+            <a:schemeClr val="tx2"/>
+          </a:solidFill>
+          <a:effectLst>
+            <a:outerShdw blurRad="9525" dist="25400" dir="14640000" algn="tl" rotWithShape="0">
+              <a:schemeClr val="bg1">
+                <a:alpha val="30000"/>
+              </a:schemeClr>
+            </a:outerShdw>
+          </a:effectLst>
+          <a:latin typeface="+mn-lt"/>
+          <a:ea typeface="+mn-ea"/>
+          <a:cs typeface="+mn-cs"/>
+        </a:defRPr>
+      </a:lvl8pPr>
+      <a:lvl9pPr marL="3106200" indent="-228600" algn="l" defTabSz="457200" rtl="0" eaLnBrk="1" latinLnBrk="1" hangingPunct="1">
+        <a:spcBef>
+          <a:spcPct val="20000"/>
+        </a:spcBef>
+        <a:spcAft>
+          <a:spcPts val="600"/>
+        </a:spcAft>
+        <a:buClr>
+          <a:schemeClr val="tx2"/>
+        </a:buClr>
+        <a:buSzPct val="70000"/>
+        <a:buFont typeface="Wingdings 2" charset="2"/>
+        <a:buChar char=""/>
+        <a:defRPr sz="1400" kern="1200">
+          <a:ln>
+            <a:solidFill>
+              <a:schemeClr val="bg1">
+                <a:lumMod val="75000"/>
+                <a:lumOff val="25000"/>
+                <a:alpha val="10000"/>
+              </a:schemeClr>
+            </a:solidFill>
+          </a:ln>
+          <a:solidFill>
+            <a:schemeClr val="tx2"/>
+          </a:solidFill>
+          <a:effectLst>
+            <a:outerShdw blurRad="9525" dist="25400" dir="14640000" algn="tl" rotWithShape="0">
+              <a:schemeClr val="bg1">
+                <a:alpha val="30000"/>
+              </a:schemeClr>
+            </a:outerShdw>
+          </a:effectLst>
+          <a:latin typeface="+mn-lt"/>
+          <a:ea typeface="+mn-ea"/>
+          <a:cs typeface="+mn-cs"/>
+        </a:defRPr>
+      </a:lvl9pPr>
+    </p:bodyStyle>
+    <p:otherStyle>
+      <a:defPPr>
+        <a:defRPr lang="en-US"/>
+      </a:defPPr>
+      <a:lvl1pPr marL="0" algn="l" defTabSz="457200" rtl="0" eaLnBrk="1" latinLnBrk="1" hangingPunct="1">
+        <a:defRPr sz="1800" kern="1200">
           <a:solidFill>
             <a:schemeClr val="tx1"/>
           </a:solidFill>
@@ -3067,16 +5924,8 @@
           <a:cs typeface="+mn-cs"/>
         </a:defRPr>
       </a:lvl1pPr>
-      <a:lvl2pPr marL="685800" indent="-228600" algn="l" defTabSz="914400" rtl="0" eaLnBrk="1" latinLnBrk="1" hangingPunct="1">
-        <a:lnSpc>
-          <a:spcPct val="90000"/>
-        </a:lnSpc>
-        <a:spcBef>
-          <a:spcPts val="500"/>
-        </a:spcBef>
-        <a:buFont typeface="Arial" panose="020B0604020202020204" pitchFamily="34" charset="0"/>
-        <a:buChar char="•"/>
-        <a:defRPr sz="2400" kern="1200">
+      <a:lvl2pPr marL="457200" algn="l" defTabSz="457200" rtl="0" eaLnBrk="1" latinLnBrk="1" hangingPunct="1">
+        <a:defRPr sz="1800" kern="1200">
           <a:solidFill>
             <a:schemeClr val="tx1"/>
           </a:solidFill>
@@ -3085,16 +5934,8 @@
           <a:cs typeface="+mn-cs"/>
         </a:defRPr>
       </a:lvl2pPr>
-      <a:lvl3pPr marL="1143000" indent="-228600" algn="l" defTabSz="914400" rtl="0" eaLnBrk="1" latinLnBrk="1" hangingPunct="1">
-        <a:lnSpc>
-          <a:spcPct val="90000"/>
-        </a:lnSpc>
-        <a:spcBef>
-          <a:spcPts val="500"/>
-        </a:spcBef>
-        <a:buFont typeface="Arial" panose="020B0604020202020204" pitchFamily="34" charset="0"/>
-        <a:buChar char="•"/>
-        <a:defRPr sz="2000" kern="1200">
+      <a:lvl3pPr marL="914400" algn="l" defTabSz="457200" rtl="0" eaLnBrk="1" latinLnBrk="1" hangingPunct="1">
+        <a:defRPr sz="1800" kern="1200">
           <a:solidFill>
             <a:schemeClr val="tx1"/>
           </a:solidFill>
@@ -3103,15 +5944,7 @@
           <a:cs typeface="+mn-cs"/>
         </a:defRPr>
       </a:lvl3pPr>
-      <a:lvl4pPr marL="1600200" indent="-228600" algn="l" defTabSz="914400" rtl="0" eaLnBrk="1" latinLnBrk="1" hangingPunct="1">
-        <a:lnSpc>
-          <a:spcPct val="90000"/>
-        </a:lnSpc>
-        <a:spcBef>
-          <a:spcPts val="500"/>
-        </a:spcBef>
-        <a:buFont typeface="Arial" panose="020B0604020202020204" pitchFamily="34" charset="0"/>
-        <a:buChar char="•"/>
+      <a:lvl4pPr marL="1371600" algn="l" defTabSz="457200" rtl="0" eaLnBrk="1" latinLnBrk="1" hangingPunct="1">
         <a:defRPr sz="1800" kern="1200">
           <a:solidFill>
             <a:schemeClr val="tx1"/>
@@ -3121,15 +5954,7 @@
           <a:cs typeface="+mn-cs"/>
         </a:defRPr>
       </a:lvl4pPr>
-      <a:lvl5pPr marL="2057400" indent="-228600" algn="l" defTabSz="914400" rtl="0" eaLnBrk="1" latinLnBrk="1" hangingPunct="1">
-        <a:lnSpc>
-          <a:spcPct val="90000"/>
-        </a:lnSpc>
-        <a:spcBef>
-          <a:spcPts val="500"/>
-        </a:spcBef>
-        <a:buFont typeface="Arial" panose="020B0604020202020204" pitchFamily="34" charset="0"/>
-        <a:buChar char="•"/>
+      <a:lvl5pPr marL="1828800" algn="l" defTabSz="457200" rtl="0" eaLnBrk="1" latinLnBrk="1" hangingPunct="1">
         <a:defRPr sz="1800" kern="1200">
           <a:solidFill>
             <a:schemeClr val="tx1"/>
@@ -3139,15 +5964,7 @@
           <a:cs typeface="+mn-cs"/>
         </a:defRPr>
       </a:lvl5pPr>
-      <a:lvl6pPr marL="2514600" indent="-228600" algn="l" defTabSz="914400" rtl="0" eaLnBrk="1" latinLnBrk="1" hangingPunct="1">
-        <a:lnSpc>
-          <a:spcPct val="90000"/>
-        </a:lnSpc>
-        <a:spcBef>
-          <a:spcPts val="500"/>
-        </a:spcBef>
-        <a:buFont typeface="Arial" panose="020B0604020202020204" pitchFamily="34" charset="0"/>
-        <a:buChar char="•"/>
+      <a:lvl6pPr marL="2286000" algn="l" defTabSz="457200" rtl="0" eaLnBrk="1" latinLnBrk="1" hangingPunct="1">
         <a:defRPr sz="1800" kern="1200">
           <a:solidFill>
             <a:schemeClr val="tx1"/>
@@ -3157,15 +5974,7 @@
           <a:cs typeface="+mn-cs"/>
         </a:defRPr>
       </a:lvl6pPr>
-      <a:lvl7pPr marL="2971800" indent="-228600" algn="l" defTabSz="914400" rtl="0" eaLnBrk="1" latinLnBrk="1" hangingPunct="1">
-        <a:lnSpc>
-          <a:spcPct val="90000"/>
-        </a:lnSpc>
-        <a:spcBef>
-          <a:spcPts val="500"/>
-        </a:spcBef>
-        <a:buFont typeface="Arial" panose="020B0604020202020204" pitchFamily="34" charset="0"/>
-        <a:buChar char="•"/>
+      <a:lvl7pPr marL="2743200" algn="l" defTabSz="457200" rtl="0" eaLnBrk="1" latinLnBrk="1" hangingPunct="1">
         <a:defRPr sz="1800" kern="1200">
           <a:solidFill>
             <a:schemeClr val="tx1"/>
@@ -3175,15 +5984,7 @@
           <a:cs typeface="+mn-cs"/>
         </a:defRPr>
       </a:lvl7pPr>
-      <a:lvl8pPr marL="3429000" indent="-228600" algn="l" defTabSz="914400" rtl="0" eaLnBrk="1" latinLnBrk="1" hangingPunct="1">
-        <a:lnSpc>
-          <a:spcPct val="90000"/>
-        </a:lnSpc>
-        <a:spcBef>
-          <a:spcPts val="500"/>
-        </a:spcBef>
-        <a:buFont typeface="Arial" panose="020B0604020202020204" pitchFamily="34" charset="0"/>
-        <a:buChar char="•"/>
+      <a:lvl8pPr marL="3200400" algn="l" defTabSz="457200" rtl="0" eaLnBrk="1" latinLnBrk="1" hangingPunct="1">
         <a:defRPr sz="1800" kern="1200">
           <a:solidFill>
             <a:schemeClr val="tx1"/>
@@ -3193,110 +5994,7 @@
           <a:cs typeface="+mn-cs"/>
         </a:defRPr>
       </a:lvl8pPr>
-      <a:lvl9pPr marL="3886200" indent="-228600" algn="l" defTabSz="914400" rtl="0" eaLnBrk="1" latinLnBrk="1" hangingPunct="1">
-        <a:lnSpc>
-          <a:spcPct val="90000"/>
-        </a:lnSpc>
-        <a:spcBef>
-          <a:spcPts val="500"/>
-        </a:spcBef>
-        <a:buFont typeface="Arial" panose="020B0604020202020204" pitchFamily="34" charset="0"/>
-        <a:buChar char="•"/>
-        <a:defRPr sz="1800" kern="1200">
-          <a:solidFill>
-            <a:schemeClr val="tx1"/>
-          </a:solidFill>
-          <a:latin typeface="+mn-lt"/>
-          <a:ea typeface="+mn-ea"/>
-          <a:cs typeface="+mn-cs"/>
-        </a:defRPr>
-      </a:lvl9pPr>
-    </p:bodyStyle>
-    <p:otherStyle>
-      <a:defPPr>
-        <a:defRPr lang="ko-KR"/>
-      </a:defPPr>
-      <a:lvl1pPr marL="0" algn="l" defTabSz="914400" rtl="0" eaLnBrk="1" latinLnBrk="1" hangingPunct="1">
-        <a:defRPr sz="1800" kern="1200">
-          <a:solidFill>
-            <a:schemeClr val="tx1"/>
-          </a:solidFill>
-          <a:latin typeface="+mn-lt"/>
-          <a:ea typeface="+mn-ea"/>
-          <a:cs typeface="+mn-cs"/>
-        </a:defRPr>
-      </a:lvl1pPr>
-      <a:lvl2pPr marL="457200" algn="l" defTabSz="914400" rtl="0" eaLnBrk="1" latinLnBrk="1" hangingPunct="1">
-        <a:defRPr sz="1800" kern="1200">
-          <a:solidFill>
-            <a:schemeClr val="tx1"/>
-          </a:solidFill>
-          <a:latin typeface="+mn-lt"/>
-          <a:ea typeface="+mn-ea"/>
-          <a:cs typeface="+mn-cs"/>
-        </a:defRPr>
-      </a:lvl2pPr>
-      <a:lvl3pPr marL="914400" algn="l" defTabSz="914400" rtl="0" eaLnBrk="1" latinLnBrk="1" hangingPunct="1">
-        <a:defRPr sz="1800" kern="1200">
-          <a:solidFill>
-            <a:schemeClr val="tx1"/>
-          </a:solidFill>
-          <a:latin typeface="+mn-lt"/>
-          <a:ea typeface="+mn-ea"/>
-          <a:cs typeface="+mn-cs"/>
-        </a:defRPr>
-      </a:lvl3pPr>
-      <a:lvl4pPr marL="1371600" algn="l" defTabSz="914400" rtl="0" eaLnBrk="1" latinLnBrk="1" hangingPunct="1">
-        <a:defRPr sz="1800" kern="1200">
-          <a:solidFill>
-            <a:schemeClr val="tx1"/>
-          </a:solidFill>
-          <a:latin typeface="+mn-lt"/>
-          <a:ea typeface="+mn-ea"/>
-          <a:cs typeface="+mn-cs"/>
-        </a:defRPr>
-      </a:lvl4pPr>
-      <a:lvl5pPr marL="1828800" algn="l" defTabSz="914400" rtl="0" eaLnBrk="1" latinLnBrk="1" hangingPunct="1">
-        <a:defRPr sz="1800" kern="1200">
-          <a:solidFill>
-            <a:schemeClr val="tx1"/>
-          </a:solidFill>
-          <a:latin typeface="+mn-lt"/>
-          <a:ea typeface="+mn-ea"/>
-          <a:cs typeface="+mn-cs"/>
-        </a:defRPr>
-      </a:lvl5pPr>
-      <a:lvl6pPr marL="2286000" algn="l" defTabSz="914400" rtl="0" eaLnBrk="1" latinLnBrk="1" hangingPunct="1">
-        <a:defRPr sz="1800" kern="1200">
-          <a:solidFill>
-            <a:schemeClr val="tx1"/>
-          </a:solidFill>
-          <a:latin typeface="+mn-lt"/>
-          <a:ea typeface="+mn-ea"/>
-          <a:cs typeface="+mn-cs"/>
-        </a:defRPr>
-      </a:lvl6pPr>
-      <a:lvl7pPr marL="2743200" algn="l" defTabSz="914400" rtl="0" eaLnBrk="1" latinLnBrk="1" hangingPunct="1">
-        <a:defRPr sz="1800" kern="1200">
-          <a:solidFill>
-            <a:schemeClr val="tx1"/>
-          </a:solidFill>
-          <a:latin typeface="+mn-lt"/>
-          <a:ea typeface="+mn-ea"/>
-          <a:cs typeface="+mn-cs"/>
-        </a:defRPr>
-      </a:lvl7pPr>
-      <a:lvl8pPr marL="3200400" algn="l" defTabSz="914400" rtl="0" eaLnBrk="1" latinLnBrk="1" hangingPunct="1">
-        <a:defRPr sz="1800" kern="1200">
-          <a:solidFill>
-            <a:schemeClr val="tx1"/>
-          </a:solidFill>
-          <a:latin typeface="+mn-lt"/>
-          <a:ea typeface="+mn-ea"/>
-          <a:cs typeface="+mn-cs"/>
-        </a:defRPr>
-      </a:lvl8pPr>
-      <a:lvl9pPr marL="3657600" algn="l" defTabSz="914400" rtl="0" eaLnBrk="1" latinLnBrk="1" hangingPunct="1">
+      <a:lvl9pPr marL="3657600" algn="l" defTabSz="457200" rtl="0" eaLnBrk="1" latinLnBrk="1" hangingPunct="1">
         <a:defRPr sz="1800" kern="1200">
           <a:solidFill>
             <a:schemeClr val="tx1"/>
@@ -4168,12 +6866,7 @@
             <p:ph idx="1"/>
           </p:nvPr>
         </p:nvSpPr>
-        <p:spPr>
-          <a:xfrm>
-            <a:off x="838200" y="1825625"/>
-            <a:ext cx="10515600" cy="4351338"/>
-          </a:xfrm>
-        </p:spPr>
+        <p:spPr/>
         <p:txBody>
           <a:bodyPr/>
           <a:lstStyle/>
@@ -4307,9 +7000,9 @@
 </file>
 
 <file path=ppt/theme/theme1.xml><?xml version="1.0" encoding="utf-8"?>
-<a:theme xmlns:a="http://schemas.openxmlformats.org/drawingml/2006/main" name="Office 테마">
+<a:theme xmlns:a="http://schemas.openxmlformats.org/drawingml/2006/main" name="슬레이트">
   <a:themeElements>
-    <a:clrScheme name="Office">
+    <a:clrScheme name="슬레이트">
       <a:dk1>
         <a:sysClr val="windowText" lastClr="000000"/>
       </a:dk1>
@@ -4317,97 +7010,45 @@
         <a:sysClr val="window" lastClr="FFFFFF"/>
       </a:lt1>
       <a:dk2>
-        <a:srgbClr val="44546A"/>
+        <a:srgbClr val="212123"/>
       </a:dk2>
       <a:lt2>
-        <a:srgbClr val="E7E6E6"/>
+        <a:srgbClr val="DADADA"/>
       </a:lt2>
       <a:accent1>
-        <a:srgbClr val="4472C4"/>
+        <a:srgbClr val="BC451B"/>
       </a:accent1>
       <a:accent2>
-        <a:srgbClr val="ED7D31"/>
+        <a:srgbClr val="D3BA68"/>
       </a:accent2>
       <a:accent3>
-        <a:srgbClr val="A5A5A5"/>
+        <a:srgbClr val="BB8640"/>
       </a:accent3>
       <a:accent4>
-        <a:srgbClr val="FFC000"/>
+        <a:srgbClr val="AD9277"/>
       </a:accent4>
       <a:accent5>
-        <a:srgbClr val="5B9BD5"/>
+        <a:srgbClr val="A55A43"/>
       </a:accent5>
       <a:accent6>
-        <a:srgbClr val="70AD47"/>
+        <a:srgbClr val="AD9D7B"/>
       </a:accent6>
       <a:hlink>
-        <a:srgbClr val="0563C1"/>
+        <a:srgbClr val="E98052"/>
       </a:hlink>
       <a:folHlink>
-        <a:srgbClr val="954F72"/>
+        <a:srgbClr val="F4B69B"/>
       </a:folHlink>
     </a:clrScheme>
-    <a:fontScheme name="Office">
+    <a:fontScheme name="슬레이트">
       <a:majorFont>
-        <a:latin typeface="맑은 고딕" panose="020F0302020204030204"/>
+        <a:latin typeface="Calisto MT" panose="02040603050505030304"/>
         <a:ea typeface=""/>
         <a:cs typeface=""/>
-        <a:font script="Jpan" typeface="游ゴシック Light"/>
-        <a:font script="Hang" typeface="맑은 고딕"/>
-        <a:font script="Hans" typeface="等线 Light"/>
-        <a:font script="Hant" typeface="新細明體"/>
-        <a:font script="Arab" typeface="Times New Roman"/>
-        <a:font script="Hebr" typeface="Times New Roman"/>
-        <a:font script="Thai" typeface="Angsana New"/>
-        <a:font script="Ethi" typeface="Nyala"/>
-        <a:font script="Beng" typeface="Vrinda"/>
-        <a:font script="Gujr" typeface="Shruti"/>
-        <a:font script="Khmr" typeface="MoolBoran"/>
-        <a:font script="Knda" typeface="Tunga"/>
-        <a:font script="Guru" typeface="Raavi"/>
-        <a:font script="Cans" typeface="Euphemia"/>
-        <a:font script="Cher" typeface="Plantagenet Cherokee"/>
-        <a:font script="Yiii" typeface="Microsoft Yi Baiti"/>
-        <a:font script="Tibt" typeface="Microsoft Himalaya"/>
-        <a:font script="Thaa" typeface="MV Boli"/>
-        <a:font script="Deva" typeface="Mangal"/>
-        <a:font script="Telu" typeface="Gautami"/>
-        <a:font script="Taml" typeface="Latha"/>
-        <a:font script="Syrc" typeface="Estrangelo Edessa"/>
-        <a:font script="Orya" typeface="Kalinga"/>
-        <a:font script="Mlym" typeface="Kartika"/>
-        <a:font script="Laoo" typeface="DokChampa"/>
-        <a:font script="Sinh" typeface="Iskoola Pota"/>
-        <a:font script="Mong" typeface="Mongolian Baiti"/>
-        <a:font script="Viet" typeface="Times New Roman"/>
-        <a:font script="Uigh" typeface="Microsoft Uighur"/>
-        <a:font script="Geor" typeface="Sylfaen"/>
-        <a:font script="Armn" typeface="Arial"/>
-        <a:font script="Bugi" typeface="Leelawadee UI"/>
-        <a:font script="Bopo" typeface="Microsoft JhengHei"/>
-        <a:font script="Java" typeface="Javanese Text"/>
-        <a:font script="Lisu" typeface="Segoe UI"/>
-        <a:font script="Mymr" typeface="Myanmar Text"/>
-        <a:font script="Nkoo" typeface="Ebrima"/>
-        <a:font script="Olck" typeface="Nirmala UI"/>
-        <a:font script="Osma" typeface="Ebrima"/>
-        <a:font script="Phag" typeface="Phagspa"/>
-        <a:font script="Syrn" typeface="Estrangelo Edessa"/>
-        <a:font script="Syrj" typeface="Estrangelo Edessa"/>
-        <a:font script="Syre" typeface="Estrangelo Edessa"/>
-        <a:font script="Sora" typeface="Nirmala UI"/>
-        <a:font script="Tale" typeface="Microsoft Tai Le"/>
-        <a:font script="Talu" typeface="Microsoft New Tai Lue"/>
-        <a:font script="Tfng" typeface="Ebrima"/>
-      </a:majorFont>
-      <a:minorFont>
-        <a:latin typeface="맑은 고딕" panose="020F0502020204030204"/>
-        <a:ea typeface=""/>
-        <a:cs typeface=""/>
-        <a:font script="Jpan" typeface="游ゴシック"/>
-        <a:font script="Hang" typeface="맑은 고딕"/>
-        <a:font script="Hans" typeface="等线"/>
-        <a:font script="Hant" typeface="新細明體"/>
+        <a:font script="Jpan" typeface="ＭＳ Ｐゴシック"/>
+        <a:font script="Hang" typeface="돋움"/>
+        <a:font script="Hans" typeface="方正舒体"/>
+        <a:font script="Hant" typeface="微軟正黑體"/>
         <a:font script="Arab" typeface="Arial"/>
         <a:font script="Hebr" typeface="Arial"/>
         <a:font script="Thai" typeface="Cordia New"/>
@@ -4434,26 +7075,44 @@
         <a:font script="Viet" typeface="Arial"/>
         <a:font script="Uigh" typeface="Microsoft Uighur"/>
         <a:font script="Geor" typeface="Sylfaen"/>
-        <a:font script="Armn" typeface="Arial"/>
-        <a:font script="Bugi" typeface="Leelawadee UI"/>
-        <a:font script="Bopo" typeface="Microsoft JhengHei"/>
-        <a:font script="Java" typeface="Javanese Text"/>
-        <a:font script="Lisu" typeface="Segoe UI"/>
-        <a:font script="Mymr" typeface="Myanmar Text"/>
-        <a:font script="Nkoo" typeface="Ebrima"/>
-        <a:font script="Olck" typeface="Nirmala UI"/>
-        <a:font script="Osma" typeface="Ebrima"/>
-        <a:font script="Phag" typeface="Phagspa"/>
-        <a:font script="Syrn" typeface="Estrangelo Edessa"/>
-        <a:font script="Syrj" typeface="Estrangelo Edessa"/>
-        <a:font script="Syre" typeface="Estrangelo Edessa"/>
-        <a:font script="Sora" typeface="Nirmala UI"/>
-        <a:font script="Tale" typeface="Microsoft Tai Le"/>
-        <a:font script="Talu" typeface="Microsoft New Tai Lue"/>
-        <a:font script="Tfng" typeface="Ebrima"/>
+      </a:majorFont>
+      <a:minorFont>
+        <a:latin typeface="Calisto MT" panose="02040603050505030304"/>
+        <a:ea typeface=""/>
+        <a:cs typeface=""/>
+        <a:font script="Jpan" typeface="ＭＳ Ｐゴシック"/>
+        <a:font script="Hang" typeface="돋움"/>
+        <a:font script="Hans" typeface="方正舒体"/>
+        <a:font script="Hant" typeface="微軟正黑體"/>
+        <a:font script="Arab" typeface="Arial"/>
+        <a:font script="Hebr" typeface="Arial"/>
+        <a:font script="Thai" typeface="Cordia New"/>
+        <a:font script="Ethi" typeface="Nyala"/>
+        <a:font script="Beng" typeface="Vrinda"/>
+        <a:font script="Gujr" typeface="Shruti"/>
+        <a:font script="Khmr" typeface="DaunPenh"/>
+        <a:font script="Knda" typeface="Tunga"/>
+        <a:font script="Guru" typeface="Raavi"/>
+        <a:font script="Cans" typeface="Euphemia"/>
+        <a:font script="Cher" typeface="Plantagenet Cherokee"/>
+        <a:font script="Yiii" typeface="Microsoft Yi Baiti"/>
+        <a:font script="Tibt" typeface="Microsoft Himalaya"/>
+        <a:font script="Thaa" typeface="MV Boli"/>
+        <a:font script="Deva" typeface="Mangal"/>
+        <a:font script="Telu" typeface="Gautami"/>
+        <a:font script="Taml" typeface="Latha"/>
+        <a:font script="Syrc" typeface="Estrangelo Edessa"/>
+        <a:font script="Orya" typeface="Kalinga"/>
+        <a:font script="Mlym" typeface="Kartika"/>
+        <a:font script="Laoo" typeface="DokChampa"/>
+        <a:font script="Sinh" typeface="Iskoola Pota"/>
+        <a:font script="Mong" typeface="Mongolian Baiti"/>
+        <a:font script="Viet" typeface="Arial"/>
+        <a:font script="Uigh" typeface="Microsoft Uighur"/>
+        <a:font script="Geor" typeface="Sylfaen"/>
       </a:minorFont>
     </a:fontScheme>
-    <a:fmtScheme name="Office">
+    <a:fmtScheme name="슬레이트">
       <a:fillStyleLst>
         <a:solidFill>
           <a:schemeClr val="phClr"/>
@@ -4462,23 +7121,13 @@
           <a:gsLst>
             <a:gs pos="0">
               <a:schemeClr val="phClr">
+                <a:tint val="60000"/>
                 <a:lumMod val="110000"/>
-                <a:satMod val="105000"/>
-                <a:tint val="67000"/>
-              </a:schemeClr>
-            </a:gs>
-            <a:gs pos="50000">
-              <a:schemeClr val="phClr">
-                <a:lumMod val="105000"/>
-                <a:satMod val="103000"/>
-                <a:tint val="73000"/>
               </a:schemeClr>
             </a:gs>
             <a:gs pos="100000">
               <a:schemeClr val="phClr">
-                <a:lumMod val="105000"/>
-                <a:satMod val="109000"/>
-                <a:tint val="81000"/>
+                <a:tint val="88000"/>
               </a:schemeClr>
             </a:gs>
           </a:gsLst>
@@ -4488,23 +7137,14 @@
           <a:gsLst>
             <a:gs pos="0">
               <a:schemeClr val="phClr">
-                <a:satMod val="103000"/>
-                <a:lumMod val="102000"/>
-                <a:tint val="94000"/>
-              </a:schemeClr>
-            </a:gs>
-            <a:gs pos="50000">
-              <a:schemeClr val="phClr">
-                <a:satMod val="110000"/>
-                <a:lumMod val="100000"/>
-                <a:shade val="100000"/>
+                <a:tint val="96000"/>
+                <a:lumMod val="104000"/>
               </a:schemeClr>
             </a:gs>
             <a:gs pos="100000">
               <a:schemeClr val="phClr">
-                <a:lumMod val="99000"/>
-                <a:satMod val="120000"/>
-                <a:shade val="78000"/>
+                <a:shade val="90000"/>
+                <a:lumMod val="90000"/>
               </a:schemeClr>
             </a:gs>
           </a:gsLst>
@@ -4512,26 +7152,25 @@
         </a:gradFill>
       </a:fillStyleLst>
       <a:lnStyleLst>
-        <a:ln w="6350" cap="flat" cmpd="sng" algn="ctr">
+        <a:ln w="9525" cap="rnd" cmpd="sng" algn="ctr">
+          <a:solidFill>
+            <a:schemeClr val="phClr">
+              <a:shade val="90000"/>
+            </a:schemeClr>
+          </a:solidFill>
+          <a:prstDash val="solid"/>
+        </a:ln>
+        <a:ln w="15875" cap="rnd" cmpd="sng" algn="ctr">
           <a:solidFill>
             <a:schemeClr val="phClr"/>
           </a:solidFill>
           <a:prstDash val="solid"/>
-          <a:miter lim="800000"/>
         </a:ln>
-        <a:ln w="12700" cap="flat" cmpd="sng" algn="ctr">
+        <a:ln w="25400" cap="rnd" cmpd="sng" algn="ctr">
           <a:solidFill>
             <a:schemeClr val="phClr"/>
           </a:solidFill>
           <a:prstDash val="solid"/>
-          <a:miter lim="800000"/>
-        </a:ln>
-        <a:ln w="19050" cap="flat" cmpd="sng" algn="ctr">
-          <a:solidFill>
-            <a:schemeClr val="phClr"/>
-          </a:solidFill>
-          <a:prstDash val="solid"/>
-          <a:miter lim="800000"/>
         </a:ln>
       </a:lnStyleLst>
       <a:effectStyleLst>
@@ -4539,16 +7178,33 @@
           <a:effectLst/>
         </a:effectStyle>
         <a:effectStyle>
-          <a:effectLst/>
+          <a:effectLst>
+            <a:outerShdw blurRad="63500" dist="25400" dir="5400000" rotWithShape="0">
+              <a:srgbClr val="000000">
+                <a:alpha val="60000"/>
+              </a:srgbClr>
+            </a:outerShdw>
+          </a:effectLst>
         </a:effectStyle>
         <a:effectStyle>
           <a:effectLst>
-            <a:outerShdw blurRad="57150" dist="19050" dir="5400000" algn="ctr" rotWithShape="0">
+            <a:outerShdw blurRad="76200" dist="38100" dir="5400000" rotWithShape="0">
               <a:srgbClr val="000000">
-                <a:alpha val="63000"/>
+                <a:alpha val="75000"/>
               </a:srgbClr>
             </a:outerShdw>
           </a:effectLst>
+          <a:scene3d>
+            <a:camera prst="orthographicFront">
+              <a:rot lat="0" lon="0" rev="0"/>
+            </a:camera>
+            <a:lightRig rig="threePt" dir="t">
+              <a:rot lat="0" lon="0" rev="1200000"/>
+            </a:lightRig>
+          </a:scene3d>
+          <a:sp3d>
+            <a:bevelT w="63500" h="25400" prst="hardEdge"/>
+          </a:sp3d>
         </a:effectStyle>
       </a:effectStyleLst>
       <a:bgFillStyleLst>
@@ -4556,38 +7212,22 @@
           <a:schemeClr val="phClr"/>
         </a:solidFill>
         <a:solidFill>
-          <a:schemeClr val="phClr">
-            <a:tint val="95000"/>
-            <a:satMod val="170000"/>
-          </a:schemeClr>
+          <a:schemeClr val="phClr"/>
         </a:solidFill>
-        <a:gradFill rotWithShape="1">
-          <a:gsLst>
-            <a:gs pos="0">
+        <a:blipFill rotWithShape="1">
+          <a:blip xmlns:r="http://schemas.openxmlformats.org/officeDocument/2006/relationships" r:embed="rId1">
+            <a:duotone>
               <a:schemeClr val="phClr">
-                <a:tint val="93000"/>
-                <a:satMod val="150000"/>
-                <a:shade val="98000"/>
-                <a:lumMod val="102000"/>
+                <a:shade val="80000"/>
+                <a:lumMod val="80000"/>
               </a:schemeClr>
-            </a:gs>
-            <a:gs pos="50000">
               <a:schemeClr val="phClr">
                 <a:tint val="98000"/>
-                <a:satMod val="130000"/>
-                <a:shade val="90000"/>
-                <a:lumMod val="103000"/>
               </a:schemeClr>
-            </a:gs>
-            <a:gs pos="100000">
-              <a:schemeClr val="phClr">
-                <a:shade val="63000"/>
-                <a:satMod val="120000"/>
-              </a:schemeClr>
-            </a:gs>
-          </a:gsLst>
-          <a:lin ang="5400000" scaled="0"/>
-        </a:gradFill>
+            </a:duotone>
+          </a:blip>
+          <a:stretch/>
+        </a:blipFill>
       </a:bgFillStyleLst>
     </a:fmtScheme>
   </a:themeElements>
@@ -4595,7 +7235,7 @@
   <a:extraClrSchemeLst/>
   <a:extLst>
     <a:ext uri="{05A4C25C-085E-4340-85A3-A5531E510DB2}">
-      <thm15:themeFamily xmlns:thm15="http://schemas.microsoft.com/office/thememl/2012/main" name="Office Theme" id="{62F939B6-93AF-4DB8-9C6B-D6C7DFDC589F}" vid="{4A3C46E8-61CC-4603-A589-7422A47A8E4A}"/>
+      <thm15:themeFamily xmlns:thm15="http://schemas.microsoft.com/office/thememl/2012/main" name="Slate" id="{C3F70B94-7CE9-428E-ADC1-3269CC2C3385}" vid="{3F2DE9A5-64E6-437C-A389-CC4477E817E8}"/>
     </a:ext>
   </a:extLst>
 </a:theme>

--- a/WORDLE WITH AI.pptx
+++ b/WORDLE WITH AI.pptx
@@ -6880,19 +6880,22 @@
             <a:pPr lvl="1"/>
             <a:r>
               <a:rPr lang="en-US" altLang="ko-KR" dirty="0" err="1"/>
-              <a:t>pygame</a:t>
+              <a:t>Pygame</a:t>
             </a:r>
             <a:endParaRPr lang="en-US" altLang="ko-KR" dirty="0"/>
           </a:p>
           <a:p>
-            <a:pPr lvl="1"/>
-            <a:r>
-              <a:rPr lang="en-US" altLang="ko-KR" dirty="0" err="1"/>
-              <a:t>Etc</a:t>
-            </a:r>
             <a:r>
               <a:rPr lang="en-US" altLang="ko-KR" dirty="0"/>
-              <a:t>) algorithm</a:t>
+              <a:t>Deep RL (</a:t>
+            </a:r>
+            <a:r>
+              <a:rPr lang="ko-KR" altLang="en-US" dirty="0"/>
+              <a:t>사용 예정</a:t>
+            </a:r>
+            <a:r>
+              <a:rPr lang="en-US" altLang="ko-KR"/>
+              <a:t>)</a:t>
             </a:r>
             <a:endParaRPr lang="ko-KR" altLang="en-US" dirty="0"/>
           </a:p>
